--- a/InventorySystem-FinalPresentation.pptx
+++ b/InventorySystem-FinalPresentation.pptx
@@ -5,10 +5,10 @@
     <p:sldMasterId id="2147483648" r:id="rId2"/>
   </p:sldMasterIdLst>
   <p:notesMasterIdLst>
-    <p:notesMasterId r:id="rId35"/>
+    <p:notesMasterId r:id="rId29"/>
   </p:notesMasterIdLst>
   <p:handoutMasterIdLst>
-    <p:handoutMasterId r:id="rId36"/>
+    <p:handoutMasterId r:id="rId30"/>
   </p:handoutMasterIdLst>
   <p:sldIdLst>
     <p:sldId id="262" r:id="rId3"/>
@@ -19,9 +19,9 @@
     <p:sldId id="283" r:id="rId8"/>
     <p:sldId id="284" r:id="rId9"/>
     <p:sldId id="285" r:id="rId10"/>
-    <p:sldId id="286" r:id="rId11"/>
-    <p:sldId id="287" r:id="rId12"/>
-    <p:sldId id="288" r:id="rId13"/>
+    <p:sldId id="310" r:id="rId11"/>
+    <p:sldId id="286" r:id="rId12"/>
+    <p:sldId id="287" r:id="rId13"/>
     <p:sldId id="289" r:id="rId14"/>
     <p:sldId id="290" r:id="rId15"/>
     <p:sldId id="291" r:id="rId16"/>
@@ -29,20 +29,14 @@
     <p:sldId id="293" r:id="rId18"/>
     <p:sldId id="294" r:id="rId19"/>
     <p:sldId id="295" r:id="rId20"/>
-    <p:sldId id="296" r:id="rId21"/>
-    <p:sldId id="297" r:id="rId22"/>
-    <p:sldId id="298" r:id="rId23"/>
-    <p:sldId id="299" r:id="rId24"/>
-    <p:sldId id="300" r:id="rId25"/>
-    <p:sldId id="301" r:id="rId26"/>
-    <p:sldId id="302" r:id="rId27"/>
-    <p:sldId id="303" r:id="rId28"/>
-    <p:sldId id="304" r:id="rId29"/>
-    <p:sldId id="305" r:id="rId30"/>
-    <p:sldId id="306" r:id="rId31"/>
-    <p:sldId id="307" r:id="rId32"/>
-    <p:sldId id="308" r:id="rId33"/>
-    <p:sldId id="309" r:id="rId34"/>
+    <p:sldId id="302" r:id="rId21"/>
+    <p:sldId id="303" r:id="rId22"/>
+    <p:sldId id="304" r:id="rId23"/>
+    <p:sldId id="305" r:id="rId24"/>
+    <p:sldId id="306" r:id="rId25"/>
+    <p:sldId id="307" r:id="rId26"/>
+    <p:sldId id="308" r:id="rId27"/>
+    <p:sldId id="309" r:id="rId28"/>
   </p:sldIdLst>
   <p:sldSz cx="12192000" cy="6858000"/>
   <p:notesSz cx="6858000" cy="9144000"/>
@@ -163,6 +157,26 @@
 </p:presentation>
 </file>
 
+<file path=ppt/commentAuthors.xml><?xml version="1.0" encoding="utf-8"?>
+<p:cmAuthorLst xmlns:a="http://schemas.openxmlformats.org/drawingml/2006/main" xmlns:r="http://schemas.openxmlformats.org/officeDocument/2006/relationships" xmlns:p="http://schemas.openxmlformats.org/presentationml/2006/main">
+  <p:cmAuthor id="2" name="Author" initials="A" lastIdx="1" clrIdx="1"/>
+</p:cmAuthorLst>
+</file>
+
+<file path=ppt/comments/comment1.xml><?xml version="1.0" encoding="utf-8"?>
+<p:cmLst xmlns:a="http://schemas.openxmlformats.org/drawingml/2006/main" xmlns:r="http://schemas.openxmlformats.org/officeDocument/2006/relationships" xmlns:p="http://schemas.openxmlformats.org/presentationml/2006/main">
+  <p:cm authorId="2" dt="2016-12-15T10:00:38.960" idx="1">
+    <p:pos x="10" y="10"/>
+    <p:text/>
+    <p:extLst>
+      <p:ext uri="{C676402C-5697-4E1C-873F-D02D1690AC5C}">
+        <p15:threadingInfo xmlns:p15="http://schemas.microsoft.com/office/powerpoint/2012/main" timeZoneBias="360"/>
+      </p:ext>
+    </p:extLst>
+  </p:cm>
+</p:cmLst>
+</file>
+
 <file path=ppt/handoutMasters/handoutMaster1.xml><?xml version="1.0" encoding="utf-8"?>
 <p:handoutMaster xmlns:a="http://schemas.openxmlformats.org/drawingml/2006/main" xmlns:r="http://schemas.openxmlformats.org/officeDocument/2006/relationships" xmlns:p="http://schemas.openxmlformats.org/presentationml/2006/main">
   <p:cSld>
@@ -245,7 +259,7 @@
           <a:p>
             <a:fld id="{1A9BCE0C-CD74-4A59-802C-6D2F8C15331A}" type="datetimeFigureOut">
               <a:rPr lang="en-US" smtClean="0"/>
-              <a:t>12/14/2016</a:t>
+              <a:t>12/15/2016</a:t>
             </a:fld>
             <a:endParaRPr lang="en-US"/>
           </a:p>
@@ -410,7 +424,7 @@
           <a:p>
             <a:fld id="{F04FDEA8-CBB8-46CC-9562-028963DBC55A}" type="datetimeFigureOut">
               <a:rPr lang="en-US" smtClean="0"/>
-              <a:t>12/14/2016</a:t>
+              <a:t>12/15/2016</a:t>
             </a:fld>
             <a:endParaRPr lang="en-US"/>
           </a:p>
@@ -1468,7 +1482,7 @@
           <a:p>
             <a:fld id="{37CC0096-1860-4642-9CD2-0079EA5E7CD1}" type="datetimeFigureOut">
               <a:rPr lang="en-US" smtClean="0"/>
-              <a:t>12/14/2016</a:t>
+              <a:t>12/15/2016</a:t>
             </a:fld>
             <a:endParaRPr lang="en-US"/>
           </a:p>
@@ -1667,7 +1681,7 @@
           <a:p>
             <a:fld id="{37CC0096-1860-4642-9CD2-0079EA5E7CD1}" type="datetimeFigureOut">
               <a:rPr lang="en-US" smtClean="0"/>
-              <a:t>12/14/2016</a:t>
+              <a:t>12/15/2016</a:t>
             </a:fld>
             <a:endParaRPr lang="en-US"/>
           </a:p>
@@ -2266,7 +2280,7 @@
           <a:p>
             <a:fld id="{37CC0096-1860-4642-9CD2-0079EA5E7CD1}" type="datetimeFigureOut">
               <a:rPr lang="en-US" smtClean="0"/>
-              <a:t>12/14/2016</a:t>
+              <a:t>12/15/2016</a:t>
             </a:fld>
             <a:endParaRPr lang="en-US"/>
           </a:p>
@@ -2793,7 +2807,7 @@
           <a:p>
             <a:fld id="{37CC0096-1860-4642-9CD2-0079EA5E7CD1}" type="datetimeFigureOut">
               <a:rPr lang="en-US" smtClean="0"/>
-              <a:t>12/14/2016</a:t>
+              <a:t>12/15/2016</a:t>
             </a:fld>
             <a:endParaRPr lang="en-US"/>
           </a:p>
@@ -3248,7 +3262,7 @@
           <a:p>
             <a:fld id="{37CC0096-1860-4642-9CD2-0079EA5E7CD1}" type="datetimeFigureOut">
               <a:rPr lang="en-US" smtClean="0"/>
-              <a:t>12/14/2016</a:t>
+              <a:t>12/15/2016</a:t>
             </a:fld>
             <a:endParaRPr lang="en-US"/>
           </a:p>
@@ -3385,7 +3399,7 @@
           <a:p>
             <a:fld id="{37CC0096-1860-4642-9CD2-0079EA5E7CD1}" type="datetimeFigureOut">
               <a:rPr lang="en-US" smtClean="0"/>
-              <a:t>12/14/2016</a:t>
+              <a:t>12/15/2016</a:t>
             </a:fld>
             <a:endParaRPr lang="en-US"/>
           </a:p>
@@ -3737,7 +3751,7 @@
           <a:p>
             <a:fld id="{37CC0096-1860-4642-9CD2-0079EA5E7CD1}" type="datetimeFigureOut">
               <a:rPr lang="en-US" smtClean="0"/>
-              <a:t>12/14/2016</a:t>
+              <a:t>12/15/2016</a:t>
             </a:fld>
             <a:endParaRPr lang="en-US"/>
           </a:p>
@@ -4011,7 +4025,7 @@
             <a:fld id="{37CC0096-1860-4642-9CD2-0079EA5E7CD1}" type="datetimeFigureOut">
               <a:rPr lang="en-US" smtClean="0"/>
               <a:pPr/>
-              <a:t>12/14/2016</a:t>
+              <a:t>12/15/2016</a:t>
             </a:fld>
             <a:endParaRPr lang="en-US"/>
           </a:p>
@@ -4582,17 +4596,7 @@
                   </a:schemeClr>
                 </a:solidFill>
               </a:rPr>
-              <a:t> </a:t>
-            </a:r>
-            <a:r>
-              <a:rPr lang="en-US" sz="7200" b="1" dirty="0" smtClean="0">
-                <a:solidFill>
-                  <a:schemeClr val="accent4">
-                    <a:lumMod val="50000"/>
-                  </a:schemeClr>
-                </a:solidFill>
-              </a:rPr>
-              <a:t>VISION QUEST </a:t>
+              <a:t> VISION QUEST </a:t>
             </a:r>
             <a:endParaRPr lang="en-US" sz="7200" b="1" dirty="0">
               <a:solidFill>
@@ -4756,7 +4760,7 @@
         <p:spPr>
           <a:xfrm>
             <a:off x="762000" y="559678"/>
-            <a:ext cx="3951668" cy="562540"/>
+            <a:ext cx="5173287" cy="645667"/>
           </a:xfrm>
         </p:spPr>
         <p:txBody>
@@ -4773,8 +4777,145 @@
                 <a:latin typeface="+mn-lt"/>
                 <a:cs typeface="Arial" panose="020B0604020202020204" pitchFamily="34" charset="0"/>
               </a:rPr>
-              <a:t>Prototypes </a:t>
-            </a:r>
+              <a:t>Tools Required</a:t>
+            </a:r>
+          </a:p>
+        </p:txBody>
+      </p:sp>
+      <p:sp>
+        <p:nvSpPr>
+          <p:cNvPr id="3" name="Content Placeholder 2"/>
+          <p:cNvSpPr>
+            <a:spLocks noGrp="1"/>
+          </p:cNvSpPr>
+          <p:nvPr>
+            <p:ph idx="1"/>
+          </p:nvPr>
+        </p:nvSpPr>
+        <p:spPr>
+          <a:xfrm>
+            <a:off x="900545" y="1403797"/>
+            <a:ext cx="10072255" cy="4463603"/>
+          </a:xfrm>
+        </p:spPr>
+        <p:txBody>
+          <a:bodyPr>
+            <a:normAutofit/>
+          </a:bodyPr>
+          <a:lstStyle/>
+          <a:p>
+            <a:r>
+              <a:rPr lang="en-US" sz="2800" dirty="0">
+                <a:solidFill>
+                  <a:srgbClr val="002060"/>
+                </a:solidFill>
+                <a:latin typeface="Times New Roman" charset="0"/>
+                <a:ea typeface="Times New Roman" charset="0"/>
+                <a:cs typeface="Times New Roman" charset="0"/>
+              </a:rPr>
+              <a:t>Prototype Design        - </a:t>
+            </a:r>
+            <a:r>
+              <a:rPr lang="en-US" sz="2600" dirty="0">
+                <a:solidFill>
+                  <a:srgbClr val="002060"/>
+                </a:solidFill>
+                <a:latin typeface="Times New Roman" charset="0"/>
+                <a:ea typeface="Times New Roman" charset="0"/>
+                <a:cs typeface="Times New Roman" charset="0"/>
+              </a:rPr>
+              <a:t>Just in mind</a:t>
+            </a:r>
+          </a:p>
+          <a:p>
+            <a:r>
+              <a:rPr lang="en-US" sz="2800" dirty="0">
+                <a:solidFill>
+                  <a:srgbClr val="002060"/>
+                </a:solidFill>
+                <a:latin typeface="Times New Roman" charset="0"/>
+                <a:ea typeface="Times New Roman" charset="0"/>
+                <a:cs typeface="Times New Roman" charset="0"/>
+              </a:rPr>
+              <a:t>ER Diagram                - Visio</a:t>
+            </a:r>
+          </a:p>
+          <a:p>
+            <a:r>
+              <a:rPr lang="en-US" sz="2800" dirty="0">
+                <a:solidFill>
+                  <a:srgbClr val="002060"/>
+                </a:solidFill>
+                <a:latin typeface="Times New Roman" charset="0"/>
+                <a:ea typeface="Times New Roman" charset="0"/>
+                <a:cs typeface="Times New Roman" charset="0"/>
+              </a:rPr>
+              <a:t>Database Connection  - </a:t>
+            </a:r>
+            <a:r>
+              <a:rPr lang="en-US" sz="2800" dirty="0" smtClean="0">
+                <a:solidFill>
+                  <a:srgbClr val="002060"/>
+                </a:solidFill>
+                <a:latin typeface="Times New Roman" charset="0"/>
+                <a:ea typeface="Times New Roman" charset="0"/>
+                <a:cs typeface="Times New Roman" charset="0"/>
+              </a:rPr>
+              <a:t>Back4App</a:t>
+            </a:r>
+          </a:p>
+          <a:p>
+            <a:r>
+              <a:rPr lang="en-US" sz="2800" dirty="0" smtClean="0">
+                <a:solidFill>
+                  <a:srgbClr val="002060"/>
+                </a:solidFill>
+                <a:latin typeface="Times New Roman" charset="0"/>
+                <a:ea typeface="Times New Roman" charset="0"/>
+                <a:cs typeface="Times New Roman" charset="0"/>
+              </a:rPr>
+              <a:t>Platform </a:t>
+            </a:r>
+            <a:r>
+              <a:rPr lang="en-US" sz="2800" dirty="0" smtClean="0">
+                <a:solidFill>
+                  <a:srgbClr val="002060"/>
+                </a:solidFill>
+                <a:latin typeface="Times New Roman" charset="0"/>
+                <a:ea typeface="Times New Roman" charset="0"/>
+                <a:cs typeface="Times New Roman" charset="0"/>
+              </a:rPr>
+              <a:t>                     - </a:t>
+            </a:r>
+            <a:r>
+              <a:rPr lang="en-US" sz="2800" dirty="0" err="1">
+                <a:solidFill>
+                  <a:srgbClr val="002060"/>
+                </a:solidFill>
+                <a:latin typeface="Times New Roman" charset="0"/>
+                <a:ea typeface="Times New Roman" charset="0"/>
+                <a:cs typeface="Times New Roman" charset="0"/>
+              </a:rPr>
+              <a:t>Xcode</a:t>
+            </a:r>
+            <a:endParaRPr lang="en-US" sz="2800" dirty="0">
+              <a:solidFill>
+                <a:srgbClr val="002060"/>
+              </a:solidFill>
+              <a:latin typeface="Times New Roman" charset="0"/>
+              <a:ea typeface="Times New Roman" charset="0"/>
+              <a:cs typeface="Times New Roman" charset="0"/>
+            </a:endParaRPr>
+          </a:p>
+          <a:p>
+            <a:endParaRPr lang="en-US" sz="2800" dirty="0">
+              <a:solidFill>
+                <a:srgbClr val="0070C0"/>
+              </a:solidFill>
+              <a:latin typeface="Times New Roman" charset="0"/>
+              <a:ea typeface="Times New Roman" charset="0"/>
+              <a:cs typeface="Times New Roman" charset="0"/>
+            </a:endParaRPr>
           </a:p>
         </p:txBody>
       </p:sp>
@@ -4786,8 +4927,8 @@
         </p:nvSpPr>
         <p:spPr>
           <a:xfrm>
-            <a:off x="7756073" y="6041572"/>
-            <a:ext cx="3902528" cy="646331"/>
+            <a:off x="8311243" y="6188529"/>
+            <a:ext cx="3347357" cy="369332"/>
           </a:xfrm>
           <a:prstGeom prst="rect">
             <a:avLst/>
@@ -4802,91 +4943,28 @@
           <a:p>
             <a:r>
               <a:rPr lang="en-US" dirty="0"/>
-              <a:t>	Meghana </a:t>
-            </a:r>
-            <a:r>
-              <a:rPr lang="en-US" dirty="0" smtClean="0"/>
-              <a:t>Thakkellapati</a:t>
+              <a:t>	</a:t>
+            </a:r>
+            <a:r>
+              <a:rPr lang="en-US" dirty="0" err="1"/>
+              <a:t>Jeevitha</a:t>
+            </a:r>
+            <a:r>
+              <a:rPr lang="en-US" dirty="0"/>
+              <a:t> </a:t>
+            </a:r>
+            <a:r>
+              <a:rPr lang="en-US" dirty="0" err="1"/>
+              <a:t>Kamatham</a:t>
             </a:r>
             <a:endParaRPr lang="en-US" dirty="0"/>
           </a:p>
-          <a:p>
-            <a:endParaRPr lang="en-US" dirty="0"/>
-          </a:p>
-        </p:txBody>
-      </p:sp>
-      <p:sp>
-        <p:nvSpPr>
-          <p:cNvPr id="3" name="Content Placeholder 2"/>
-          <p:cNvSpPr>
-            <a:spLocks noGrp="1"/>
-          </p:cNvSpPr>
-          <p:nvPr>
-            <p:ph idx="1"/>
-          </p:nvPr>
-        </p:nvSpPr>
-        <p:spPr>
-          <a:xfrm>
-            <a:off x="1271847" y="1438102"/>
-            <a:ext cx="10158151" cy="4786120"/>
-          </a:xfrm>
-        </p:spPr>
-        <p:txBody>
-          <a:bodyPr/>
-          <a:lstStyle/>
-          <a:p>
-            <a:pPr marL="0" indent="0">
-              <a:buNone/>
-            </a:pPr>
-            <a:r>
-              <a:rPr lang="en-US" dirty="0" smtClean="0"/>
-              <a:t>.</a:t>
-            </a:r>
-            <a:endParaRPr lang="en-US" dirty="0"/>
-          </a:p>
-          <a:p>
-            <a:endParaRPr lang="en-US" dirty="0"/>
-          </a:p>
-          <a:p>
-            <a:endParaRPr lang="en-US" dirty="0"/>
-          </a:p>
-          <a:p>
-            <a:endParaRPr lang="en-US" dirty="0"/>
-          </a:p>
-        </p:txBody>
-      </p:sp>
-      <p:pic>
-        <p:nvPicPr>
-          <p:cNvPr id="6" name="Picture 5"/>
-          <p:cNvPicPr/>
-          <p:nvPr/>
-        </p:nvPicPr>
-        <p:blipFill>
-          <a:blip r:embed="rId2">
-            <a:extLst>
-              <a:ext uri="{28A0092B-C50C-407E-A947-70E740481C1C}">
-                <a14:useLocalDpi xmlns:a14="http://schemas.microsoft.com/office/drawing/2010/main" val="0"/>
-              </a:ext>
-            </a:extLst>
-          </a:blip>
-          <a:stretch>
-            <a:fillRect/>
-          </a:stretch>
-        </p:blipFill>
-        <p:spPr>
-          <a:xfrm>
-            <a:off x="4699316" y="1626441"/>
-            <a:ext cx="2432707" cy="4420360"/>
-          </a:xfrm>
-          <a:prstGeom prst="rect">
-            <a:avLst/>
-          </a:prstGeom>
-        </p:spPr>
-      </p:pic>
+        </p:txBody>
+      </p:sp>
     </p:spTree>
     <p:extLst>
       <p:ext uri="{BB962C8B-B14F-4D97-AF65-F5344CB8AC3E}">
-        <p14:creationId xmlns:p14="http://schemas.microsoft.com/office/powerpoint/2010/main" val="1557112306"/>
+        <p14:creationId xmlns:p14="http://schemas.microsoft.com/office/powerpoint/2010/main" val="3559406443"/>
       </p:ext>
     </p:extLst>
   </p:cSld>
@@ -5027,6 +5105,13 @@
             <a:pPr marL="0" indent="0">
               <a:buNone/>
             </a:pPr>
+            <a:r>
+              <a:rPr lang="en-US" dirty="0" smtClean="0"/>
+              <a:t>.</a:t>
+            </a:r>
+            <a:endParaRPr lang="en-US" dirty="0"/>
+          </a:p>
+          <a:p>
             <a:endParaRPr lang="en-US" dirty="0"/>
           </a:p>
           <a:p>
@@ -5059,8 +5144,8 @@
         </p:blipFill>
         <p:spPr>
           <a:xfrm>
-            <a:off x="4649652" y="1348004"/>
-            <a:ext cx="2619741" cy="4682169"/>
+            <a:off x="4299217" y="862884"/>
+            <a:ext cx="3773871" cy="5396248"/>
           </a:xfrm>
           <a:prstGeom prst="rect">
             <a:avLst/>
@@ -5070,7 +5155,7 @@
     </p:spTree>
     <p:extLst>
       <p:ext uri="{BB962C8B-B14F-4D97-AF65-F5344CB8AC3E}">
-        <p14:creationId xmlns:p14="http://schemas.microsoft.com/office/powerpoint/2010/main" val="469038175"/>
+        <p14:creationId xmlns:p14="http://schemas.microsoft.com/office/powerpoint/2010/main" val="1557112306"/>
       </p:ext>
     </p:extLst>
   </p:cSld>
@@ -5188,41 +5273,18 @@
           </a:p>
         </p:txBody>
       </p:sp>
-      <p:sp>
-        <p:nvSpPr>
-          <p:cNvPr id="3" name="Content Placeholder 2"/>
-          <p:cNvSpPr>
-            <a:spLocks noGrp="1"/>
-          </p:cNvSpPr>
-          <p:nvPr>
-            <p:ph idx="1"/>
-          </p:nvPr>
-        </p:nvSpPr>
-        <p:spPr>
-          <a:xfrm>
-            <a:off x="1122218" y="1396537"/>
-            <a:ext cx="10307780" cy="4835997"/>
-          </a:xfrm>
-        </p:spPr>
-        <p:txBody>
-          <a:bodyPr/>
-          <a:lstStyle/>
-          <a:p>
-            <a:pPr marL="0" indent="0">
-              <a:buNone/>
-            </a:pPr>
-            <a:endParaRPr lang="en-US" dirty="0"/>
-          </a:p>
-        </p:txBody>
-      </p:sp>
       <p:pic>
         <p:nvPicPr>
-          <p:cNvPr id="6" name="Picture 5"/>
-          <p:cNvPicPr/>
-          <p:nvPr/>
+          <p:cNvPr id="5" name="Content Placeholder 4"/>
+          <p:cNvPicPr>
+            <a:picLocks noGrp="1" noChangeAspect="1"/>
+          </p:cNvPicPr>
+          <p:nvPr>
+            <p:ph idx="1"/>
+          </p:nvPr>
         </p:nvPicPr>
         <p:blipFill>
-          <a:blip r:embed="rId3">
+          <a:blip r:embed="rId3" cstate="print">
             <a:extLst>
               <a:ext uri="{28A0092B-C50C-407E-A947-70E740481C1C}">
                 <a14:useLocalDpi xmlns:a14="http://schemas.microsoft.com/office/drawing/2010/main" val="0"/>
@@ -5235,12 +5297,9 @@
         </p:blipFill>
         <p:spPr>
           <a:xfrm>
-            <a:off x="3671456" y="1603855"/>
-            <a:ext cx="3369756" cy="4305300"/>
-          </a:xfrm>
-          <a:prstGeom prst="rect">
-            <a:avLst/>
-          </a:prstGeom>
+            <a:off x="4949191" y="1397000"/>
+            <a:ext cx="2653980" cy="4835525"/>
+          </a:xfrm>
         </p:spPr>
       </p:pic>
     </p:spTree>
@@ -5334,75 +5393,18 @@
           </a:p>
         </p:txBody>
       </p:sp>
-      <p:sp>
-        <p:nvSpPr>
-          <p:cNvPr id="3" name="Content Placeholder 2"/>
-          <p:cNvSpPr>
-            <a:spLocks noGrp="1"/>
-          </p:cNvSpPr>
-          <p:nvPr>
-            <p:ph idx="1"/>
-          </p:nvPr>
-        </p:nvSpPr>
-        <p:spPr>
-          <a:xfrm>
-            <a:off x="1371600" y="1403797"/>
-            <a:ext cx="9601200" cy="4463603"/>
-          </a:xfrm>
-        </p:spPr>
-        <p:txBody>
-          <a:bodyPr/>
-          <a:lstStyle/>
-          <a:p>
-            <a:pPr marL="0" indent="0">
-              <a:buNone/>
-            </a:pPr>
-            <a:endParaRPr lang="en-US" dirty="0"/>
-          </a:p>
-        </p:txBody>
-      </p:sp>
-      <p:sp>
-        <p:nvSpPr>
-          <p:cNvPr id="4" name="TextBox 3"/>
-          <p:cNvSpPr txBox="1"/>
-          <p:nvPr/>
-        </p:nvSpPr>
-        <p:spPr>
-          <a:xfrm>
-            <a:off x="8311243" y="6188529"/>
-            <a:ext cx="3347357" cy="369332"/>
-          </a:xfrm>
-          <a:prstGeom prst="rect">
-            <a:avLst/>
-          </a:prstGeom>
-          <a:noFill/>
-        </p:spPr>
-        <p:txBody>
-          <a:bodyPr wrap="square" rtlCol="0">
-            <a:spAutoFit/>
-          </a:bodyPr>
-          <a:lstStyle/>
-          <a:p>
-            <a:r>
-              <a:rPr lang="en-US" dirty="0"/>
-              <a:t>	Meghana </a:t>
-            </a:r>
-            <a:r>
-              <a:rPr lang="en-US" dirty="0" smtClean="0"/>
-              <a:t>Thakkellapati</a:t>
-            </a:r>
-            <a:endParaRPr lang="en-US" dirty="0"/>
-          </a:p>
-        </p:txBody>
-      </p:sp>
       <p:pic>
         <p:nvPicPr>
-          <p:cNvPr id="5" name="Picture 4"/>
-          <p:cNvPicPr/>
-          <p:nvPr/>
+          <p:cNvPr id="6" name="Content Placeholder 5"/>
+          <p:cNvPicPr>
+            <a:picLocks noGrp="1" noChangeAspect="1"/>
+          </p:cNvPicPr>
+          <p:nvPr>
+            <p:ph idx="1"/>
+          </p:nvPr>
         </p:nvPicPr>
         <p:blipFill>
-          <a:blip r:embed="rId2">
+          <a:blip r:embed="rId2" cstate="print">
             <a:extLst>
               <a:ext uri="{28A0092B-C50C-407E-A947-70E740481C1C}">
                 <a14:useLocalDpi xmlns:a14="http://schemas.microsoft.com/office/drawing/2010/main" val="0"/>
@@ -5415,14 +5417,45 @@
         </p:blipFill>
         <p:spPr>
           <a:xfrm>
-            <a:off x="4166619" y="1413611"/>
-            <a:ext cx="2759209" cy="4392780"/>
+            <a:off x="3928057" y="1416229"/>
+            <a:ext cx="2909268" cy="4765630"/>
+          </a:xfrm>
+        </p:spPr>
+      </p:pic>
+      <p:sp>
+        <p:nvSpPr>
+          <p:cNvPr id="4" name="TextBox 3"/>
+          <p:cNvSpPr txBox="1"/>
+          <p:nvPr/>
+        </p:nvSpPr>
+        <p:spPr>
+          <a:xfrm>
+            <a:off x="8311243" y="6188529"/>
+            <a:ext cx="3347357" cy="369332"/>
           </a:xfrm>
           <a:prstGeom prst="rect">
             <a:avLst/>
           </a:prstGeom>
-        </p:spPr>
-      </p:pic>
+          <a:noFill/>
+        </p:spPr>
+        <p:txBody>
+          <a:bodyPr wrap="square" rtlCol="0">
+            <a:spAutoFit/>
+          </a:bodyPr>
+          <a:lstStyle/>
+          <a:p>
+            <a:r>
+              <a:rPr lang="en-US" dirty="0"/>
+              <a:t>	Meghana </a:t>
+            </a:r>
+            <a:r>
+              <a:rPr lang="en-US" dirty="0" smtClean="0"/>
+              <a:t>Thakkellapati</a:t>
+            </a:r>
+            <a:endParaRPr lang="en-US" dirty="0"/>
+          </a:p>
+        </p:txBody>
+      </p:sp>
     </p:spTree>
     <p:extLst>
       <p:ext uri="{BB962C8B-B14F-4D97-AF65-F5344CB8AC3E}">
@@ -5514,77 +5547,18 @@
           </a:p>
         </p:txBody>
       </p:sp>
-      <p:sp>
-        <p:nvSpPr>
-          <p:cNvPr id="3" name="Content Placeholder 2"/>
-          <p:cNvSpPr>
-            <a:spLocks noGrp="1"/>
-          </p:cNvSpPr>
-          <p:nvPr>
-            <p:ph idx="1"/>
-          </p:nvPr>
-        </p:nvSpPr>
-        <p:spPr>
-          <a:xfrm>
-            <a:off x="1371600" y="1403797"/>
-            <a:ext cx="9601200" cy="4463603"/>
-          </a:xfrm>
-        </p:spPr>
-        <p:txBody>
-          <a:bodyPr/>
-          <a:lstStyle/>
-          <a:p>
-            <a:pPr marL="0" indent="0">
-              <a:buNone/>
-            </a:pPr>
-            <a:endParaRPr lang="en-US" dirty="0"/>
-          </a:p>
-        </p:txBody>
-      </p:sp>
-      <p:sp>
-        <p:nvSpPr>
-          <p:cNvPr id="4" name="TextBox 3"/>
-          <p:cNvSpPr txBox="1"/>
-          <p:nvPr/>
-        </p:nvSpPr>
-        <p:spPr>
-          <a:xfrm>
-            <a:off x="8686800" y="6286500"/>
-            <a:ext cx="3118757" cy="369332"/>
-          </a:xfrm>
-          <a:prstGeom prst="rect">
-            <a:avLst/>
-          </a:prstGeom>
-          <a:noFill/>
-        </p:spPr>
-        <p:txBody>
-          <a:bodyPr wrap="square" rtlCol="0">
-            <a:spAutoFit/>
-          </a:bodyPr>
-          <a:lstStyle/>
-          <a:p>
-            <a:r>
-              <a:rPr lang="en-US" dirty="0"/>
-              <a:t>            Meghana </a:t>
-            </a:r>
-            <a:r>
-              <a:rPr lang="en-US" dirty="0" smtClean="0"/>
-              <a:t>Thakkellapati</a:t>
-            </a:r>
-            <a:endParaRPr lang="en-US" dirty="0"/>
-          </a:p>
-        </p:txBody>
-      </p:sp>
       <p:pic>
         <p:nvPicPr>
-          <p:cNvPr id="8" name="Picture 7"/>
+          <p:cNvPr id="5" name="Content Placeholder 4"/>
           <p:cNvPicPr>
-            <a:picLocks noChangeAspect="1"/>
+            <a:picLocks noGrp="1" noChangeAspect="1"/>
           </p:cNvPicPr>
-          <p:nvPr/>
+          <p:nvPr>
+            <p:ph idx="1"/>
+          </p:nvPr>
         </p:nvPicPr>
         <p:blipFill>
-          <a:blip r:embed="rId2">
+          <a:blip r:embed="rId2" cstate="print">
             <a:extLst>
               <a:ext uri="{28A0092B-C50C-407E-A947-70E740481C1C}">
                 <a14:useLocalDpi xmlns:a14="http://schemas.microsoft.com/office/drawing/2010/main" val="0"/>
@@ -5597,14 +5571,45 @@
         </p:blipFill>
         <p:spPr>
           <a:xfrm>
-            <a:off x="4366413" y="1277204"/>
-            <a:ext cx="3048425" cy="5077534"/>
+            <a:off x="4935755" y="1403350"/>
+            <a:ext cx="2472890" cy="4464050"/>
+          </a:xfrm>
+        </p:spPr>
+      </p:pic>
+      <p:sp>
+        <p:nvSpPr>
+          <p:cNvPr id="4" name="TextBox 3"/>
+          <p:cNvSpPr txBox="1"/>
+          <p:nvPr/>
+        </p:nvSpPr>
+        <p:spPr>
+          <a:xfrm>
+            <a:off x="8686800" y="6286500"/>
+            <a:ext cx="3118757" cy="369332"/>
           </a:xfrm>
           <a:prstGeom prst="rect">
             <a:avLst/>
           </a:prstGeom>
-        </p:spPr>
-      </p:pic>
+          <a:noFill/>
+        </p:spPr>
+        <p:txBody>
+          <a:bodyPr wrap="square" rtlCol="0">
+            <a:spAutoFit/>
+          </a:bodyPr>
+          <a:lstStyle/>
+          <a:p>
+            <a:r>
+              <a:rPr lang="en-US" dirty="0"/>
+              <a:t>            Meghana </a:t>
+            </a:r>
+            <a:r>
+              <a:rPr lang="en-US" dirty="0" smtClean="0"/>
+              <a:t>Thakkellapati</a:t>
+            </a:r>
+            <a:endParaRPr lang="en-US" dirty="0"/>
+          </a:p>
+        </p:txBody>
+      </p:sp>
       <p:pic>
         <p:nvPicPr>
           <p:cNvPr id="22" name="Picture 21"/>
@@ -5720,77 +5725,18 @@
           </a:p>
         </p:txBody>
       </p:sp>
-      <p:sp>
-        <p:nvSpPr>
-          <p:cNvPr id="3" name="Content Placeholder 2"/>
-          <p:cNvSpPr>
-            <a:spLocks noGrp="1"/>
-          </p:cNvSpPr>
-          <p:nvPr>
-            <p:ph idx="1"/>
-          </p:nvPr>
-        </p:nvSpPr>
-        <p:spPr>
-          <a:xfrm>
-            <a:off x="1371600" y="1498294"/>
-            <a:ext cx="4196443" cy="4369106"/>
-          </a:xfrm>
-        </p:spPr>
-        <p:txBody>
-          <a:bodyPr/>
-          <a:lstStyle/>
-          <a:p>
-            <a:pPr marL="0" indent="0">
-              <a:buNone/>
-            </a:pPr>
-            <a:endParaRPr lang="en-US" dirty="0"/>
-          </a:p>
-        </p:txBody>
-      </p:sp>
-      <p:sp>
-        <p:nvSpPr>
-          <p:cNvPr id="4" name="TextBox 3"/>
-          <p:cNvSpPr txBox="1"/>
-          <p:nvPr/>
-        </p:nvSpPr>
-        <p:spPr>
-          <a:xfrm>
-            <a:off x="8686800" y="6286500"/>
-            <a:ext cx="3118757" cy="369332"/>
-          </a:xfrm>
-          <a:prstGeom prst="rect">
-            <a:avLst/>
-          </a:prstGeom>
-          <a:noFill/>
-        </p:spPr>
-        <p:txBody>
-          <a:bodyPr wrap="square" rtlCol="0">
-            <a:spAutoFit/>
-          </a:bodyPr>
-          <a:lstStyle/>
-          <a:p>
-            <a:r>
-              <a:rPr lang="en-US" dirty="0"/>
-              <a:t>            Meghana </a:t>
-            </a:r>
-            <a:r>
-              <a:rPr lang="en-US" dirty="0" smtClean="0"/>
-              <a:t>Thakkellapati</a:t>
-            </a:r>
-            <a:endParaRPr lang="en-US" dirty="0"/>
-          </a:p>
-        </p:txBody>
-      </p:sp>
       <p:pic>
         <p:nvPicPr>
-          <p:cNvPr id="6" name="Picture 5"/>
+          <p:cNvPr id="5" name="Content Placeholder 4"/>
           <p:cNvPicPr>
-            <a:picLocks noChangeAspect="1"/>
+            <a:picLocks noGrp="1" noChangeAspect="1"/>
           </p:cNvPicPr>
-          <p:nvPr/>
+          <p:nvPr>
+            <p:ph idx="1"/>
+          </p:nvPr>
         </p:nvPicPr>
         <p:blipFill>
-          <a:blip r:embed="rId2">
+          <a:blip r:embed="rId2" cstate="print">
             <a:extLst>
               <a:ext uri="{28A0092B-C50C-407E-A947-70E740481C1C}">
                 <a14:useLocalDpi xmlns:a14="http://schemas.microsoft.com/office/drawing/2010/main" val="0"/>
@@ -5803,14 +5749,45 @@
         </p:blipFill>
         <p:spPr>
           <a:xfrm>
-            <a:off x="3836224" y="1176092"/>
-            <a:ext cx="3118757" cy="4997067"/>
+            <a:off x="4148075" y="1344053"/>
+            <a:ext cx="2429203" cy="4368800"/>
+          </a:xfrm>
+        </p:spPr>
+      </p:pic>
+      <p:sp>
+        <p:nvSpPr>
+          <p:cNvPr id="4" name="TextBox 3"/>
+          <p:cNvSpPr txBox="1"/>
+          <p:nvPr/>
+        </p:nvSpPr>
+        <p:spPr>
+          <a:xfrm>
+            <a:off x="8686800" y="6286500"/>
+            <a:ext cx="3118757" cy="369332"/>
           </a:xfrm>
           <a:prstGeom prst="rect">
             <a:avLst/>
           </a:prstGeom>
-        </p:spPr>
-      </p:pic>
+          <a:noFill/>
+        </p:spPr>
+        <p:txBody>
+          <a:bodyPr wrap="square" rtlCol="0">
+            <a:spAutoFit/>
+          </a:bodyPr>
+          <a:lstStyle/>
+          <a:p>
+            <a:r>
+              <a:rPr lang="en-US" dirty="0"/>
+              <a:t>            Meghana </a:t>
+            </a:r>
+            <a:r>
+              <a:rPr lang="en-US" dirty="0" smtClean="0"/>
+              <a:t>Thakkellapati</a:t>
+            </a:r>
+            <a:endParaRPr lang="en-US" dirty="0"/>
+          </a:p>
+        </p:txBody>
+      </p:sp>
     </p:spTree>
     <p:extLst>
       <p:ext uri="{BB962C8B-B14F-4D97-AF65-F5344CB8AC3E}">
@@ -5895,77 +5872,18 @@
           </a:p>
         </p:txBody>
       </p:sp>
-      <p:sp>
-        <p:nvSpPr>
-          <p:cNvPr id="3" name="Content Placeholder 2"/>
-          <p:cNvSpPr>
-            <a:spLocks noGrp="1"/>
-          </p:cNvSpPr>
-          <p:nvPr>
-            <p:ph idx="1"/>
-          </p:nvPr>
-        </p:nvSpPr>
-        <p:spPr>
-          <a:xfrm>
-            <a:off x="1371601" y="1432193"/>
-            <a:ext cx="3646556" cy="4435207"/>
-          </a:xfrm>
-        </p:spPr>
-        <p:txBody>
-          <a:bodyPr/>
-          <a:lstStyle/>
-          <a:p>
-            <a:pPr marL="0" indent="0">
-              <a:buNone/>
-            </a:pPr>
-            <a:endParaRPr lang="en-US" dirty="0"/>
-          </a:p>
-        </p:txBody>
-      </p:sp>
-      <p:sp>
-        <p:nvSpPr>
-          <p:cNvPr id="4" name="TextBox 3"/>
-          <p:cNvSpPr txBox="1"/>
-          <p:nvPr/>
-        </p:nvSpPr>
-        <p:spPr>
-          <a:xfrm>
-            <a:off x="8686800" y="6286500"/>
-            <a:ext cx="3118757" cy="369332"/>
-          </a:xfrm>
-          <a:prstGeom prst="rect">
-            <a:avLst/>
-          </a:prstGeom>
-          <a:noFill/>
-        </p:spPr>
-        <p:txBody>
-          <a:bodyPr wrap="square" rtlCol="0">
-            <a:spAutoFit/>
-          </a:bodyPr>
-          <a:lstStyle/>
-          <a:p>
-            <a:r>
-              <a:rPr lang="en-US" dirty="0"/>
-              <a:t>            Meghana </a:t>
-            </a:r>
-            <a:r>
-              <a:rPr lang="en-US" dirty="0" smtClean="0"/>
-              <a:t>Thakkellapati</a:t>
-            </a:r>
-            <a:endParaRPr lang="en-US" dirty="0"/>
-          </a:p>
-        </p:txBody>
-      </p:sp>
       <p:pic>
         <p:nvPicPr>
-          <p:cNvPr id="5" name="Picture 4"/>
+          <p:cNvPr id="6" name="Content Placeholder 5"/>
           <p:cNvPicPr>
-            <a:picLocks noChangeAspect="1"/>
+            <a:picLocks noGrp="1" noChangeAspect="1"/>
           </p:cNvPicPr>
-          <p:nvPr/>
+          <p:nvPr>
+            <p:ph idx="1"/>
+          </p:nvPr>
         </p:nvPicPr>
         <p:blipFill>
-          <a:blip r:embed="rId2">
+          <a:blip r:embed="rId2" cstate="print">
             <a:extLst>
               <a:ext uri="{28A0092B-C50C-407E-A947-70E740481C1C}">
                 <a14:useLocalDpi xmlns:a14="http://schemas.microsoft.com/office/drawing/2010/main" val="0"/>
@@ -5978,14 +5896,45 @@
         </p:blipFill>
         <p:spPr>
           <a:xfrm>
-            <a:off x="3740728" y="1120356"/>
-            <a:ext cx="3255818" cy="5055307"/>
+            <a:off x="4271823" y="1354652"/>
+            <a:ext cx="2430920" cy="4435475"/>
+          </a:xfrm>
+        </p:spPr>
+      </p:pic>
+      <p:sp>
+        <p:nvSpPr>
+          <p:cNvPr id="4" name="TextBox 3"/>
+          <p:cNvSpPr txBox="1"/>
+          <p:nvPr/>
+        </p:nvSpPr>
+        <p:spPr>
+          <a:xfrm>
+            <a:off x="8686800" y="6286500"/>
+            <a:ext cx="3118757" cy="369332"/>
           </a:xfrm>
           <a:prstGeom prst="rect">
             <a:avLst/>
           </a:prstGeom>
-        </p:spPr>
-      </p:pic>
+          <a:noFill/>
+        </p:spPr>
+        <p:txBody>
+          <a:bodyPr wrap="square" rtlCol="0">
+            <a:spAutoFit/>
+          </a:bodyPr>
+          <a:lstStyle/>
+          <a:p>
+            <a:r>
+              <a:rPr lang="en-US" dirty="0"/>
+              <a:t>            Meghana </a:t>
+            </a:r>
+            <a:r>
+              <a:rPr lang="en-US" dirty="0" smtClean="0"/>
+              <a:t>Thakkellapati</a:t>
+            </a:r>
+            <a:endParaRPr lang="en-US" dirty="0"/>
+          </a:p>
+        </p:txBody>
+      </p:sp>
     </p:spTree>
     <p:extLst>
       <p:ext uri="{BB962C8B-B14F-4D97-AF65-F5344CB8AC3E}">
@@ -6077,77 +6026,18 @@
           </a:p>
         </p:txBody>
       </p:sp>
-      <p:sp>
-        <p:nvSpPr>
-          <p:cNvPr id="3" name="Content Placeholder 2"/>
-          <p:cNvSpPr>
-            <a:spLocks noGrp="1"/>
-          </p:cNvSpPr>
-          <p:nvPr>
-            <p:ph idx="1"/>
-          </p:nvPr>
-        </p:nvSpPr>
-        <p:spPr>
-          <a:xfrm>
-            <a:off x="1371601" y="1432193"/>
-            <a:ext cx="3646556" cy="4435207"/>
-          </a:xfrm>
-        </p:spPr>
-        <p:txBody>
-          <a:bodyPr/>
-          <a:lstStyle/>
-          <a:p>
-            <a:pPr marL="0" indent="0">
-              <a:buNone/>
-            </a:pPr>
-            <a:endParaRPr lang="en-US" dirty="0"/>
-          </a:p>
-        </p:txBody>
-      </p:sp>
-      <p:sp>
-        <p:nvSpPr>
-          <p:cNvPr id="4" name="TextBox 3"/>
-          <p:cNvSpPr txBox="1"/>
-          <p:nvPr/>
-        </p:nvSpPr>
-        <p:spPr>
-          <a:xfrm>
-            <a:off x="8686800" y="6286500"/>
-            <a:ext cx="3118757" cy="369332"/>
-          </a:xfrm>
-          <a:prstGeom prst="rect">
-            <a:avLst/>
-          </a:prstGeom>
-          <a:noFill/>
-        </p:spPr>
-        <p:txBody>
-          <a:bodyPr wrap="square" rtlCol="0">
-            <a:spAutoFit/>
-          </a:bodyPr>
-          <a:lstStyle/>
-          <a:p>
-            <a:r>
-              <a:rPr lang="en-US" dirty="0"/>
-              <a:t>            Meghana </a:t>
-            </a:r>
-            <a:r>
-              <a:rPr lang="en-US" dirty="0" smtClean="0"/>
-              <a:t>Thakkellapati</a:t>
-            </a:r>
-            <a:endParaRPr lang="en-US" dirty="0"/>
-          </a:p>
-        </p:txBody>
-      </p:sp>
       <p:pic>
         <p:nvPicPr>
-          <p:cNvPr id="6" name="Picture 5"/>
+          <p:cNvPr id="5" name="Content Placeholder 4"/>
           <p:cNvPicPr>
-            <a:picLocks noChangeAspect="1"/>
+            <a:picLocks noGrp="1" noChangeAspect="1"/>
           </p:cNvPicPr>
-          <p:nvPr/>
+          <p:nvPr>
+            <p:ph idx="1"/>
+          </p:nvPr>
         </p:nvPicPr>
         <p:blipFill>
-          <a:blip r:embed="rId2">
+          <a:blip r:embed="rId2" cstate="print">
             <a:extLst>
               <a:ext uri="{28A0092B-C50C-407E-A947-70E740481C1C}">
                 <a14:useLocalDpi xmlns:a14="http://schemas.microsoft.com/office/drawing/2010/main" val="0"/>
@@ -6160,14 +6050,45 @@
         </p:blipFill>
         <p:spPr>
           <a:xfrm>
-            <a:off x="3505200" y="1278450"/>
-            <a:ext cx="3180036" cy="4854307"/>
+            <a:off x="3911520" y="1367530"/>
+            <a:ext cx="2430310" cy="4435475"/>
+          </a:xfrm>
+        </p:spPr>
+      </p:pic>
+      <p:sp>
+        <p:nvSpPr>
+          <p:cNvPr id="4" name="TextBox 3"/>
+          <p:cNvSpPr txBox="1"/>
+          <p:nvPr/>
+        </p:nvSpPr>
+        <p:spPr>
+          <a:xfrm>
+            <a:off x="8686800" y="6286500"/>
+            <a:ext cx="3118757" cy="369332"/>
           </a:xfrm>
           <a:prstGeom prst="rect">
             <a:avLst/>
           </a:prstGeom>
-        </p:spPr>
-      </p:pic>
+          <a:noFill/>
+        </p:spPr>
+        <p:txBody>
+          <a:bodyPr wrap="square" rtlCol="0">
+            <a:spAutoFit/>
+          </a:bodyPr>
+          <a:lstStyle/>
+          <a:p>
+            <a:r>
+              <a:rPr lang="en-US" dirty="0"/>
+              <a:t>            Meghana </a:t>
+            </a:r>
+            <a:r>
+              <a:rPr lang="en-US" dirty="0" smtClean="0"/>
+              <a:t>Thakkellapati</a:t>
+            </a:r>
+            <a:endParaRPr lang="en-US" dirty="0"/>
+          </a:p>
+        </p:txBody>
+      </p:sp>
     </p:spTree>
     <p:extLst>
       <p:ext uri="{BB962C8B-B14F-4D97-AF65-F5344CB8AC3E}">
@@ -6259,75 +6180,18 @@
           </a:p>
         </p:txBody>
       </p:sp>
-      <p:sp>
-        <p:nvSpPr>
-          <p:cNvPr id="3" name="Content Placeholder 2"/>
-          <p:cNvSpPr>
-            <a:spLocks noGrp="1"/>
-          </p:cNvSpPr>
-          <p:nvPr>
-            <p:ph idx="1"/>
-          </p:nvPr>
-        </p:nvSpPr>
-        <p:spPr>
-          <a:xfrm>
-            <a:off x="1371600" y="1403797"/>
-            <a:ext cx="9601200" cy="4463603"/>
-          </a:xfrm>
-        </p:spPr>
-        <p:txBody>
-          <a:bodyPr/>
-          <a:lstStyle/>
-          <a:p>
-            <a:pPr marL="0" indent="0">
-              <a:buNone/>
-            </a:pPr>
-            <a:endParaRPr lang="en-US" dirty="0"/>
-          </a:p>
-        </p:txBody>
-      </p:sp>
-      <p:sp>
-        <p:nvSpPr>
-          <p:cNvPr id="4" name="TextBox 3"/>
-          <p:cNvSpPr txBox="1"/>
-          <p:nvPr/>
-        </p:nvSpPr>
-        <p:spPr>
-          <a:xfrm>
-            <a:off x="9156880" y="6171623"/>
-            <a:ext cx="2922815" cy="369332"/>
-          </a:xfrm>
-          <a:prstGeom prst="rect">
-            <a:avLst/>
-          </a:prstGeom>
-          <a:noFill/>
-        </p:spPr>
-        <p:txBody>
-          <a:bodyPr wrap="square" rtlCol="0">
-            <a:spAutoFit/>
-          </a:bodyPr>
-          <a:lstStyle/>
-          <a:p>
-            <a:r>
-              <a:rPr lang="en-US" dirty="0"/>
-              <a:t> Meghana </a:t>
-            </a:r>
-            <a:r>
-              <a:rPr lang="en-US" dirty="0" smtClean="0"/>
-              <a:t>Thakkellapati</a:t>
-            </a:r>
-            <a:endParaRPr lang="en-US" dirty="0"/>
-          </a:p>
-        </p:txBody>
-      </p:sp>
       <p:pic>
         <p:nvPicPr>
-          <p:cNvPr id="5" name="Picture 4"/>
-          <p:cNvPicPr/>
-          <p:nvPr/>
+          <p:cNvPr id="7" name="Content Placeholder 6"/>
+          <p:cNvPicPr>
+            <a:picLocks noGrp="1" noChangeAspect="1"/>
+          </p:cNvPicPr>
+          <p:nvPr>
+            <p:ph idx="1"/>
+          </p:nvPr>
         </p:nvPicPr>
         <p:blipFill>
-          <a:blip r:embed="rId2">
+          <a:blip r:embed="rId2" cstate="print">
             <a:extLst>
               <a:ext uri="{28A0092B-C50C-407E-A947-70E740481C1C}">
                 <a14:useLocalDpi xmlns:a14="http://schemas.microsoft.com/office/drawing/2010/main" val="0"/>
@@ -6340,42 +6204,45 @@
         </p:blipFill>
         <p:spPr>
           <a:xfrm>
-            <a:off x="3012806" y="1619988"/>
-            <a:ext cx="2454072" cy="4120804"/>
+            <a:off x="4940738" y="1403350"/>
+            <a:ext cx="2462924" cy="4464050"/>
+          </a:xfrm>
+        </p:spPr>
+      </p:pic>
+      <p:sp>
+        <p:nvSpPr>
+          <p:cNvPr id="4" name="TextBox 3"/>
+          <p:cNvSpPr txBox="1"/>
+          <p:nvPr/>
+        </p:nvSpPr>
+        <p:spPr>
+          <a:xfrm>
+            <a:off x="9156880" y="6171623"/>
+            <a:ext cx="2922815" cy="369332"/>
           </a:xfrm>
           <a:prstGeom prst="rect">
             <a:avLst/>
           </a:prstGeom>
-        </p:spPr>
-      </p:pic>
-      <p:pic>
-        <p:nvPicPr>
-          <p:cNvPr id="6" name="Picture 5"/>
-          <p:cNvPicPr/>
-          <p:nvPr/>
-        </p:nvPicPr>
-        <p:blipFill>
-          <a:blip r:embed="rId3">
-            <a:extLst>
-              <a:ext uri="{28A0092B-C50C-407E-A947-70E740481C1C}">
-                <a14:useLocalDpi xmlns:a14="http://schemas.microsoft.com/office/drawing/2010/main" val="0"/>
-              </a:ext>
-            </a:extLst>
-          </a:blip>
-          <a:stretch>
-            <a:fillRect/>
-          </a:stretch>
-        </p:blipFill>
-        <p:spPr>
-          <a:xfrm>
-            <a:off x="5457582" y="1619988"/>
-            <a:ext cx="2771775" cy="4120804"/>
-          </a:xfrm>
-          <a:prstGeom prst="rect">
-            <a:avLst/>
-          </a:prstGeom>
-        </p:spPr>
-      </p:pic>
+          <a:noFill/>
+        </p:spPr>
+        <p:txBody>
+          <a:bodyPr wrap="square" rtlCol="0">
+            <a:spAutoFit/>
+          </a:bodyPr>
+          <a:lstStyle/>
+          <a:p>
+            <a:r>
+              <a:rPr lang="en-US" dirty="0"/>
+              <a:t> Meghana </a:t>
+            </a:r>
+            <a:r>
+              <a:rPr lang="en-US" dirty="0" smtClean="0"/>
+              <a:t>Thakkellapati</a:t>
+            </a:r>
+            <a:endParaRPr lang="en-US" dirty="0"/>
+          </a:p>
+        </p:txBody>
+      </p:sp>
     </p:spTree>
     <p:extLst>
       <p:ext uri="{BB962C8B-B14F-4D97-AF65-F5344CB8AC3E}">
@@ -6438,12 +6305,12 @@
         <p:spPr>
           <a:xfrm>
             <a:off x="762000" y="559678"/>
-            <a:ext cx="8394880" cy="798067"/>
+            <a:ext cx="5334000" cy="770358"/>
           </a:xfrm>
         </p:spPr>
         <p:txBody>
           <a:bodyPr>
-            <a:noAutofit/>
+            <a:normAutofit/>
           </a:bodyPr>
           <a:lstStyle/>
           <a:p>
@@ -6455,48 +6322,27 @@
                 <a:latin typeface="+mn-lt"/>
                 <a:cs typeface="Arial" panose="020B0604020202020204" pitchFamily="34" charset="0"/>
               </a:rPr>
-              <a:t>Prototypes continued……</a:t>
-            </a:r>
-          </a:p>
-        </p:txBody>
-      </p:sp>
-      <p:sp>
-        <p:nvSpPr>
-          <p:cNvPr id="3" name="Content Placeholder 2"/>
-          <p:cNvSpPr>
-            <a:spLocks noGrp="1"/>
-          </p:cNvSpPr>
-          <p:nvPr>
-            <p:ph idx="1"/>
-          </p:nvPr>
-        </p:nvSpPr>
-        <p:spPr>
-          <a:xfrm>
-            <a:off x="1371600" y="1403797"/>
-            <a:ext cx="9601200" cy="4463603"/>
-          </a:xfrm>
-        </p:spPr>
-        <p:txBody>
-          <a:bodyPr/>
-          <a:lstStyle/>
-          <a:p>
-            <a:pPr marL="0" indent="0">
-              <a:buNone/>
-            </a:pPr>
-            <a:endParaRPr lang="en-US" dirty="0"/>
-          </a:p>
-        </p:txBody>
-      </p:sp>
-      <p:sp>
-        <p:nvSpPr>
-          <p:cNvPr id="4" name="TextBox 3"/>
+              <a:t>Implementation</a:t>
+            </a:r>
+            <a:endParaRPr lang="en-US" sz="4400" dirty="0">
+              <a:solidFill>
+                <a:srgbClr val="C00000"/>
+              </a:solidFill>
+              <a:latin typeface="+mn-lt"/>
+            </a:endParaRPr>
+          </a:p>
+        </p:txBody>
+      </p:sp>
+      <p:sp>
+        <p:nvSpPr>
+          <p:cNvPr id="3" name="TextBox 2"/>
           <p:cNvSpPr txBox="1"/>
           <p:nvPr/>
         </p:nvSpPr>
         <p:spPr>
           <a:xfrm>
-            <a:off x="8735786" y="6172200"/>
-            <a:ext cx="2890157" cy="369332"/>
+            <a:off x="8134066" y="5786651"/>
+            <a:ext cx="3343701" cy="369332"/>
           </a:xfrm>
           <a:prstGeom prst="rect">
             <a:avLst/>
@@ -6510,12 +6356,16 @@
           <a:lstStyle/>
           <a:p>
             <a:r>
-              <a:rPr lang="en-US" dirty="0"/>
-              <a:t>        Meghana </a:t>
-            </a:r>
-            <a:r>
               <a:rPr lang="en-US" dirty="0" smtClean="0"/>
-              <a:t>Thakkellapati</a:t>
+              <a:t>	</a:t>
+            </a:r>
+            <a:r>
+              <a:rPr lang="en-US" dirty="0" err="1" smtClean="0"/>
+              <a:t>Manoj</a:t>
+            </a:r>
+            <a:r>
+              <a:rPr lang="en-US" dirty="0" smtClean="0"/>
+              <a:t> Kumar Kotte</a:t>
             </a:r>
             <a:endParaRPr lang="en-US" dirty="0"/>
           </a:p>
@@ -6524,7 +6374,9 @@
       <p:pic>
         <p:nvPicPr>
           <p:cNvPr id="5" name="Picture 4"/>
-          <p:cNvPicPr/>
+          <p:cNvPicPr>
+            <a:picLocks noChangeAspect="1"/>
+          </p:cNvPicPr>
           <p:nvPr/>
         </p:nvPicPr>
         <p:blipFill>
@@ -6541,8 +6393,8 @@
         </p:blipFill>
         <p:spPr>
           <a:xfrm>
-            <a:off x="4031673" y="1550582"/>
-            <a:ext cx="3240611" cy="4186409"/>
+            <a:off x="2356834" y="2021984"/>
+            <a:ext cx="7727324" cy="3116686"/>
           </a:xfrm>
           <a:prstGeom prst="rect">
             <a:avLst/>
@@ -6552,7 +6404,7 @@
     </p:spTree>
     <p:extLst>
       <p:ext uri="{BB962C8B-B14F-4D97-AF65-F5344CB8AC3E}">
-        <p14:creationId xmlns:p14="http://schemas.microsoft.com/office/powerpoint/2010/main" val="1592107952"/>
+        <p14:creationId xmlns:p14="http://schemas.microsoft.com/office/powerpoint/2010/main" val="1390182821"/>
       </p:ext>
     </p:extLst>
   </p:cSld>
@@ -7043,7 +6895,7 @@
         <p:spPr>
           <a:xfrm>
             <a:off x="762000" y="559678"/>
-            <a:ext cx="8394880" cy="604104"/>
+            <a:ext cx="9591822" cy="617958"/>
           </a:xfrm>
         </p:spPr>
         <p:txBody>
@@ -7060,7 +6912,7 @@
                 <a:latin typeface="+mn-lt"/>
                 <a:cs typeface="Arial" panose="020B0604020202020204" pitchFamily="34" charset="0"/>
               </a:rPr>
-              <a:t>Prototypes continued……</a:t>
+              <a:t>Conclusion: Lessons Learned </a:t>
             </a:r>
           </a:p>
         </p:txBody>
@@ -7082,13 +6934,78 @@
           </a:xfrm>
         </p:spPr>
         <p:txBody>
-          <a:bodyPr/>
-          <a:lstStyle/>
+          <a:bodyPr>
+            <a:normAutofit/>
+          </a:bodyPr>
+          <a:lstStyle/>
+          <a:p>
+            <a:r>
+              <a:rPr lang="en-US" sz="2800" dirty="0">
+                <a:solidFill>
+                  <a:srgbClr val="002060"/>
+                </a:solidFill>
+                <a:latin typeface="Times New Roman" panose="02020603050405020304" pitchFamily="18" charset="0"/>
+                <a:cs typeface="Times New Roman" panose="02020603050405020304" pitchFamily="18" charset="0"/>
+              </a:rPr>
+              <a:t>Team Management</a:t>
+            </a:r>
+          </a:p>
+          <a:p>
+            <a:r>
+              <a:rPr lang="en-US" sz="2800" dirty="0">
+                <a:solidFill>
+                  <a:srgbClr val="002060"/>
+                </a:solidFill>
+                <a:latin typeface="Times New Roman" panose="02020603050405020304" pitchFamily="18" charset="0"/>
+                <a:cs typeface="Times New Roman" panose="02020603050405020304" pitchFamily="18" charset="0"/>
+              </a:rPr>
+              <a:t>Time Management</a:t>
+            </a:r>
+          </a:p>
+          <a:p>
+            <a:r>
+              <a:rPr lang="en-US" sz="2800" dirty="0">
+                <a:solidFill>
+                  <a:srgbClr val="002060"/>
+                </a:solidFill>
+                <a:latin typeface="Times New Roman" panose="02020603050405020304" pitchFamily="18" charset="0"/>
+                <a:cs typeface="Times New Roman" panose="02020603050405020304" pitchFamily="18" charset="0"/>
+              </a:rPr>
+              <a:t>Documentation skills</a:t>
+            </a:r>
+          </a:p>
+          <a:p>
+            <a:r>
+              <a:rPr lang="en-US" sz="2800" dirty="0">
+                <a:solidFill>
+                  <a:srgbClr val="002060"/>
+                </a:solidFill>
+                <a:latin typeface="Times New Roman" panose="02020603050405020304" pitchFamily="18" charset="0"/>
+                <a:cs typeface="Times New Roman" panose="02020603050405020304" pitchFamily="18" charset="0"/>
+              </a:rPr>
+              <a:t>Swift Programming Language</a:t>
+            </a:r>
+          </a:p>
+          <a:p>
+            <a:endParaRPr lang="en-US" sz="2800" dirty="0">
+              <a:solidFill>
+                <a:srgbClr val="002060"/>
+              </a:solidFill>
+              <a:latin typeface="Times New Roman" panose="02020603050405020304" pitchFamily="18" charset="0"/>
+              <a:cs typeface="Times New Roman" panose="02020603050405020304" pitchFamily="18" charset="0"/>
+            </a:endParaRPr>
+          </a:p>
           <a:p>
             <a:pPr marL="0" indent="0">
               <a:buNone/>
             </a:pPr>
-            <a:endParaRPr lang="en-US" dirty="0"/>
+            <a:endParaRPr lang="en-US" sz="2800" dirty="0">
+              <a:solidFill>
+                <a:srgbClr val="002060"/>
+              </a:solidFill>
+              <a:latin typeface="Times New Roman" panose="02020603050405020304" pitchFamily="18" charset="0"/>
+              <a:cs typeface="Times New Roman" panose="02020603050405020304" pitchFamily="18" charset="0"/>
+            </a:endParaRPr>
           </a:p>
         </p:txBody>
       </p:sp>
@@ -7100,8 +7017,8 @@
         </p:nvSpPr>
         <p:spPr>
           <a:xfrm>
-            <a:off x="8735786" y="6172200"/>
-            <a:ext cx="2890157" cy="369332"/>
+            <a:off x="9184821" y="6211669"/>
+            <a:ext cx="3575958" cy="646331"/>
           </a:xfrm>
           <a:prstGeom prst="rect">
             <a:avLst/>
@@ -7116,50 +7033,23 @@
           <a:p>
             <a:r>
               <a:rPr lang="en-US" dirty="0"/>
-              <a:t>        Meghana </a:t>
-            </a:r>
-            <a:r>
-              <a:rPr lang="en-US" dirty="0" smtClean="0"/>
-              <a:t>Thakkellapati</a:t>
+              <a:t>Sai Suneel Reddy </a:t>
+            </a:r>
+            <a:r>
+              <a:rPr lang="en-US" dirty="0" err="1"/>
+              <a:t>Challa</a:t>
             </a:r>
             <a:endParaRPr lang="en-US" dirty="0"/>
           </a:p>
-        </p:txBody>
-      </p:sp>
-      <p:pic>
-        <p:nvPicPr>
-          <p:cNvPr id="6" name="Picture 5"/>
-          <p:cNvPicPr>
-            <a:picLocks noChangeAspect="1"/>
-          </p:cNvPicPr>
-          <p:nvPr/>
-        </p:nvPicPr>
-        <p:blipFill>
-          <a:blip r:embed="rId2">
-            <a:extLst>
-              <a:ext uri="{28A0092B-C50C-407E-A947-70E740481C1C}">
-                <a14:useLocalDpi xmlns:a14="http://schemas.microsoft.com/office/drawing/2010/main" val="0"/>
-              </a:ext>
-            </a:extLst>
-          </a:blip>
-          <a:stretch>
-            <a:fillRect/>
-          </a:stretch>
-        </p:blipFill>
-        <p:spPr>
-          <a:xfrm>
-            <a:off x="4114800" y="1344495"/>
-            <a:ext cx="3048794" cy="4372585"/>
-          </a:xfrm>
-          <a:prstGeom prst="rect">
-            <a:avLst/>
-          </a:prstGeom>
-        </p:spPr>
-      </p:pic>
+          <a:p>
+            <a:endParaRPr lang="en-US" dirty="0"/>
+          </a:p>
+        </p:txBody>
+      </p:sp>
     </p:spTree>
     <p:extLst>
       <p:ext uri="{BB962C8B-B14F-4D97-AF65-F5344CB8AC3E}">
-        <p14:creationId xmlns:p14="http://schemas.microsoft.com/office/powerpoint/2010/main" val="1067651753"/>
+        <p14:creationId xmlns:p14="http://schemas.microsoft.com/office/powerpoint/2010/main" val="4196533508"/>
       </p:ext>
     </p:extLst>
   </p:cSld>
@@ -7218,7 +7108,43 @@
         <p:spPr>
           <a:xfrm>
             <a:off x="762000" y="559678"/>
-            <a:ext cx="8394880" cy="701086"/>
+            <a:ext cx="10379612" cy="714940"/>
+          </a:xfrm>
+        </p:spPr>
+        <p:txBody>
+          <a:bodyPr>
+            <a:noAutofit/>
+          </a:bodyPr>
+          <a:lstStyle/>
+          <a:p>
+            <a:pPr algn="l"/>
+            <a:r>
+              <a:rPr lang="en-US" sz="4400" b="1" i="0" dirty="0">
+                <a:solidFill>
+                  <a:srgbClr val="C00000"/>
+                </a:solidFill>
+                <a:latin typeface="+mn-lt"/>
+                <a:cs typeface="Arial" panose="020B0604020202020204" pitchFamily="34" charset="0"/>
+              </a:rPr>
+              <a:t>Conclusion: Tasks accomplished</a:t>
+            </a:r>
+          </a:p>
+        </p:txBody>
+      </p:sp>
+      <p:sp>
+        <p:nvSpPr>
+          <p:cNvPr id="3" name="Content Placeholder 2"/>
+          <p:cNvSpPr>
+            <a:spLocks noGrp="1"/>
+          </p:cNvSpPr>
+          <p:nvPr>
+            <p:ph idx="1"/>
+          </p:nvPr>
+        </p:nvSpPr>
+        <p:spPr>
+          <a:xfrm>
+            <a:off x="1371600" y="1403797"/>
+            <a:ext cx="9601200" cy="4463603"/>
           </a:xfrm>
         </p:spPr>
         <p:txBody>
@@ -7228,42 +7154,132 @@
           <a:lstStyle/>
           <a:p>
             <a:r>
-              <a:rPr lang="en-US" sz="4400" b="1" i="0" dirty="0">
-                <a:solidFill>
-                  <a:srgbClr val="C00000"/>
-                </a:solidFill>
-                <a:latin typeface="+mn-lt"/>
-                <a:cs typeface="Arial" panose="020B0604020202020204" pitchFamily="34" charset="0"/>
+              <a:rPr lang="en-US" sz="2800" dirty="0">
+                <a:solidFill>
+                  <a:srgbClr val="002060"/>
+                </a:solidFill>
+                <a:latin typeface="Times New Roman" panose="02020603050405020304" pitchFamily="18" charset="0"/>
+                <a:cs typeface="Times New Roman" panose="02020603050405020304" pitchFamily="18" charset="0"/>
               </a:rPr>
-              <a:t>Prototypes continued……</a:t>
-            </a:r>
-          </a:p>
-        </p:txBody>
-      </p:sp>
-      <p:sp>
-        <p:nvSpPr>
-          <p:cNvPr id="3" name="Content Placeholder 2"/>
-          <p:cNvSpPr>
-            <a:spLocks noGrp="1"/>
-          </p:cNvSpPr>
-          <p:nvPr>
-            <p:ph idx="1"/>
-          </p:nvPr>
-        </p:nvSpPr>
-        <p:spPr>
-          <a:xfrm>
-            <a:off x="1371600" y="1403797"/>
-            <a:ext cx="9601200" cy="4463603"/>
-          </a:xfrm>
-        </p:spPr>
-        <p:txBody>
-          <a:bodyPr/>
-          <a:lstStyle/>
+              <a:t>Designed ER Diagram</a:t>
+            </a:r>
+          </a:p>
+          <a:p>
+            <a:r>
+              <a:rPr lang="en-US" sz="2800" dirty="0">
+                <a:solidFill>
+                  <a:srgbClr val="002060"/>
+                </a:solidFill>
+                <a:latin typeface="Times New Roman" panose="02020603050405020304" pitchFamily="18" charset="0"/>
+                <a:cs typeface="Times New Roman" panose="02020603050405020304" pitchFamily="18" charset="0"/>
+              </a:rPr>
+              <a:t>Prototype Design of UI Screens</a:t>
+            </a:r>
+          </a:p>
+          <a:p>
+            <a:r>
+              <a:rPr lang="en-US" sz="2800" dirty="0">
+                <a:solidFill>
+                  <a:srgbClr val="002060"/>
+                </a:solidFill>
+                <a:latin typeface="Times New Roman" panose="02020603050405020304" pitchFamily="18" charset="0"/>
+                <a:cs typeface="Times New Roman" panose="02020603050405020304" pitchFamily="18" charset="0"/>
+              </a:rPr>
+              <a:t>Software Requirements Document</a:t>
+            </a:r>
+          </a:p>
+          <a:p>
+            <a:r>
+              <a:rPr lang="en-US" sz="2800" dirty="0">
+                <a:solidFill>
+                  <a:srgbClr val="002060"/>
+                </a:solidFill>
+                <a:latin typeface="Times New Roman" panose="02020603050405020304" pitchFamily="18" charset="0"/>
+                <a:cs typeface="Times New Roman" panose="02020603050405020304" pitchFamily="18" charset="0"/>
+              </a:rPr>
+              <a:t>UI Implementation for Admin </a:t>
+            </a:r>
+            <a:r>
+              <a:rPr lang="en-US" sz="2800" dirty="0" smtClean="0">
+                <a:solidFill>
+                  <a:srgbClr val="002060"/>
+                </a:solidFill>
+                <a:latin typeface="Times New Roman" panose="02020603050405020304" pitchFamily="18" charset="0"/>
+                <a:cs typeface="Times New Roman" panose="02020603050405020304" pitchFamily="18" charset="0"/>
+              </a:rPr>
+              <a:t>role</a:t>
+            </a:r>
+          </a:p>
+          <a:p>
+            <a:r>
+              <a:rPr lang="en-US" sz="2800" dirty="0">
+                <a:solidFill>
+                  <a:srgbClr val="002060"/>
+                </a:solidFill>
+                <a:latin typeface="Times New Roman" panose="02020603050405020304" pitchFamily="18" charset="0"/>
+                <a:cs typeface="Times New Roman" panose="02020603050405020304" pitchFamily="18" charset="0"/>
+              </a:rPr>
+              <a:t>UI Implementation for </a:t>
+            </a:r>
+            <a:r>
+              <a:rPr lang="en-US" sz="2800" dirty="0" smtClean="0">
+                <a:solidFill>
+                  <a:srgbClr val="002060"/>
+                </a:solidFill>
+                <a:latin typeface="Times New Roman" panose="02020603050405020304" pitchFamily="18" charset="0"/>
+                <a:cs typeface="Times New Roman" panose="02020603050405020304" pitchFamily="18" charset="0"/>
+              </a:rPr>
+              <a:t>User role</a:t>
+            </a:r>
+          </a:p>
+          <a:p>
+            <a:r>
+              <a:rPr lang="en-US" sz="2800" dirty="0" smtClean="0">
+                <a:solidFill>
+                  <a:srgbClr val="002060"/>
+                </a:solidFill>
+                <a:latin typeface="Times New Roman" panose="02020603050405020304" pitchFamily="18" charset="0"/>
+                <a:cs typeface="Times New Roman" panose="02020603050405020304" pitchFamily="18" charset="0"/>
+              </a:rPr>
+              <a:t>Register and Login Functionality</a:t>
+            </a:r>
+            <a:endParaRPr lang="en-US" sz="2800" dirty="0">
+              <a:solidFill>
+                <a:srgbClr val="002060"/>
+              </a:solidFill>
+              <a:latin typeface="Times New Roman" panose="02020603050405020304" pitchFamily="18" charset="0"/>
+              <a:cs typeface="Times New Roman" panose="02020603050405020304" pitchFamily="18" charset="0"/>
+            </a:endParaRPr>
+          </a:p>
+          <a:p>
+            <a:endParaRPr lang="en-US" sz="2800" dirty="0" smtClean="0">
+              <a:solidFill>
+                <a:srgbClr val="002060"/>
+              </a:solidFill>
+              <a:latin typeface="Times New Roman" panose="02020603050405020304" pitchFamily="18" charset="0"/>
+              <a:cs typeface="Times New Roman" panose="02020603050405020304" pitchFamily="18" charset="0"/>
+            </a:endParaRPr>
+          </a:p>
+          <a:p>
+            <a:endParaRPr lang="en-US" sz="2800" dirty="0">
+              <a:solidFill>
+                <a:srgbClr val="002060"/>
+              </a:solidFill>
+              <a:latin typeface="Times New Roman" panose="02020603050405020304" pitchFamily="18" charset="0"/>
+              <a:cs typeface="Times New Roman" panose="02020603050405020304" pitchFamily="18" charset="0"/>
+            </a:endParaRPr>
+          </a:p>
           <a:p>
             <a:pPr marL="0" indent="0">
               <a:buNone/>
             </a:pPr>
-            <a:endParaRPr lang="en-US" dirty="0"/>
+            <a:endParaRPr lang="en-US" sz="2800" dirty="0">
+              <a:solidFill>
+                <a:srgbClr val="002060"/>
+              </a:solidFill>
+              <a:latin typeface="Times New Roman" panose="02020603050405020304" pitchFamily="18" charset="0"/>
+              <a:cs typeface="Times New Roman" panose="02020603050405020304" pitchFamily="18" charset="0"/>
+            </a:endParaRPr>
           </a:p>
         </p:txBody>
       </p:sp>
@@ -7275,8 +7291,8 @@
         </p:nvSpPr>
         <p:spPr>
           <a:xfrm>
-            <a:off x="9009512" y="6171623"/>
-            <a:ext cx="3592286" cy="369332"/>
+            <a:off x="9184821" y="6211669"/>
+            <a:ext cx="3575958" cy="646331"/>
           </a:xfrm>
           <a:prstGeom prst="rect">
             <a:avLst/>
@@ -7291,76 +7307,23 @@
           <a:p>
             <a:r>
               <a:rPr lang="en-US" dirty="0"/>
-              <a:t> Meghana </a:t>
-            </a:r>
-            <a:r>
-              <a:rPr lang="en-US" dirty="0" smtClean="0"/>
-              <a:t>Thakkellapati</a:t>
+              <a:t>Sai Suneel Reddy </a:t>
+            </a:r>
+            <a:r>
+              <a:rPr lang="en-US" dirty="0" err="1"/>
+              <a:t>Challa</a:t>
             </a:r>
             <a:endParaRPr lang="en-US" dirty="0"/>
           </a:p>
-        </p:txBody>
-      </p:sp>
-      <p:pic>
-        <p:nvPicPr>
-          <p:cNvPr id="5" name="Picture 4"/>
-          <p:cNvPicPr/>
-          <p:nvPr/>
-        </p:nvPicPr>
-        <p:blipFill>
-          <a:blip r:embed="rId2">
-            <a:extLst>
-              <a:ext uri="{28A0092B-C50C-407E-A947-70E740481C1C}">
-                <a14:useLocalDpi xmlns:a14="http://schemas.microsoft.com/office/drawing/2010/main" val="0"/>
-              </a:ext>
-            </a:extLst>
-          </a:blip>
-          <a:stretch>
-            <a:fillRect/>
-          </a:stretch>
-        </p:blipFill>
-        <p:spPr>
-          <a:xfrm>
-            <a:off x="3302712" y="1479916"/>
-            <a:ext cx="2470620" cy="4356923"/>
-          </a:xfrm>
-          <a:prstGeom prst="rect">
-            <a:avLst/>
-          </a:prstGeom>
-        </p:spPr>
-      </p:pic>
-      <p:pic>
-        <p:nvPicPr>
-          <p:cNvPr id="6" name="Picture 5"/>
-          <p:cNvPicPr/>
-          <p:nvPr/>
-        </p:nvPicPr>
-        <p:blipFill>
-          <a:blip r:embed="rId3">
-            <a:extLst>
-              <a:ext uri="{28A0092B-C50C-407E-A947-70E740481C1C}">
-                <a14:useLocalDpi xmlns:a14="http://schemas.microsoft.com/office/drawing/2010/main" val="0"/>
-              </a:ext>
-            </a:extLst>
-          </a:blip>
-          <a:stretch>
-            <a:fillRect/>
-          </a:stretch>
-        </p:blipFill>
-        <p:spPr>
-          <a:xfrm>
-            <a:off x="5759683" y="1479916"/>
-            <a:ext cx="2401677" cy="4356923"/>
-          </a:xfrm>
-          <a:prstGeom prst="rect">
-            <a:avLst/>
-          </a:prstGeom>
-        </p:spPr>
-      </p:pic>
+          <a:p>
+            <a:endParaRPr lang="en-US" dirty="0"/>
+          </a:p>
+        </p:txBody>
+      </p:sp>
     </p:spTree>
     <p:extLst>
       <p:ext uri="{BB962C8B-B14F-4D97-AF65-F5344CB8AC3E}">
-        <p14:creationId xmlns:p14="http://schemas.microsoft.com/office/powerpoint/2010/main" val="3919935650"/>
+        <p14:creationId xmlns:p14="http://schemas.microsoft.com/office/powerpoint/2010/main" val="3087853465"/>
       </p:ext>
     </p:extLst>
   </p:cSld>
@@ -7418,8 +7381,8 @@
         </p:nvSpPr>
         <p:spPr>
           <a:xfrm>
-            <a:off x="762000" y="559678"/>
-            <a:ext cx="8394880" cy="714940"/>
+            <a:off x="761999" y="559678"/>
+            <a:ext cx="10914185" cy="714940"/>
           </a:xfrm>
         </p:spPr>
         <p:txBody>
@@ -7428,6 +7391,7 @@
           </a:bodyPr>
           <a:lstStyle/>
           <a:p>
+            <a:pPr algn="l"/>
             <a:r>
               <a:rPr lang="en-US" sz="4400" b="1" i="0" dirty="0">
                 <a:solidFill>
@@ -7436,8 +7400,35 @@
                 <a:latin typeface="+mn-lt"/>
                 <a:cs typeface="Arial" panose="020B0604020202020204" pitchFamily="34" charset="0"/>
               </a:rPr>
-              <a:t>Prototypes continued……</a:t>
-            </a:r>
+              <a:t>Conclusion: </a:t>
+            </a:r>
+            <a:r>
+              <a:rPr lang="en-US" sz="4400" b="1" i="0" dirty="0" err="1" smtClean="0">
+                <a:solidFill>
+                  <a:srgbClr val="C00000"/>
+                </a:solidFill>
+                <a:latin typeface="+mn-lt"/>
+                <a:cs typeface="Arial" panose="020B0604020202020204" pitchFamily="34" charset="0"/>
+              </a:rPr>
+              <a:t>ProBlems</a:t>
+            </a:r>
+            <a:r>
+              <a:rPr lang="en-US" sz="4400" b="1" i="0" dirty="0" smtClean="0">
+                <a:solidFill>
+                  <a:srgbClr val="C00000"/>
+                </a:solidFill>
+                <a:latin typeface="+mn-lt"/>
+                <a:cs typeface="Arial" panose="020B0604020202020204" pitchFamily="34" charset="0"/>
+              </a:rPr>
+              <a:t> faced</a:t>
+            </a:r>
+            <a:endParaRPr lang="en-US" sz="4400" b="1" i="0" dirty="0">
+              <a:solidFill>
+                <a:srgbClr val="C00000"/>
+              </a:solidFill>
+              <a:latin typeface="+mn-lt"/>
+              <a:cs typeface="Arial" panose="020B0604020202020204" pitchFamily="34" charset="0"/>
+            </a:endParaRPr>
           </a:p>
         </p:txBody>
       </p:sp>
@@ -7453,18 +7444,47 @@
         </p:nvSpPr>
         <p:spPr>
           <a:xfrm>
-            <a:off x="1371600" y="1420423"/>
+            <a:off x="1371600" y="1403797"/>
             <a:ext cx="9601200" cy="4463603"/>
           </a:xfrm>
         </p:spPr>
         <p:txBody>
-          <a:bodyPr/>
-          <a:lstStyle/>
-          <a:p>
-            <a:pPr marL="0" indent="0">
-              <a:buNone/>
-            </a:pPr>
-            <a:endParaRPr lang="en-US" dirty="0"/>
+          <a:bodyPr>
+            <a:normAutofit/>
+          </a:bodyPr>
+          <a:lstStyle/>
+          <a:p>
+            <a:r>
+              <a:rPr lang="en-US" sz="2800" dirty="0" smtClean="0">
+                <a:solidFill>
+                  <a:srgbClr val="002060"/>
+                </a:solidFill>
+                <a:latin typeface="Times New Roman" panose="02020603050405020304" pitchFamily="18" charset="0"/>
+                <a:cs typeface="Times New Roman" panose="02020603050405020304" pitchFamily="18" charset="0"/>
+              </a:rPr>
+              <a:t>Connecting to the database</a:t>
+            </a:r>
+          </a:p>
+          <a:p>
+            <a:r>
+              <a:rPr lang="en-US" sz="2800" dirty="0" smtClean="0">
+                <a:solidFill>
+                  <a:srgbClr val="002060"/>
+                </a:solidFill>
+                <a:latin typeface="Times New Roman" panose="02020603050405020304" pitchFamily="18" charset="0"/>
+                <a:cs typeface="Times New Roman" panose="02020603050405020304" pitchFamily="18" charset="0"/>
+              </a:rPr>
+              <a:t>Retrieving from the database</a:t>
+            </a:r>
+          </a:p>
+          <a:p>
+            <a:endParaRPr lang="en-US" sz="2800" dirty="0">
+              <a:solidFill>
+                <a:srgbClr val="002060"/>
+              </a:solidFill>
+              <a:latin typeface="Times New Roman" panose="02020603050405020304" pitchFamily="18" charset="0"/>
+              <a:cs typeface="Times New Roman" panose="02020603050405020304" pitchFamily="18" charset="0"/>
+            </a:endParaRPr>
           </a:p>
         </p:txBody>
       </p:sp>
@@ -7476,8 +7496,8 @@
         </p:nvSpPr>
         <p:spPr>
           <a:xfrm>
-            <a:off x="8394853" y="6237514"/>
-            <a:ext cx="3312733" cy="369332"/>
+            <a:off x="9184821" y="6211669"/>
+            <a:ext cx="3575958" cy="646331"/>
           </a:xfrm>
           <a:prstGeom prst="rect">
             <a:avLst/>
@@ -7492,76 +7512,23 @@
           <a:p>
             <a:r>
               <a:rPr lang="en-US" dirty="0"/>
-              <a:t> 	Meghana </a:t>
-            </a:r>
-            <a:r>
-              <a:rPr lang="en-US" dirty="0" smtClean="0"/>
-              <a:t>Thakkellapati</a:t>
+              <a:t>Sai Suneel Reddy </a:t>
+            </a:r>
+            <a:r>
+              <a:rPr lang="en-US" dirty="0" err="1"/>
+              <a:t>Challa</a:t>
             </a:r>
             <a:endParaRPr lang="en-US" dirty="0"/>
           </a:p>
-        </p:txBody>
-      </p:sp>
-      <p:pic>
-        <p:nvPicPr>
-          <p:cNvPr id="5" name="Picture 4"/>
-          <p:cNvPicPr/>
-          <p:nvPr/>
-        </p:nvPicPr>
-        <p:blipFill>
-          <a:blip r:embed="rId2">
-            <a:extLst>
-              <a:ext uri="{28A0092B-C50C-407E-A947-70E740481C1C}">
-                <a14:useLocalDpi xmlns:a14="http://schemas.microsoft.com/office/drawing/2010/main" val="0"/>
-              </a:ext>
-            </a:extLst>
-          </a:blip>
-          <a:stretch>
-            <a:fillRect/>
-          </a:stretch>
-        </p:blipFill>
-        <p:spPr>
-          <a:xfrm>
-            <a:off x="2779290" y="1602894"/>
-            <a:ext cx="2623983" cy="3763778"/>
-          </a:xfrm>
-          <a:prstGeom prst="rect">
-            <a:avLst/>
-          </a:prstGeom>
-        </p:spPr>
-      </p:pic>
-      <p:pic>
-        <p:nvPicPr>
-          <p:cNvPr id="6" name="Picture 5"/>
-          <p:cNvPicPr/>
-          <p:nvPr/>
-        </p:nvPicPr>
-        <p:blipFill>
-          <a:blip r:embed="rId3">
-            <a:extLst>
-              <a:ext uri="{28A0092B-C50C-407E-A947-70E740481C1C}">
-                <a14:useLocalDpi xmlns:a14="http://schemas.microsoft.com/office/drawing/2010/main" val="0"/>
-              </a:ext>
-            </a:extLst>
-          </a:blip>
-          <a:stretch>
-            <a:fillRect/>
-          </a:stretch>
-        </p:blipFill>
-        <p:spPr>
-          <a:xfrm>
-            <a:off x="5334940" y="1589040"/>
-            <a:ext cx="3684370" cy="3763778"/>
-          </a:xfrm>
-          <a:prstGeom prst="rect">
-            <a:avLst/>
-          </a:prstGeom>
-        </p:spPr>
-      </p:pic>
+          <a:p>
+            <a:endParaRPr lang="en-US" dirty="0"/>
+          </a:p>
+        </p:txBody>
+      </p:sp>
     </p:spTree>
     <p:extLst>
       <p:ext uri="{BB962C8B-B14F-4D97-AF65-F5344CB8AC3E}">
-        <p14:creationId xmlns:p14="http://schemas.microsoft.com/office/powerpoint/2010/main" val="194343687"/>
+        <p14:creationId xmlns:p14="http://schemas.microsoft.com/office/powerpoint/2010/main" val="4211817034"/>
       </p:ext>
     </p:extLst>
   </p:cSld>
@@ -7619,8 +7586,8 @@
         </p:nvSpPr>
         <p:spPr>
           <a:xfrm>
-            <a:off x="762000" y="559678"/>
-            <a:ext cx="8394880" cy="562540"/>
+            <a:off x="761999" y="559678"/>
+            <a:ext cx="11153335" cy="576395"/>
           </a:xfrm>
         </p:spPr>
         <p:txBody>
@@ -7629,6 +7596,7 @@
           </a:bodyPr>
           <a:lstStyle/>
           <a:p>
+            <a:pPr algn="l"/>
             <a:r>
               <a:rPr lang="en-US" sz="4400" b="1" i="0" dirty="0">
                 <a:solidFill>
@@ -7637,7 +7605,7 @@
                 <a:latin typeface="+mn-lt"/>
                 <a:cs typeface="Arial" panose="020B0604020202020204" pitchFamily="34" charset="0"/>
               </a:rPr>
-              <a:t>Prototypes continued……</a:t>
+              <a:t>Conclusion: Issues to be addressed</a:t>
             </a:r>
           </a:p>
         </p:txBody>
@@ -7654,18 +7622,89 @@
         </p:nvSpPr>
         <p:spPr>
           <a:xfrm>
-            <a:off x="1371600" y="1403798"/>
-            <a:ext cx="9573491" cy="4456676"/>
-          </a:xfrm>
-        </p:spPr>
-        <p:txBody>
-          <a:bodyPr/>
-          <a:lstStyle/>
-          <a:p>
-            <a:pPr marL="0" indent="0">
-              <a:buNone/>
-            </a:pPr>
-            <a:endParaRPr lang="en-US" dirty="0"/>
+            <a:off x="1371600" y="1403797"/>
+            <a:ext cx="9601200" cy="4463603"/>
+          </a:xfrm>
+        </p:spPr>
+        <p:txBody>
+          <a:bodyPr>
+            <a:normAutofit/>
+          </a:bodyPr>
+          <a:lstStyle/>
+          <a:p>
+            <a:r>
+              <a:rPr lang="en-US" sz="2800" dirty="0">
+                <a:solidFill>
+                  <a:srgbClr val="002060"/>
+                </a:solidFill>
+                <a:latin typeface="Times New Roman" panose="02020603050405020304" pitchFamily="18" charset="0"/>
+                <a:cs typeface="Times New Roman" panose="02020603050405020304" pitchFamily="18" charset="0"/>
+              </a:rPr>
+              <a:t>Announcements should be displayed </a:t>
+            </a:r>
+          </a:p>
+          <a:p>
+            <a:r>
+              <a:rPr lang="en-US" sz="2800" dirty="0">
+                <a:solidFill>
+                  <a:srgbClr val="002060"/>
+                </a:solidFill>
+                <a:latin typeface="Times New Roman" panose="02020603050405020304" pitchFamily="18" charset="0"/>
+                <a:cs typeface="Times New Roman" panose="02020603050405020304" pitchFamily="18" charset="0"/>
+              </a:rPr>
+              <a:t>Shipping label should be </a:t>
+            </a:r>
+            <a:r>
+              <a:rPr lang="en-US" sz="2800" dirty="0" smtClean="0">
+                <a:solidFill>
+                  <a:srgbClr val="002060"/>
+                </a:solidFill>
+                <a:latin typeface="Times New Roman" panose="02020603050405020304" pitchFamily="18" charset="0"/>
+                <a:cs typeface="Times New Roman" panose="02020603050405020304" pitchFamily="18" charset="0"/>
+              </a:rPr>
+              <a:t>created</a:t>
+            </a:r>
+          </a:p>
+          <a:p>
+            <a:r>
+              <a:rPr lang="en-US" sz="2800" dirty="0" smtClean="0">
+                <a:solidFill>
+                  <a:srgbClr val="002060"/>
+                </a:solidFill>
+                <a:latin typeface="Times New Roman" panose="02020603050405020304" pitchFamily="18" charset="0"/>
+                <a:cs typeface="Times New Roman" panose="02020603050405020304" pitchFamily="18" charset="0"/>
+              </a:rPr>
+              <a:t>Able </a:t>
+            </a:r>
+            <a:r>
+              <a:rPr lang="en-US" sz="2800" dirty="0">
+                <a:solidFill>
+                  <a:srgbClr val="002060"/>
+                </a:solidFill>
+                <a:latin typeface="Times New Roman" panose="02020603050405020304" pitchFamily="18" charset="0"/>
+                <a:cs typeface="Times New Roman" panose="02020603050405020304" pitchFamily="18" charset="0"/>
+              </a:rPr>
+              <a:t>to cope with any future change in </a:t>
+            </a:r>
+            <a:r>
+              <a:rPr lang="en-US" sz="2800" dirty="0" smtClean="0">
+                <a:solidFill>
+                  <a:srgbClr val="002060"/>
+                </a:solidFill>
+                <a:latin typeface="Times New Roman" panose="02020603050405020304" pitchFamily="18" charset="0"/>
+                <a:cs typeface="Times New Roman" panose="02020603050405020304" pitchFamily="18" charset="0"/>
+              </a:rPr>
+              <a:t>requirements</a:t>
+            </a:r>
+          </a:p>
+          <a:p>
+            <a:endParaRPr lang="en-US" sz="2800" dirty="0">
+              <a:solidFill>
+                <a:srgbClr val="002060"/>
+              </a:solidFill>
+              <a:latin typeface="Times New Roman" panose="02020603050405020304" pitchFamily="18" charset="0"/>
+              <a:cs typeface="Times New Roman" panose="02020603050405020304" pitchFamily="18" charset="0"/>
+            </a:endParaRPr>
           </a:p>
         </p:txBody>
       </p:sp>
@@ -7677,8 +7716,8 @@
         </p:nvSpPr>
         <p:spPr>
           <a:xfrm>
-            <a:off x="8686800" y="6286500"/>
-            <a:ext cx="3118757" cy="369332"/>
+            <a:off x="9184821" y="6211669"/>
+            <a:ext cx="3575958" cy="646331"/>
           </a:xfrm>
           <a:prstGeom prst="rect">
             <a:avLst/>
@@ -7693,50 +7732,23 @@
           <a:p>
             <a:r>
               <a:rPr lang="en-US" dirty="0"/>
-              <a:t>            Meghana </a:t>
-            </a:r>
-            <a:r>
-              <a:rPr lang="en-US" dirty="0" smtClean="0"/>
-              <a:t>Thakkellapati</a:t>
+              <a:t>Sai Suneel Reddy </a:t>
+            </a:r>
+            <a:r>
+              <a:rPr lang="en-US" dirty="0" err="1"/>
+              <a:t>Challa</a:t>
             </a:r>
             <a:endParaRPr lang="en-US" dirty="0"/>
           </a:p>
-        </p:txBody>
-      </p:sp>
-      <p:pic>
-        <p:nvPicPr>
-          <p:cNvPr id="5" name="Picture 4"/>
-          <p:cNvPicPr>
-            <a:picLocks noChangeAspect="1"/>
-          </p:cNvPicPr>
-          <p:nvPr/>
-        </p:nvPicPr>
-        <p:blipFill>
-          <a:blip r:embed="rId2">
-            <a:extLst>
-              <a:ext uri="{28A0092B-C50C-407E-A947-70E740481C1C}">
-                <a14:useLocalDpi xmlns:a14="http://schemas.microsoft.com/office/drawing/2010/main" val="0"/>
-              </a:ext>
-            </a:extLst>
-          </a:blip>
-          <a:stretch>
-            <a:fillRect/>
-          </a:stretch>
-        </p:blipFill>
-        <p:spPr>
-          <a:xfrm>
-            <a:off x="4101568" y="1319802"/>
-            <a:ext cx="3864795" cy="5077534"/>
-          </a:xfrm>
-          <a:prstGeom prst="rect">
-            <a:avLst/>
-          </a:prstGeom>
-        </p:spPr>
-      </p:pic>
+          <a:p>
+            <a:endParaRPr lang="en-US" dirty="0"/>
+          </a:p>
+        </p:txBody>
+      </p:sp>
     </p:spTree>
     <p:extLst>
       <p:ext uri="{BB962C8B-B14F-4D97-AF65-F5344CB8AC3E}">
-        <p14:creationId xmlns:p14="http://schemas.microsoft.com/office/powerpoint/2010/main" val="2252224623"/>
+        <p14:creationId xmlns:p14="http://schemas.microsoft.com/office/powerpoint/2010/main" val="175273591"/>
       </p:ext>
     </p:extLst>
   </p:cSld>
@@ -7782,105 +7794,9 @@
           <a:chExt cx="0" cy="0"/>
         </a:xfrm>
       </p:grpSpPr>
-      <p:sp>
-        <p:nvSpPr>
-          <p:cNvPr id="2" name="Title 1"/>
-          <p:cNvSpPr>
-            <a:spLocks noGrp="1"/>
-          </p:cNvSpPr>
-          <p:nvPr>
-            <p:ph type="title"/>
-          </p:nvPr>
-        </p:nvSpPr>
-        <p:spPr>
-          <a:xfrm>
-            <a:off x="762000" y="559678"/>
-            <a:ext cx="8394880" cy="714940"/>
-          </a:xfrm>
-        </p:spPr>
-        <p:txBody>
-          <a:bodyPr>
-            <a:normAutofit/>
-          </a:bodyPr>
-          <a:lstStyle/>
-          <a:p>
-            <a:r>
-              <a:rPr lang="en-US" sz="4400" b="1" i="0" dirty="0">
-                <a:solidFill>
-                  <a:srgbClr val="C00000"/>
-                </a:solidFill>
-                <a:latin typeface="+mn-lt"/>
-                <a:cs typeface="Arial" panose="020B0604020202020204" pitchFamily="34" charset="0"/>
-              </a:rPr>
-              <a:t>Prototypes continued……</a:t>
-            </a:r>
-          </a:p>
-        </p:txBody>
-      </p:sp>
-      <p:sp>
-        <p:nvSpPr>
-          <p:cNvPr id="3" name="Content Placeholder 2"/>
-          <p:cNvSpPr>
-            <a:spLocks noGrp="1"/>
-          </p:cNvSpPr>
-          <p:nvPr>
-            <p:ph idx="1"/>
-          </p:nvPr>
-        </p:nvSpPr>
-        <p:spPr>
-          <a:xfrm>
-            <a:off x="1371600" y="1403797"/>
-            <a:ext cx="9601200" cy="4463603"/>
-          </a:xfrm>
-        </p:spPr>
-        <p:txBody>
-          <a:bodyPr/>
-          <a:lstStyle/>
-          <a:p>
-            <a:pPr marL="0" indent="0">
-              <a:buNone/>
-            </a:pPr>
-            <a:endParaRPr lang="en-US" dirty="0"/>
-          </a:p>
-        </p:txBody>
-      </p:sp>
-      <p:sp>
-        <p:nvSpPr>
-          <p:cNvPr id="4" name="TextBox 3"/>
-          <p:cNvSpPr txBox="1"/>
-          <p:nvPr/>
-        </p:nvSpPr>
-        <p:spPr>
-          <a:xfrm>
-            <a:off x="8686800" y="6286500"/>
-            <a:ext cx="3118757" cy="369332"/>
-          </a:xfrm>
-          <a:prstGeom prst="rect">
-            <a:avLst/>
-          </a:prstGeom>
-          <a:noFill/>
-        </p:spPr>
-        <p:txBody>
-          <a:bodyPr wrap="square" rtlCol="0">
-            <a:spAutoFit/>
-          </a:bodyPr>
-          <a:lstStyle/>
-          <a:p>
-            <a:r>
-              <a:rPr lang="en-US" dirty="0"/>
-              <a:t>            Meghana </a:t>
-            </a:r>
-            <a:r>
-              <a:rPr lang="en-US" dirty="0" smtClean="0"/>
-              <a:t>Thakkellapati</a:t>
-            </a:r>
-            <a:endParaRPr lang="en-US" dirty="0"/>
-          </a:p>
-        </p:txBody>
-      </p:sp>
       <p:pic>
         <p:nvPicPr>
-          <p:cNvPr id="6" name="Picture 5"/>
+          <p:cNvPr id="3" name="Picture 2"/>
           <p:cNvPicPr>
             <a:picLocks noChangeAspect="1"/>
           </p:cNvPicPr>
@@ -7900,8 +7816,8 @@
         </p:blipFill>
         <p:spPr>
           <a:xfrm>
-            <a:off x="3693976" y="1321703"/>
-            <a:ext cx="3676642" cy="4787683"/>
+            <a:off x="3325092" y="803564"/>
+            <a:ext cx="5140036" cy="5386578"/>
           </a:xfrm>
           <a:prstGeom prst="rect">
             <a:avLst/>
@@ -7911,7 +7827,7 @@
     </p:spTree>
     <p:extLst>
       <p:ext uri="{BB962C8B-B14F-4D97-AF65-F5344CB8AC3E}">
-        <p14:creationId xmlns:p14="http://schemas.microsoft.com/office/powerpoint/2010/main" val="968074083"/>
+        <p14:creationId xmlns:p14="http://schemas.microsoft.com/office/powerpoint/2010/main" val="894493107"/>
       </p:ext>
     </p:extLst>
   </p:cSld>
@@ -7957,88 +7873,9 @@
           <a:chExt cx="0" cy="0"/>
         </a:xfrm>
       </p:grpSpPr>
-      <p:sp>
-        <p:nvSpPr>
-          <p:cNvPr id="2" name="Title 1"/>
-          <p:cNvSpPr>
-            <a:spLocks noGrp="1"/>
-          </p:cNvSpPr>
-          <p:nvPr>
-            <p:ph type="title"/>
-          </p:nvPr>
-        </p:nvSpPr>
-        <p:spPr>
-          <a:xfrm>
-            <a:off x="762000" y="559678"/>
-            <a:ext cx="5334000" cy="770358"/>
-          </a:xfrm>
-        </p:spPr>
-        <p:txBody>
-          <a:bodyPr>
-            <a:normAutofit/>
-          </a:bodyPr>
-          <a:lstStyle/>
-          <a:p>
-            <a:r>
-              <a:rPr lang="en-US" sz="4400" b="1" i="0" dirty="0">
-                <a:solidFill>
-                  <a:srgbClr val="C00000"/>
-                </a:solidFill>
-                <a:latin typeface="+mn-lt"/>
-                <a:cs typeface="Arial" panose="020B0604020202020204" pitchFamily="34" charset="0"/>
-              </a:rPr>
-              <a:t>Implementation</a:t>
-            </a:r>
-            <a:endParaRPr lang="en-US" sz="4400" dirty="0">
-              <a:solidFill>
-                <a:srgbClr val="C00000"/>
-              </a:solidFill>
-              <a:latin typeface="+mn-lt"/>
-            </a:endParaRPr>
-          </a:p>
-        </p:txBody>
-      </p:sp>
-      <p:sp>
-        <p:nvSpPr>
-          <p:cNvPr id="3" name="TextBox 2"/>
-          <p:cNvSpPr txBox="1"/>
-          <p:nvPr/>
-        </p:nvSpPr>
-        <p:spPr>
-          <a:xfrm>
-            <a:off x="8134066" y="5786651"/>
-            <a:ext cx="3343701" cy="369332"/>
-          </a:xfrm>
-          <a:prstGeom prst="rect">
-            <a:avLst/>
-          </a:prstGeom>
-          <a:noFill/>
-        </p:spPr>
-        <p:txBody>
-          <a:bodyPr wrap="square" rtlCol="0">
-            <a:spAutoFit/>
-          </a:bodyPr>
-          <a:lstStyle/>
-          <a:p>
-            <a:r>
-              <a:rPr lang="en-US" dirty="0" smtClean="0"/>
-              <a:t>	</a:t>
-            </a:r>
-            <a:r>
-              <a:rPr lang="en-US" dirty="0" err="1" smtClean="0"/>
-              <a:t>Manoj</a:t>
-            </a:r>
-            <a:r>
-              <a:rPr lang="en-US" dirty="0" smtClean="0"/>
-              <a:t> Kumar Kotte</a:t>
-            </a:r>
-            <a:endParaRPr lang="en-US" dirty="0"/>
-          </a:p>
-        </p:txBody>
-      </p:sp>
       <p:pic>
         <p:nvPicPr>
-          <p:cNvPr id="5" name="Picture 4"/>
+          <p:cNvPr id="2" name="Picture 1"/>
           <p:cNvPicPr>
             <a:picLocks noChangeAspect="1"/>
           </p:cNvPicPr>
@@ -8058,8 +7895,8 @@
         </p:blipFill>
         <p:spPr>
           <a:xfrm>
-            <a:off x="2356834" y="2021984"/>
-            <a:ext cx="7727324" cy="3116686"/>
+            <a:off x="2951018" y="1572028"/>
+            <a:ext cx="5627717" cy="3754743"/>
           </a:xfrm>
           <a:prstGeom prst="rect">
             <a:avLst/>
@@ -8069,7 +7906,7 @@
     </p:spTree>
     <p:extLst>
       <p:ext uri="{BB962C8B-B14F-4D97-AF65-F5344CB8AC3E}">
-        <p14:creationId xmlns:p14="http://schemas.microsoft.com/office/powerpoint/2010/main" val="1390182821"/>
+        <p14:creationId xmlns:p14="http://schemas.microsoft.com/office/powerpoint/2010/main" val="30623602"/>
       </p:ext>
     </p:extLst>
   </p:cSld>
@@ -8127,43 +7964,8 @@
         </p:nvSpPr>
         <p:spPr>
           <a:xfrm>
-            <a:off x="762000" y="559678"/>
-            <a:ext cx="9591822" cy="617958"/>
-          </a:xfrm>
-        </p:spPr>
-        <p:txBody>
-          <a:bodyPr>
-            <a:noAutofit/>
-          </a:bodyPr>
-          <a:lstStyle/>
-          <a:p>
-            <a:r>
-              <a:rPr lang="en-US" sz="4400" b="1" i="0" dirty="0">
-                <a:solidFill>
-                  <a:srgbClr val="C00000"/>
-                </a:solidFill>
-                <a:latin typeface="+mn-lt"/>
-                <a:cs typeface="Arial" panose="020B0604020202020204" pitchFamily="34" charset="0"/>
-              </a:rPr>
-              <a:t>Conclusion: Lessons Learned </a:t>
-            </a:r>
-          </a:p>
-        </p:txBody>
-      </p:sp>
-      <p:sp>
-        <p:nvSpPr>
-          <p:cNvPr id="3" name="Content Placeholder 2"/>
-          <p:cNvSpPr>
-            <a:spLocks noGrp="1"/>
-          </p:cNvSpPr>
-          <p:nvPr>
-            <p:ph idx="1"/>
-          </p:nvPr>
-        </p:nvSpPr>
-        <p:spPr>
-          <a:xfrm>
-            <a:off x="1371600" y="1403797"/>
-            <a:ext cx="9601200" cy="4463603"/>
+            <a:off x="746760" y="534726"/>
+            <a:ext cx="8150181" cy="823019"/>
           </a:xfrm>
         </p:spPr>
         <p:txBody>
@@ -8173,85 +7975,149 @@
           <a:lstStyle/>
           <a:p>
             <a:r>
-              <a:rPr lang="en-US" sz="2800" dirty="0">
-                <a:solidFill>
-                  <a:srgbClr val="002060"/>
-                </a:solidFill>
-                <a:latin typeface="Times New Roman" panose="02020603050405020304" pitchFamily="18" charset="0"/>
-                <a:cs typeface="Times New Roman" panose="02020603050405020304" pitchFamily="18" charset="0"/>
+              <a:rPr lang="en-US" sz="4400" b="1" i="0" dirty="0">
+                <a:solidFill>
+                  <a:schemeClr val="accent4">
+                    <a:lumMod val="50000"/>
+                  </a:schemeClr>
+                </a:solidFill>
+                <a:latin typeface="Arial" panose="020B0604020202020204" pitchFamily="34" charset="0"/>
+                <a:cs typeface="Arial" panose="020B0604020202020204" pitchFamily="34" charset="0"/>
               </a:rPr>
-              <a:t>Team Management</a:t>
-            </a:r>
-          </a:p>
-          <a:p>
-            <a:r>
-              <a:rPr lang="en-US" sz="2800" dirty="0">
-                <a:solidFill>
-                  <a:srgbClr val="002060"/>
-                </a:solidFill>
-                <a:latin typeface="Times New Roman" panose="02020603050405020304" pitchFamily="18" charset="0"/>
-                <a:cs typeface="Times New Roman" panose="02020603050405020304" pitchFamily="18" charset="0"/>
-              </a:rPr>
-              <a:t>Time Management</a:t>
-            </a:r>
-          </a:p>
-          <a:p>
-            <a:r>
-              <a:rPr lang="en-US" sz="2800" dirty="0">
-                <a:solidFill>
-                  <a:srgbClr val="002060"/>
-                </a:solidFill>
-                <a:latin typeface="Times New Roman" panose="02020603050405020304" pitchFamily="18" charset="0"/>
-                <a:cs typeface="Times New Roman" panose="02020603050405020304" pitchFamily="18" charset="0"/>
-              </a:rPr>
-              <a:t>Documentation skills</a:t>
-            </a:r>
-          </a:p>
-          <a:p>
-            <a:r>
-              <a:rPr lang="en-US" sz="2800" dirty="0">
-                <a:solidFill>
-                  <a:srgbClr val="002060"/>
-                </a:solidFill>
-                <a:latin typeface="Times New Roman" panose="02020603050405020304" pitchFamily="18" charset="0"/>
-                <a:cs typeface="Times New Roman" panose="02020603050405020304" pitchFamily="18" charset="0"/>
-              </a:rPr>
-              <a:t>Swift Programming Language</a:t>
-            </a:r>
-          </a:p>
-          <a:p>
-            <a:endParaRPr lang="en-US" sz="2800" dirty="0">
-              <a:solidFill>
-                <a:srgbClr val="002060"/>
-              </a:solidFill>
-              <a:latin typeface="Times New Roman" panose="02020603050405020304" pitchFamily="18" charset="0"/>
-              <a:cs typeface="Times New Roman" panose="02020603050405020304" pitchFamily="18" charset="0"/>
-            </a:endParaRPr>
-          </a:p>
-          <a:p>
-            <a:pPr marL="0" indent="0">
-              <a:buNone/>
-            </a:pPr>
-            <a:endParaRPr lang="en-US" sz="2800" dirty="0">
-              <a:solidFill>
-                <a:srgbClr val="002060"/>
-              </a:solidFill>
-              <a:latin typeface="Times New Roman" panose="02020603050405020304" pitchFamily="18" charset="0"/>
-              <a:cs typeface="Times New Roman" panose="02020603050405020304" pitchFamily="18" charset="0"/>
-            </a:endParaRPr>
-          </a:p>
-        </p:txBody>
-      </p:sp>
-      <p:sp>
-        <p:nvSpPr>
-          <p:cNvPr id="4" name="TextBox 3"/>
+              <a:t>TEAM MEMBERS</a:t>
+            </a:r>
+          </a:p>
+        </p:txBody>
+      </p:sp>
+      <p:pic>
+        <p:nvPicPr>
+          <p:cNvPr id="4" name="Content Placeholder 3"/>
+          <p:cNvPicPr>
+            <a:picLocks noGrp="1" noChangeAspect="1"/>
+          </p:cNvPicPr>
+          <p:nvPr>
+            <p:ph idx="1"/>
+          </p:nvPr>
+        </p:nvPicPr>
+        <p:blipFill>
+          <a:blip r:embed="rId2" cstate="print">
+            <a:extLst>
+              <a:ext uri="{28A0092B-C50C-407E-A947-70E740481C1C}">
+                <a14:useLocalDpi xmlns:a14="http://schemas.microsoft.com/office/drawing/2010/main" val="0"/>
+              </a:ext>
+            </a:extLst>
+          </a:blip>
+          <a:stretch>
+            <a:fillRect/>
+          </a:stretch>
+        </p:blipFill>
+        <p:spPr>
+          <a:xfrm>
+            <a:off x="7362453" y="2738692"/>
+            <a:ext cx="1988820" cy="2651760"/>
+          </a:xfrm>
+        </p:spPr>
+      </p:pic>
+      <p:pic>
+        <p:nvPicPr>
+          <p:cNvPr id="7" name="Picture 6"/>
+          <p:cNvPicPr>
+            <a:picLocks noChangeAspect="1"/>
+          </p:cNvPicPr>
+          <p:nvPr/>
+        </p:nvPicPr>
+        <p:blipFill>
+          <a:blip r:embed="rId3" cstate="print">
+            <a:extLst>
+              <a:ext uri="{28A0092B-C50C-407E-A947-70E740481C1C}">
+                <a14:useLocalDpi xmlns:a14="http://schemas.microsoft.com/office/drawing/2010/main" val="0"/>
+              </a:ext>
+            </a:extLst>
+          </a:blip>
+          <a:stretch>
+            <a:fillRect/>
+          </a:stretch>
+        </p:blipFill>
+        <p:spPr>
+          <a:xfrm>
+            <a:off x="9633399" y="1707523"/>
+            <a:ext cx="1931829" cy="2646830"/>
+          </a:xfrm>
+          <a:prstGeom prst="rect">
+            <a:avLst/>
+          </a:prstGeom>
+        </p:spPr>
+      </p:pic>
+      <p:pic>
+        <p:nvPicPr>
+          <p:cNvPr id="8" name="Picture 7"/>
+          <p:cNvPicPr>
+            <a:picLocks noChangeAspect="1"/>
+          </p:cNvPicPr>
+          <p:nvPr/>
+        </p:nvPicPr>
+        <p:blipFill>
+          <a:blip r:embed="rId4" cstate="print">
+            <a:extLst>
+              <a:ext uri="{28A0092B-C50C-407E-A947-70E740481C1C}">
+                <a14:useLocalDpi xmlns:a14="http://schemas.microsoft.com/office/drawing/2010/main" val="0"/>
+              </a:ext>
+            </a:extLst>
+          </a:blip>
+          <a:stretch>
+            <a:fillRect/>
+          </a:stretch>
+        </p:blipFill>
+        <p:spPr>
+          <a:xfrm>
+            <a:off x="3190057" y="2784412"/>
+            <a:ext cx="1902176" cy="2560320"/>
+          </a:xfrm>
+          <a:prstGeom prst="rect">
+            <a:avLst/>
+          </a:prstGeom>
+        </p:spPr>
+      </p:pic>
+      <p:pic>
+        <p:nvPicPr>
+          <p:cNvPr id="10" name="Picture 9"/>
+          <p:cNvPicPr>
+            <a:picLocks noChangeAspect="1"/>
+          </p:cNvPicPr>
+          <p:nvPr/>
+        </p:nvPicPr>
+        <p:blipFill>
+          <a:blip r:embed="rId5">
+            <a:extLst>
+              <a:ext uri="{28A0092B-C50C-407E-A947-70E740481C1C}">
+                <a14:useLocalDpi xmlns:a14="http://schemas.microsoft.com/office/drawing/2010/main" val="0"/>
+              </a:ext>
+            </a:extLst>
+          </a:blip>
+          <a:stretch>
+            <a:fillRect/>
+          </a:stretch>
+        </p:blipFill>
+        <p:spPr>
+          <a:xfrm>
+            <a:off x="5285215" y="1707523"/>
+            <a:ext cx="1867437" cy="2646830"/>
+          </a:xfrm>
+          <a:prstGeom prst="rect">
+            <a:avLst/>
+          </a:prstGeom>
+        </p:spPr>
+      </p:pic>
+      <p:sp>
+        <p:nvSpPr>
+          <p:cNvPr id="13" name="TextBox 12"/>
           <p:cNvSpPr txBox="1"/>
           <p:nvPr/>
         </p:nvSpPr>
         <p:spPr>
           <a:xfrm>
-            <a:off x="9184821" y="6211669"/>
-            <a:ext cx="3575958" cy="646331"/>
+            <a:off x="1326524" y="4790941"/>
+            <a:ext cx="1581407" cy="523220"/>
           </a:xfrm>
           <a:prstGeom prst="rect">
             <a:avLst/>
@@ -8265,274 +8131,31 @@
           <a:lstStyle/>
           <a:p>
             <a:r>
-              <a:rPr lang="en-US" dirty="0"/>
-              <a:t>Sai Suneel Reddy </a:t>
-            </a:r>
-            <a:r>
-              <a:rPr lang="en-US" dirty="0" err="1"/>
-              <a:t>Challa</a:t>
-            </a:r>
-            <a:endParaRPr lang="en-US" dirty="0"/>
-          </a:p>
-          <a:p>
-            <a:endParaRPr lang="en-US" dirty="0"/>
-          </a:p>
-        </p:txBody>
-      </p:sp>
-    </p:spTree>
-    <p:extLst>
-      <p:ext uri="{BB962C8B-B14F-4D97-AF65-F5344CB8AC3E}">
-        <p14:creationId xmlns:p14="http://schemas.microsoft.com/office/powerpoint/2010/main" val="4196533508"/>
-      </p:ext>
-    </p:extLst>
-  </p:cSld>
-  <p:clrMapOvr>
-    <a:masterClrMapping/>
-  </p:clrMapOvr>
-  <mc:AlternateContent xmlns:mc="http://schemas.openxmlformats.org/markup-compatibility/2006" xmlns:p14="http://schemas.microsoft.com/office/powerpoint/2010/main">
-    <mc:Choice Requires="p14">
-      <p:transition spd="med" p14:dur="700">
-        <p:fade/>
-      </p:transition>
-    </mc:Choice>
-    <mc:Fallback xmlns="">
-      <p:transition spd="med">
-        <p:fade/>
-      </p:transition>
-    </mc:Fallback>
-  </mc:AlternateContent>
-  <p:timing>
-    <p:tnLst>
-      <p:par>
-        <p:cTn id="1" dur="indefinite" restart="never" nodeType="tmRoot"/>
-      </p:par>
-    </p:tnLst>
-  </p:timing>
-</p:sld>
-</file>
-
-<file path=ppt/slides/slide27.xml><?xml version="1.0" encoding="utf-8"?>
-<p:sld xmlns:a="http://schemas.openxmlformats.org/drawingml/2006/main" xmlns:r="http://schemas.openxmlformats.org/officeDocument/2006/relationships" xmlns:p="http://schemas.openxmlformats.org/presentationml/2006/main">
-  <p:cSld>
-    <p:spTree>
-      <p:nvGrpSpPr>
-        <p:cNvPr id="1" name=""/>
-        <p:cNvGrpSpPr/>
-        <p:nvPr/>
-      </p:nvGrpSpPr>
-      <p:grpSpPr>
-        <a:xfrm>
-          <a:off x="0" y="0"/>
-          <a:ext cx="0" cy="0"/>
-          <a:chOff x="0" y="0"/>
-          <a:chExt cx="0" cy="0"/>
-        </a:xfrm>
-      </p:grpSpPr>
-      <p:sp>
-        <p:nvSpPr>
-          <p:cNvPr id="2" name="Title 1"/>
-          <p:cNvSpPr>
-            <a:spLocks noGrp="1"/>
-          </p:cNvSpPr>
-          <p:nvPr>
-            <p:ph type="title"/>
-          </p:nvPr>
-        </p:nvSpPr>
-        <p:spPr>
-          <a:xfrm>
-            <a:off x="762000" y="559678"/>
-            <a:ext cx="10379612" cy="714940"/>
-          </a:xfrm>
-        </p:spPr>
-        <p:txBody>
-          <a:bodyPr>
-            <a:noAutofit/>
-          </a:bodyPr>
-          <a:lstStyle/>
-          <a:p>
-            <a:pPr algn="l"/>
-            <a:r>
-              <a:rPr lang="en-US" sz="4400" b="1" i="0" dirty="0">
-                <a:solidFill>
-                  <a:srgbClr val="C00000"/>
-                </a:solidFill>
-                <a:latin typeface="+mn-lt"/>
-                <a:cs typeface="Arial" panose="020B0604020202020204" pitchFamily="34" charset="0"/>
+              <a:rPr lang="en-US" sz="2800" b="1" dirty="0">
+                <a:solidFill>
+                  <a:srgbClr val="00B050"/>
+                </a:solidFill>
               </a:rPr>
-              <a:t>Conclusion: Tasks accomplished</a:t>
-            </a:r>
-          </a:p>
-        </p:txBody>
-      </p:sp>
-      <p:sp>
-        <p:nvSpPr>
-          <p:cNvPr id="3" name="Content Placeholder 2"/>
-          <p:cNvSpPr>
-            <a:spLocks noGrp="1"/>
-          </p:cNvSpPr>
-          <p:nvPr>
-            <p:ph idx="1"/>
-          </p:nvPr>
-        </p:nvSpPr>
-        <p:spPr>
-          <a:xfrm>
-            <a:off x="1371600" y="1403797"/>
-            <a:ext cx="9601200" cy="4463603"/>
-          </a:xfrm>
-        </p:spPr>
-        <p:txBody>
-          <a:bodyPr>
-            <a:normAutofit/>
-          </a:bodyPr>
-          <a:lstStyle/>
-          <a:p>
-            <a:r>
-              <a:rPr lang="en-US" sz="2800" dirty="0">
-                <a:solidFill>
-                  <a:srgbClr val="002060"/>
-                </a:solidFill>
-                <a:latin typeface="Times New Roman" panose="02020603050405020304" pitchFamily="18" charset="0"/>
-                <a:cs typeface="Times New Roman" panose="02020603050405020304" pitchFamily="18" charset="0"/>
-              </a:rPr>
-              <a:t>Designed ER Diagram</a:t>
-            </a:r>
-          </a:p>
-          <a:p>
-            <a:r>
-              <a:rPr lang="en-US" sz="2800" dirty="0">
-                <a:solidFill>
-                  <a:srgbClr val="002060"/>
-                </a:solidFill>
-                <a:latin typeface="Times New Roman" panose="02020603050405020304" pitchFamily="18" charset="0"/>
-                <a:cs typeface="Times New Roman" panose="02020603050405020304" pitchFamily="18" charset="0"/>
-              </a:rPr>
-              <a:t>Prototype Design of UI Screens</a:t>
-            </a:r>
-          </a:p>
-          <a:p>
-            <a:r>
-              <a:rPr lang="en-US" sz="2800" dirty="0">
-                <a:solidFill>
-                  <a:srgbClr val="002060"/>
-                </a:solidFill>
-                <a:latin typeface="Times New Roman" panose="02020603050405020304" pitchFamily="18" charset="0"/>
-                <a:cs typeface="Times New Roman" panose="02020603050405020304" pitchFamily="18" charset="0"/>
-              </a:rPr>
-              <a:t>Software Requirements Document</a:t>
-            </a:r>
-          </a:p>
-          <a:p>
-            <a:r>
-              <a:rPr lang="en-US" sz="2800" dirty="0">
-                <a:solidFill>
-                  <a:srgbClr val="002060"/>
-                </a:solidFill>
-                <a:latin typeface="Times New Roman" panose="02020603050405020304" pitchFamily="18" charset="0"/>
-                <a:cs typeface="Times New Roman" panose="02020603050405020304" pitchFamily="18" charset="0"/>
-              </a:rPr>
-              <a:t>UI Implementation for Admin </a:t>
-            </a:r>
-            <a:r>
-              <a:rPr lang="en-US" sz="2800" dirty="0" smtClean="0">
-                <a:solidFill>
-                  <a:srgbClr val="002060"/>
-                </a:solidFill>
-                <a:latin typeface="Times New Roman" panose="02020603050405020304" pitchFamily="18" charset="0"/>
-                <a:cs typeface="Times New Roman" panose="02020603050405020304" pitchFamily="18" charset="0"/>
-              </a:rPr>
-              <a:t>role</a:t>
-            </a:r>
-          </a:p>
-          <a:p>
-            <a:r>
-              <a:rPr lang="en-US" sz="2800" dirty="0">
-                <a:solidFill>
-                  <a:srgbClr val="002060"/>
-                </a:solidFill>
-                <a:latin typeface="Times New Roman" panose="02020603050405020304" pitchFamily="18" charset="0"/>
-                <a:cs typeface="Times New Roman" panose="02020603050405020304" pitchFamily="18" charset="0"/>
-              </a:rPr>
-              <a:t>UI Implementation for </a:t>
-            </a:r>
-            <a:r>
-              <a:rPr lang="en-US" sz="2800" dirty="0" smtClean="0">
-                <a:solidFill>
-                  <a:srgbClr val="002060"/>
-                </a:solidFill>
-                <a:latin typeface="Times New Roman" panose="02020603050405020304" pitchFamily="18" charset="0"/>
-                <a:cs typeface="Times New Roman" panose="02020603050405020304" pitchFamily="18" charset="0"/>
-              </a:rPr>
-              <a:t>User role</a:t>
-            </a:r>
-            <a:endParaRPr lang="en-US" sz="2800" dirty="0" smtClean="0">
+              <a:t>Sahithya</a:t>
+            </a:r>
+            <a:endParaRPr lang="en-US" sz="2400" b="1" dirty="0">
               <a:solidFill>
-                <a:srgbClr val="002060"/>
+                <a:srgbClr val="00B050"/>
               </a:solidFill>
-              <a:latin typeface="Times New Roman" panose="02020603050405020304" pitchFamily="18" charset="0"/>
-              <a:cs typeface="Times New Roman" panose="02020603050405020304" pitchFamily="18" charset="0"/>
             </a:endParaRPr>
           </a:p>
-          <a:p>
-            <a:r>
-              <a:rPr lang="en-US" sz="2800" dirty="0" smtClean="0">
-                <a:solidFill>
-                  <a:srgbClr val="002060"/>
-                </a:solidFill>
-                <a:latin typeface="Times New Roman" panose="02020603050405020304" pitchFamily="18" charset="0"/>
-                <a:cs typeface="Times New Roman" panose="02020603050405020304" pitchFamily="18" charset="0"/>
-              </a:rPr>
-              <a:t>Register and Login Functionality</a:t>
-            </a:r>
-            <a:endParaRPr lang="en-US" sz="2800" dirty="0">
-              <a:solidFill>
-                <a:srgbClr val="002060"/>
-              </a:solidFill>
-              <a:latin typeface="Times New Roman" panose="02020603050405020304" pitchFamily="18" charset="0"/>
-              <a:cs typeface="Times New Roman" panose="02020603050405020304" pitchFamily="18" charset="0"/>
-            </a:endParaRPr>
-          </a:p>
-          <a:p>
-            <a:endParaRPr lang="en-US" sz="2800" dirty="0" smtClean="0">
-              <a:solidFill>
-                <a:srgbClr val="002060"/>
-              </a:solidFill>
-              <a:latin typeface="Times New Roman" panose="02020603050405020304" pitchFamily="18" charset="0"/>
-              <a:cs typeface="Times New Roman" panose="02020603050405020304" pitchFamily="18" charset="0"/>
-            </a:endParaRPr>
-          </a:p>
-          <a:p>
-            <a:endParaRPr lang="en-US" sz="2800" dirty="0">
-              <a:solidFill>
-                <a:srgbClr val="002060"/>
-              </a:solidFill>
-              <a:latin typeface="Times New Roman" panose="02020603050405020304" pitchFamily="18" charset="0"/>
-              <a:cs typeface="Times New Roman" panose="02020603050405020304" pitchFamily="18" charset="0"/>
-            </a:endParaRPr>
-          </a:p>
-          <a:p>
-            <a:pPr marL="0" indent="0">
-              <a:buNone/>
-            </a:pPr>
-            <a:endParaRPr lang="en-US" sz="2800" dirty="0">
-              <a:solidFill>
-                <a:srgbClr val="002060"/>
-              </a:solidFill>
-              <a:latin typeface="Times New Roman" panose="02020603050405020304" pitchFamily="18" charset="0"/>
-              <a:cs typeface="Times New Roman" panose="02020603050405020304" pitchFamily="18" charset="0"/>
-            </a:endParaRPr>
-          </a:p>
-        </p:txBody>
-      </p:sp>
-      <p:sp>
-        <p:nvSpPr>
-          <p:cNvPr id="4" name="TextBox 3"/>
+        </p:txBody>
+      </p:sp>
+      <p:sp>
+        <p:nvSpPr>
+          <p:cNvPr id="14" name="TextBox 13"/>
           <p:cNvSpPr txBox="1"/>
           <p:nvPr/>
         </p:nvSpPr>
         <p:spPr>
           <a:xfrm>
-            <a:off x="9184821" y="6211669"/>
-            <a:ext cx="3575958" cy="646331"/>
+            <a:off x="3438660" y="5100034"/>
+            <a:ext cx="1803042" cy="1138773"/>
           </a:xfrm>
           <a:prstGeom prst="rect">
             <a:avLst/>
@@ -8545,199 +8168,38 @@
           </a:bodyPr>
           <a:lstStyle/>
           <a:p>
-            <a:r>
-              <a:rPr lang="en-US" dirty="0"/>
-              <a:t>Sai Suneel Reddy </a:t>
-            </a:r>
-            <a:r>
-              <a:rPr lang="en-US" dirty="0" err="1"/>
-              <a:t>Challa</a:t>
-            </a:r>
-            <a:endParaRPr lang="en-US" dirty="0"/>
-          </a:p>
-          <a:p>
-            <a:endParaRPr lang="en-US" dirty="0"/>
-          </a:p>
-        </p:txBody>
-      </p:sp>
-    </p:spTree>
-    <p:extLst>
-      <p:ext uri="{BB962C8B-B14F-4D97-AF65-F5344CB8AC3E}">
-        <p14:creationId xmlns:p14="http://schemas.microsoft.com/office/powerpoint/2010/main" val="3087853465"/>
-      </p:ext>
-    </p:extLst>
-  </p:cSld>
-  <p:clrMapOvr>
-    <a:masterClrMapping/>
-  </p:clrMapOvr>
-  <mc:AlternateContent xmlns:mc="http://schemas.openxmlformats.org/markup-compatibility/2006" xmlns:p14="http://schemas.microsoft.com/office/powerpoint/2010/main">
-    <mc:Choice Requires="p14">
-      <p:transition spd="med" p14:dur="700">
-        <p:fade/>
-      </p:transition>
-    </mc:Choice>
-    <mc:Fallback xmlns="">
-      <p:transition spd="med">
-        <p:fade/>
-      </p:transition>
-    </mc:Fallback>
-  </mc:AlternateContent>
-  <p:timing>
-    <p:tnLst>
-      <p:par>
-        <p:cTn id="1" dur="indefinite" restart="never" nodeType="tmRoot"/>
-      </p:par>
-    </p:tnLst>
-  </p:timing>
-</p:sld>
-</file>
-
-<file path=ppt/slides/slide28.xml><?xml version="1.0" encoding="utf-8"?>
-<p:sld xmlns:a="http://schemas.openxmlformats.org/drawingml/2006/main" xmlns:r="http://schemas.openxmlformats.org/officeDocument/2006/relationships" xmlns:p="http://schemas.openxmlformats.org/presentationml/2006/main">
-  <p:cSld>
-    <p:spTree>
-      <p:nvGrpSpPr>
-        <p:cNvPr id="1" name=""/>
-        <p:cNvGrpSpPr/>
-        <p:nvPr/>
-      </p:nvGrpSpPr>
-      <p:grpSpPr>
-        <a:xfrm>
-          <a:off x="0" y="0"/>
-          <a:ext cx="0" cy="0"/>
-          <a:chOff x="0" y="0"/>
-          <a:chExt cx="0" cy="0"/>
-        </a:xfrm>
-      </p:grpSpPr>
-      <p:sp>
-        <p:nvSpPr>
-          <p:cNvPr id="2" name="Title 1"/>
-          <p:cNvSpPr>
-            <a:spLocks noGrp="1"/>
-          </p:cNvSpPr>
-          <p:nvPr>
-            <p:ph type="title"/>
-          </p:nvPr>
-        </p:nvSpPr>
-        <p:spPr>
-          <a:xfrm>
-            <a:off x="761999" y="559678"/>
-            <a:ext cx="10914185" cy="714940"/>
-          </a:xfrm>
-        </p:spPr>
-        <p:txBody>
-          <a:bodyPr>
-            <a:normAutofit/>
-          </a:bodyPr>
-          <a:lstStyle/>
-          <a:p>
-            <a:pPr algn="l"/>
-            <a:r>
-              <a:rPr lang="en-US" sz="4400" b="1" i="0" dirty="0">
-                <a:solidFill>
-                  <a:srgbClr val="C00000"/>
-                </a:solidFill>
-                <a:latin typeface="+mn-lt"/>
-                <a:cs typeface="Arial" panose="020B0604020202020204" pitchFamily="34" charset="0"/>
+            <a:endParaRPr lang="en-US" sz="2000" b="1" dirty="0"/>
+          </a:p>
+          <a:p>
+            <a:endParaRPr lang="en-US" sz="2000" b="1" dirty="0"/>
+          </a:p>
+          <a:p>
+            <a:r>
+              <a:rPr lang="en-US" sz="2800" b="1" dirty="0" err="1">
+                <a:solidFill>
+                  <a:srgbClr val="00B050"/>
+                </a:solidFill>
               </a:rPr>
-              <a:t>Conclusion: </a:t>
-            </a:r>
-            <a:r>
-              <a:rPr lang="en-US" sz="4400" b="1" i="0" dirty="0" err="1" smtClean="0">
-                <a:solidFill>
-                  <a:srgbClr val="C00000"/>
-                </a:solidFill>
-                <a:latin typeface="+mn-lt"/>
-                <a:cs typeface="Arial" panose="020B0604020202020204" pitchFamily="34" charset="0"/>
-              </a:rPr>
-              <a:t>ProBlems</a:t>
-            </a:r>
-            <a:r>
-              <a:rPr lang="en-US" sz="4400" b="1" i="0" dirty="0" smtClean="0">
-                <a:solidFill>
-                  <a:srgbClr val="C00000"/>
-                </a:solidFill>
-                <a:latin typeface="+mn-lt"/>
-                <a:cs typeface="Arial" panose="020B0604020202020204" pitchFamily="34" charset="0"/>
-              </a:rPr>
-              <a:t> faced</a:t>
-            </a:r>
-            <a:endParaRPr lang="en-US" sz="4400" b="1" i="0" dirty="0">
+              <a:t>Jeevitha</a:t>
+            </a:r>
+            <a:endParaRPr lang="en-US" b="1" dirty="0">
               <a:solidFill>
-                <a:srgbClr val="C00000"/>
+                <a:srgbClr val="00B050"/>
               </a:solidFill>
-              <a:latin typeface="+mn-lt"/>
-              <a:cs typeface="Arial" panose="020B0604020202020204" pitchFamily="34" charset="0"/>
             </a:endParaRPr>
           </a:p>
         </p:txBody>
       </p:sp>
       <p:sp>
         <p:nvSpPr>
-          <p:cNvPr id="3" name="Content Placeholder 2"/>
-          <p:cNvSpPr>
-            <a:spLocks noGrp="1"/>
-          </p:cNvSpPr>
-          <p:nvPr>
-            <p:ph idx="1"/>
-          </p:nvPr>
-        </p:nvSpPr>
-        <p:spPr>
-          <a:xfrm>
-            <a:off x="1371600" y="1403797"/>
-            <a:ext cx="9601200" cy="4463603"/>
-          </a:xfrm>
-        </p:spPr>
-        <p:txBody>
-          <a:bodyPr>
-            <a:normAutofit/>
-          </a:bodyPr>
-          <a:lstStyle/>
-          <a:p>
-            <a:r>
-              <a:rPr lang="en-US" sz="2800" dirty="0" smtClean="0">
-                <a:solidFill>
-                  <a:srgbClr val="002060"/>
-                </a:solidFill>
-                <a:latin typeface="Times New Roman" panose="02020603050405020304" pitchFamily="18" charset="0"/>
-                <a:cs typeface="Times New Roman" panose="02020603050405020304" pitchFamily="18" charset="0"/>
-              </a:rPr>
-              <a:t>Connecting to the database</a:t>
-            </a:r>
-          </a:p>
-          <a:p>
-            <a:r>
-              <a:rPr lang="en-US" sz="2800" dirty="0" smtClean="0">
-                <a:solidFill>
-                  <a:srgbClr val="002060"/>
-                </a:solidFill>
-                <a:latin typeface="Times New Roman" panose="02020603050405020304" pitchFamily="18" charset="0"/>
-                <a:cs typeface="Times New Roman" panose="02020603050405020304" pitchFamily="18" charset="0"/>
-              </a:rPr>
-              <a:t>Retrieving from the database</a:t>
-            </a:r>
-          </a:p>
-          <a:p>
-            <a:endParaRPr lang="en-US" sz="2800" dirty="0">
-              <a:solidFill>
-                <a:srgbClr val="002060"/>
-              </a:solidFill>
-              <a:latin typeface="Times New Roman" panose="02020603050405020304" pitchFamily="18" charset="0"/>
-              <a:cs typeface="Times New Roman" panose="02020603050405020304" pitchFamily="18" charset="0"/>
-            </a:endParaRPr>
-          </a:p>
-        </p:txBody>
-      </p:sp>
-      <p:sp>
-        <p:nvSpPr>
-          <p:cNvPr id="4" name="TextBox 3"/>
+          <p:cNvPr id="15" name="TextBox 14"/>
           <p:cNvSpPr txBox="1"/>
           <p:nvPr/>
         </p:nvSpPr>
         <p:spPr>
           <a:xfrm>
-            <a:off x="9184821" y="6211669"/>
-            <a:ext cx="3575958" cy="646331"/>
+            <a:off x="5615189" y="4726545"/>
+            <a:ext cx="1635617" cy="523220"/>
           </a:xfrm>
           <a:prstGeom prst="rect">
             <a:avLst/>
@@ -8751,220 +8213,31 @@
           <a:lstStyle/>
           <a:p>
             <a:r>
-              <a:rPr lang="en-US" dirty="0"/>
-              <a:t>Sai Suneel Reddy </a:t>
-            </a:r>
-            <a:r>
-              <a:rPr lang="en-US" dirty="0" err="1"/>
-              <a:t>Challa</a:t>
-            </a:r>
-            <a:endParaRPr lang="en-US" dirty="0"/>
-          </a:p>
-          <a:p>
-            <a:endParaRPr lang="en-US" dirty="0"/>
-          </a:p>
-        </p:txBody>
-      </p:sp>
-    </p:spTree>
-    <p:extLst>
-      <p:ext uri="{BB962C8B-B14F-4D97-AF65-F5344CB8AC3E}">
-        <p14:creationId xmlns:p14="http://schemas.microsoft.com/office/powerpoint/2010/main" val="4211817034"/>
-      </p:ext>
-    </p:extLst>
-  </p:cSld>
-  <p:clrMapOvr>
-    <a:masterClrMapping/>
-  </p:clrMapOvr>
-  <mc:AlternateContent xmlns:mc="http://schemas.openxmlformats.org/markup-compatibility/2006" xmlns:p14="http://schemas.microsoft.com/office/powerpoint/2010/main">
-    <mc:Choice Requires="p14">
-      <p:transition spd="med" p14:dur="700">
-        <p:fade/>
-      </p:transition>
-    </mc:Choice>
-    <mc:Fallback xmlns="">
-      <p:transition spd="med">
-        <p:fade/>
-      </p:transition>
-    </mc:Fallback>
-  </mc:AlternateContent>
-  <p:timing>
-    <p:tnLst>
-      <p:par>
-        <p:cTn id="1" dur="indefinite" restart="never" nodeType="tmRoot"/>
-      </p:par>
-    </p:tnLst>
-  </p:timing>
-</p:sld>
-</file>
-
-<file path=ppt/slides/slide29.xml><?xml version="1.0" encoding="utf-8"?>
-<p:sld xmlns:a="http://schemas.openxmlformats.org/drawingml/2006/main" xmlns:r="http://schemas.openxmlformats.org/officeDocument/2006/relationships" xmlns:p="http://schemas.openxmlformats.org/presentationml/2006/main">
-  <p:cSld>
-    <p:spTree>
-      <p:nvGrpSpPr>
-        <p:cNvPr id="1" name=""/>
-        <p:cNvGrpSpPr/>
-        <p:nvPr/>
-      </p:nvGrpSpPr>
-      <p:grpSpPr>
-        <a:xfrm>
-          <a:off x="0" y="0"/>
-          <a:ext cx="0" cy="0"/>
-          <a:chOff x="0" y="0"/>
-          <a:chExt cx="0" cy="0"/>
-        </a:xfrm>
-      </p:grpSpPr>
-      <p:sp>
-        <p:nvSpPr>
-          <p:cNvPr id="2" name="Title 1"/>
-          <p:cNvSpPr>
-            <a:spLocks noGrp="1"/>
-          </p:cNvSpPr>
-          <p:nvPr>
-            <p:ph type="title"/>
-          </p:nvPr>
-        </p:nvSpPr>
-        <p:spPr>
-          <a:xfrm>
-            <a:off x="761999" y="559678"/>
-            <a:ext cx="11153335" cy="576395"/>
-          </a:xfrm>
-        </p:spPr>
-        <p:txBody>
-          <a:bodyPr>
-            <a:noAutofit/>
-          </a:bodyPr>
-          <a:lstStyle/>
-          <a:p>
-            <a:pPr algn="l"/>
-            <a:r>
-              <a:rPr lang="en-US" sz="4400" b="1" i="0" dirty="0">
-                <a:solidFill>
-                  <a:srgbClr val="C00000"/>
-                </a:solidFill>
-                <a:latin typeface="+mn-lt"/>
-                <a:cs typeface="Arial" panose="020B0604020202020204" pitchFamily="34" charset="0"/>
+              <a:rPr lang="en-US" sz="2800" b="1" dirty="0" err="1">
+                <a:solidFill>
+                  <a:srgbClr val="00B050"/>
+                </a:solidFill>
               </a:rPr>
-              <a:t>Conclusion: Issues to be addressed</a:t>
-            </a:r>
-          </a:p>
-        </p:txBody>
-      </p:sp>
-      <p:sp>
-        <p:nvSpPr>
-          <p:cNvPr id="3" name="Content Placeholder 2"/>
-          <p:cNvSpPr>
-            <a:spLocks noGrp="1"/>
-          </p:cNvSpPr>
-          <p:nvPr>
-            <p:ph idx="1"/>
-          </p:nvPr>
-        </p:nvSpPr>
-        <p:spPr>
-          <a:xfrm>
-            <a:off x="1371600" y="1403797"/>
-            <a:ext cx="9601200" cy="4463603"/>
-          </a:xfrm>
-        </p:spPr>
-        <p:txBody>
-          <a:bodyPr>
-            <a:normAutofit/>
-          </a:bodyPr>
-          <a:lstStyle/>
-          <a:p>
-            <a:r>
-              <a:rPr lang="en-US" sz="2800" dirty="0">
-                <a:solidFill>
-                  <a:srgbClr val="002060"/>
-                </a:solidFill>
-                <a:latin typeface="Times New Roman" panose="02020603050405020304" pitchFamily="18" charset="0"/>
-                <a:cs typeface="Times New Roman" panose="02020603050405020304" pitchFamily="18" charset="0"/>
-              </a:rPr>
-              <a:t>Announcements should be displayed </a:t>
-            </a:r>
-          </a:p>
-          <a:p>
-            <a:r>
-              <a:rPr lang="en-US" sz="2800" dirty="0">
-                <a:solidFill>
-                  <a:srgbClr val="002060"/>
-                </a:solidFill>
-                <a:latin typeface="Times New Roman" panose="02020603050405020304" pitchFamily="18" charset="0"/>
-                <a:cs typeface="Times New Roman" panose="02020603050405020304" pitchFamily="18" charset="0"/>
-              </a:rPr>
-              <a:t>Shipping label should be </a:t>
-            </a:r>
-            <a:r>
-              <a:rPr lang="en-US" sz="2800" dirty="0" smtClean="0">
-                <a:solidFill>
-                  <a:srgbClr val="002060"/>
-                </a:solidFill>
-                <a:latin typeface="Times New Roman" panose="02020603050405020304" pitchFamily="18" charset="0"/>
-                <a:cs typeface="Times New Roman" panose="02020603050405020304" pitchFamily="18" charset="0"/>
-              </a:rPr>
-              <a:t>created</a:t>
-            </a:r>
-            <a:endParaRPr lang="en-US" sz="2800" dirty="0" smtClean="0">
+              <a:t>Meghana</a:t>
+            </a:r>
+            <a:endParaRPr lang="en-US" sz="2000" b="1" dirty="0">
               <a:solidFill>
-                <a:srgbClr val="002060"/>
+                <a:srgbClr val="00B050"/>
               </a:solidFill>
-              <a:latin typeface="Times New Roman" panose="02020603050405020304" pitchFamily="18" charset="0"/>
-              <a:cs typeface="Times New Roman" panose="02020603050405020304" pitchFamily="18" charset="0"/>
             </a:endParaRPr>
           </a:p>
-          <a:p>
-            <a:r>
-              <a:rPr lang="en-US" sz="2800" dirty="0" smtClean="0">
-                <a:solidFill>
-                  <a:srgbClr val="002060"/>
-                </a:solidFill>
-                <a:latin typeface="Times New Roman" panose="02020603050405020304" pitchFamily="18" charset="0"/>
-                <a:cs typeface="Times New Roman" panose="02020603050405020304" pitchFamily="18" charset="0"/>
-              </a:rPr>
-              <a:t>Able </a:t>
-            </a:r>
-            <a:r>
-              <a:rPr lang="en-US" sz="2800" dirty="0">
-                <a:solidFill>
-                  <a:srgbClr val="002060"/>
-                </a:solidFill>
-                <a:latin typeface="Times New Roman" panose="02020603050405020304" pitchFamily="18" charset="0"/>
-                <a:cs typeface="Times New Roman" panose="02020603050405020304" pitchFamily="18" charset="0"/>
-              </a:rPr>
-              <a:t>to cope with any future change in </a:t>
-            </a:r>
-            <a:r>
-              <a:rPr lang="en-US" sz="2800" dirty="0" smtClean="0">
-                <a:solidFill>
-                  <a:srgbClr val="002060"/>
-                </a:solidFill>
-                <a:latin typeface="Times New Roman" panose="02020603050405020304" pitchFamily="18" charset="0"/>
-                <a:cs typeface="Times New Roman" panose="02020603050405020304" pitchFamily="18" charset="0"/>
-              </a:rPr>
-              <a:t>requirements</a:t>
-            </a:r>
-          </a:p>
-          <a:p>
-            <a:endParaRPr lang="en-US" sz="2800" dirty="0">
-              <a:solidFill>
-                <a:srgbClr val="002060"/>
-              </a:solidFill>
-              <a:latin typeface="Times New Roman" panose="02020603050405020304" pitchFamily="18" charset="0"/>
-              <a:cs typeface="Times New Roman" panose="02020603050405020304" pitchFamily="18" charset="0"/>
-            </a:endParaRPr>
-          </a:p>
-        </p:txBody>
-      </p:sp>
-      <p:sp>
-        <p:nvSpPr>
-          <p:cNvPr id="4" name="TextBox 3"/>
+        </p:txBody>
+      </p:sp>
+      <p:sp>
+        <p:nvSpPr>
+          <p:cNvPr id="16" name="TextBox 15"/>
           <p:cNvSpPr txBox="1"/>
           <p:nvPr/>
         </p:nvSpPr>
         <p:spPr>
           <a:xfrm>
-            <a:off x="9184821" y="6211669"/>
-            <a:ext cx="3575958" cy="646331"/>
+            <a:off x="7624293" y="5756856"/>
+            <a:ext cx="1725769" cy="523220"/>
           </a:xfrm>
           <a:prstGeom prst="rect">
             <a:avLst/>
@@ -8978,24 +8251,94 @@
           <a:lstStyle/>
           <a:p>
             <a:r>
-              <a:rPr lang="en-US" dirty="0"/>
-              <a:t>Sai Suneel Reddy </a:t>
-            </a:r>
-            <a:r>
-              <a:rPr lang="en-US" dirty="0" err="1"/>
-              <a:t>Challa</a:t>
-            </a:r>
-            <a:endParaRPr lang="en-US" dirty="0"/>
-          </a:p>
-          <a:p>
-            <a:endParaRPr lang="en-US" dirty="0"/>
-          </a:p>
-        </p:txBody>
-      </p:sp>
+              <a:rPr lang="en-US" sz="2800" b="1" dirty="0" err="1">
+                <a:solidFill>
+                  <a:srgbClr val="00B050"/>
+                </a:solidFill>
+              </a:rPr>
+              <a:t>Manoj</a:t>
+            </a:r>
+            <a:endParaRPr lang="en-US" sz="2400" b="1" dirty="0">
+              <a:solidFill>
+                <a:srgbClr val="00B050"/>
+              </a:solidFill>
+            </a:endParaRPr>
+          </a:p>
+        </p:txBody>
+      </p:sp>
+      <p:sp>
+        <p:nvSpPr>
+          <p:cNvPr id="18" name="TextBox 17"/>
+          <p:cNvSpPr txBox="1"/>
+          <p:nvPr/>
+        </p:nvSpPr>
+        <p:spPr>
+          <a:xfrm>
+            <a:off x="10212946" y="4610637"/>
+            <a:ext cx="1352282" cy="523220"/>
+          </a:xfrm>
+          <a:prstGeom prst="rect">
+            <a:avLst/>
+          </a:prstGeom>
+          <a:noFill/>
+        </p:spPr>
+        <p:txBody>
+          <a:bodyPr wrap="square" rtlCol="0">
+            <a:spAutoFit/>
+          </a:bodyPr>
+          <a:lstStyle/>
+          <a:p>
+            <a:pPr algn="ctr"/>
+            <a:r>
+              <a:rPr lang="en-US" sz="2800" b="1" dirty="0">
+                <a:solidFill>
+                  <a:srgbClr val="00B050"/>
+                </a:solidFill>
+              </a:rPr>
+              <a:t>Suneel</a:t>
+            </a:r>
+            <a:endParaRPr lang="en-US" sz="2000" b="1" dirty="0">
+              <a:solidFill>
+                <a:srgbClr val="00B050"/>
+              </a:solidFill>
+            </a:endParaRPr>
+          </a:p>
+        </p:txBody>
+      </p:sp>
+      <p:pic>
+        <p:nvPicPr>
+          <p:cNvPr id="3" name="Picture 2"/>
+          <p:cNvPicPr>
+            <a:picLocks noChangeAspect="1"/>
+          </p:cNvPicPr>
+          <p:nvPr/>
+        </p:nvPicPr>
+        <p:blipFill>
+          <a:blip r:embed="rId6" cstate="print">
+            <a:extLst>
+              <a:ext uri="{28A0092B-C50C-407E-A947-70E740481C1C}">
+                <a14:useLocalDpi xmlns:a14="http://schemas.microsoft.com/office/drawing/2010/main" val="0"/>
+              </a:ext>
+            </a:extLst>
+          </a:blip>
+          <a:stretch>
+            <a:fillRect/>
+          </a:stretch>
+        </p:blipFill>
+        <p:spPr>
+          <a:xfrm>
+            <a:off x="1052944" y="1953491"/>
+            <a:ext cx="1911927" cy="2618510"/>
+          </a:xfrm>
+          <a:prstGeom prst="rect">
+            <a:avLst/>
+          </a:prstGeom>
+        </p:spPr>
+      </p:pic>
     </p:spTree>
     <p:extLst>
       <p:ext uri="{BB962C8B-B14F-4D97-AF65-F5344CB8AC3E}">
-        <p14:creationId xmlns:p14="http://schemas.microsoft.com/office/powerpoint/2010/main" val="175273591"/>
+        <p14:creationId xmlns:p14="http://schemas.microsoft.com/office/powerpoint/2010/main" val="196117116"/>
       </p:ext>
     </p:extLst>
   </p:cSld>
@@ -9100,7 +8443,9 @@
           </a:xfrm>
         </p:spPr>
         <p:txBody>
-          <a:bodyPr/>
+          <a:bodyPr>
+            <a:normAutofit fontScale="92500" lnSpcReduction="10000"/>
+          </a:bodyPr>
           <a:lstStyle/>
           <a:p>
             <a:r>
@@ -9128,7 +8473,7 @@
           </a:p>
           <a:p>
             <a:r>
-              <a:rPr lang="en-US" sz="2800" b="1" dirty="0">
+              <a:rPr lang="en-US" sz="2800" b="1" dirty="0" smtClean="0">
                 <a:solidFill>
                   <a:srgbClr val="002060"/>
                 </a:solidFill>
@@ -9140,50 +8485,14 @@
           </a:p>
           <a:p>
             <a:r>
-              <a:rPr lang="en-US" sz="2800" b="1" dirty="0">
+              <a:rPr lang="en-US" sz="2800" b="1" dirty="0" smtClean="0">
                 <a:solidFill>
                   <a:srgbClr val="002060"/>
                 </a:solidFill>
                 <a:latin typeface="Times New Roman" panose="02020603050405020304" pitchFamily="18" charset="0"/>
                 <a:cs typeface="Times New Roman" panose="02020603050405020304" pitchFamily="18" charset="0"/>
               </a:rPr>
-              <a:t>Tools Required</a:t>
-            </a:r>
-          </a:p>
-          <a:p>
-            <a:r>
-              <a:rPr lang="en-US" sz="2800" b="1" dirty="0">
-                <a:solidFill>
-                  <a:srgbClr val="002060"/>
-                </a:solidFill>
-                <a:latin typeface="Times New Roman" panose="02020603050405020304" pitchFamily="18" charset="0"/>
-                <a:cs typeface="Times New Roman" panose="02020603050405020304" pitchFamily="18" charset="0"/>
-              </a:rPr>
-              <a:t>Prototype Design</a:t>
-            </a:r>
-          </a:p>
-          <a:p>
-            <a:r>
-              <a:rPr lang="en-US" sz="2800" b="1" dirty="0">
-                <a:solidFill>
-                  <a:srgbClr val="002060"/>
-                </a:solidFill>
-                <a:latin typeface="Times New Roman" panose="02020603050405020304" pitchFamily="18" charset="0"/>
-                <a:cs typeface="Times New Roman" panose="02020603050405020304" pitchFamily="18" charset="0"/>
-              </a:rPr>
-              <a:t>Implementation</a:t>
-            </a:r>
-          </a:p>
-          <a:p>
-            <a:r>
-              <a:rPr lang="en-US" sz="2800" b="1" dirty="0" smtClean="0">
-                <a:solidFill>
-                  <a:srgbClr val="002060"/>
-                </a:solidFill>
-                <a:latin typeface="Times New Roman" panose="02020603050405020304" pitchFamily="18" charset="0"/>
-                <a:cs typeface="Times New Roman" panose="02020603050405020304" pitchFamily="18" charset="0"/>
-              </a:rPr>
-              <a:t>Conclusion</a:t>
+              <a:t>Flowchart</a:t>
             </a:r>
             <a:endParaRPr lang="en-US" sz="2800" b="1" dirty="0">
               <a:solidFill>
@@ -9194,6 +8503,61 @@
             </a:endParaRPr>
           </a:p>
           <a:p>
+            <a:r>
+              <a:rPr lang="en-US" sz="2800" b="1" dirty="0">
+                <a:solidFill>
+                  <a:srgbClr val="002060"/>
+                </a:solidFill>
+                <a:latin typeface="Times New Roman" panose="02020603050405020304" pitchFamily="18" charset="0"/>
+                <a:cs typeface="Times New Roman" panose="02020603050405020304" pitchFamily="18" charset="0"/>
+              </a:rPr>
+              <a:t>Tools Required</a:t>
+            </a:r>
+          </a:p>
+          <a:p>
+            <a:r>
+              <a:rPr lang="en-US" sz="2800" b="1" dirty="0">
+                <a:solidFill>
+                  <a:srgbClr val="002060"/>
+                </a:solidFill>
+                <a:latin typeface="Times New Roman" panose="02020603050405020304" pitchFamily="18" charset="0"/>
+                <a:cs typeface="Times New Roman" panose="02020603050405020304" pitchFamily="18" charset="0"/>
+              </a:rPr>
+              <a:t>Prototype Design</a:t>
+            </a:r>
+          </a:p>
+          <a:p>
+            <a:r>
+              <a:rPr lang="en-US" sz="2800" b="1" dirty="0">
+                <a:solidFill>
+                  <a:srgbClr val="002060"/>
+                </a:solidFill>
+                <a:latin typeface="Times New Roman" panose="02020603050405020304" pitchFamily="18" charset="0"/>
+                <a:cs typeface="Times New Roman" panose="02020603050405020304" pitchFamily="18" charset="0"/>
+              </a:rPr>
+              <a:t>Implementation</a:t>
+            </a:r>
+          </a:p>
+          <a:p>
+            <a:r>
+              <a:rPr lang="en-US" sz="2800" b="1" dirty="0" smtClean="0">
+                <a:solidFill>
+                  <a:srgbClr val="002060"/>
+                </a:solidFill>
+                <a:latin typeface="Times New Roman" panose="02020603050405020304" pitchFamily="18" charset="0"/>
+                <a:cs typeface="Times New Roman" panose="02020603050405020304" pitchFamily="18" charset="0"/>
+              </a:rPr>
+              <a:t>Conclusion</a:t>
+            </a:r>
+            <a:endParaRPr lang="en-US" sz="2800" b="1" dirty="0">
+              <a:solidFill>
+                <a:srgbClr val="002060"/>
+              </a:solidFill>
+              <a:latin typeface="Times New Roman" panose="02020603050405020304" pitchFamily="18" charset="0"/>
+              <a:cs typeface="Times New Roman" panose="02020603050405020304" pitchFamily="18" charset="0"/>
+            </a:endParaRPr>
+          </a:p>
+          <a:p>
             <a:endParaRPr lang="en-US" b="1" dirty="0">
               <a:solidFill>
                 <a:srgbClr val="002060"/>
@@ -9206,596 +8570,6 @@
     <p:extLst>
       <p:ext uri="{BB962C8B-B14F-4D97-AF65-F5344CB8AC3E}">
         <p14:creationId xmlns:p14="http://schemas.microsoft.com/office/powerpoint/2010/main" val="3345315751"/>
-      </p:ext>
-    </p:extLst>
-  </p:cSld>
-  <p:clrMapOvr>
-    <a:masterClrMapping/>
-  </p:clrMapOvr>
-  <mc:AlternateContent xmlns:mc="http://schemas.openxmlformats.org/markup-compatibility/2006" xmlns:p14="http://schemas.microsoft.com/office/powerpoint/2010/main">
-    <mc:Choice Requires="p14">
-      <p:transition spd="med" p14:dur="700">
-        <p:fade/>
-      </p:transition>
-    </mc:Choice>
-    <mc:Fallback xmlns="">
-      <p:transition spd="med">
-        <p:fade/>
-      </p:transition>
-    </mc:Fallback>
-  </mc:AlternateContent>
-  <p:timing>
-    <p:tnLst>
-      <p:par>
-        <p:cTn id="1" dur="indefinite" restart="never" nodeType="tmRoot"/>
-      </p:par>
-    </p:tnLst>
-  </p:timing>
-</p:sld>
-</file>
-
-<file path=ppt/slides/slide30.xml><?xml version="1.0" encoding="utf-8"?>
-<p:sld xmlns:a="http://schemas.openxmlformats.org/drawingml/2006/main" xmlns:r="http://schemas.openxmlformats.org/officeDocument/2006/relationships" xmlns:p="http://schemas.openxmlformats.org/presentationml/2006/main">
-  <p:cSld>
-    <p:spTree>
-      <p:nvGrpSpPr>
-        <p:cNvPr id="1" name=""/>
-        <p:cNvGrpSpPr/>
-        <p:nvPr/>
-      </p:nvGrpSpPr>
-      <p:grpSpPr>
-        <a:xfrm>
-          <a:off x="0" y="0"/>
-          <a:ext cx="0" cy="0"/>
-          <a:chOff x="0" y="0"/>
-          <a:chExt cx="0" cy="0"/>
-        </a:xfrm>
-      </p:grpSpPr>
-      <p:pic>
-        <p:nvPicPr>
-          <p:cNvPr id="3" name="Picture 2"/>
-          <p:cNvPicPr>
-            <a:picLocks noChangeAspect="1"/>
-          </p:cNvPicPr>
-          <p:nvPr/>
-        </p:nvPicPr>
-        <p:blipFill>
-          <a:blip r:embed="rId2">
-            <a:extLst>
-              <a:ext uri="{28A0092B-C50C-407E-A947-70E740481C1C}">
-                <a14:useLocalDpi xmlns:a14="http://schemas.microsoft.com/office/drawing/2010/main" val="0"/>
-              </a:ext>
-            </a:extLst>
-          </a:blip>
-          <a:stretch>
-            <a:fillRect/>
-          </a:stretch>
-        </p:blipFill>
-        <p:spPr>
-          <a:xfrm>
-            <a:off x="3325092" y="803564"/>
-            <a:ext cx="5140036" cy="5386578"/>
-          </a:xfrm>
-          <a:prstGeom prst="rect">
-            <a:avLst/>
-          </a:prstGeom>
-        </p:spPr>
-      </p:pic>
-    </p:spTree>
-    <p:extLst>
-      <p:ext uri="{BB962C8B-B14F-4D97-AF65-F5344CB8AC3E}">
-        <p14:creationId xmlns:p14="http://schemas.microsoft.com/office/powerpoint/2010/main" val="894493107"/>
-      </p:ext>
-    </p:extLst>
-  </p:cSld>
-  <p:clrMapOvr>
-    <a:masterClrMapping/>
-  </p:clrMapOvr>
-  <mc:AlternateContent xmlns:mc="http://schemas.openxmlformats.org/markup-compatibility/2006" xmlns:p14="http://schemas.microsoft.com/office/powerpoint/2010/main">
-    <mc:Choice Requires="p14">
-      <p:transition spd="med" p14:dur="700">
-        <p:fade/>
-      </p:transition>
-    </mc:Choice>
-    <mc:Fallback xmlns="">
-      <p:transition spd="med">
-        <p:fade/>
-      </p:transition>
-    </mc:Fallback>
-  </mc:AlternateContent>
-  <p:timing>
-    <p:tnLst>
-      <p:par>
-        <p:cTn id="1" dur="indefinite" restart="never" nodeType="tmRoot"/>
-      </p:par>
-    </p:tnLst>
-  </p:timing>
-</p:sld>
-</file>
-
-<file path=ppt/slides/slide31.xml><?xml version="1.0" encoding="utf-8"?>
-<p:sld xmlns:a="http://schemas.openxmlformats.org/drawingml/2006/main" xmlns:r="http://schemas.openxmlformats.org/officeDocument/2006/relationships" xmlns:p="http://schemas.openxmlformats.org/presentationml/2006/main">
-  <p:cSld>
-    <p:spTree>
-      <p:nvGrpSpPr>
-        <p:cNvPr id="1" name=""/>
-        <p:cNvGrpSpPr/>
-        <p:nvPr/>
-      </p:nvGrpSpPr>
-      <p:grpSpPr>
-        <a:xfrm>
-          <a:off x="0" y="0"/>
-          <a:ext cx="0" cy="0"/>
-          <a:chOff x="0" y="0"/>
-          <a:chExt cx="0" cy="0"/>
-        </a:xfrm>
-      </p:grpSpPr>
-      <p:pic>
-        <p:nvPicPr>
-          <p:cNvPr id="2" name="Picture 1"/>
-          <p:cNvPicPr>
-            <a:picLocks noChangeAspect="1"/>
-          </p:cNvPicPr>
-          <p:nvPr/>
-        </p:nvPicPr>
-        <p:blipFill>
-          <a:blip r:embed="rId2">
-            <a:extLst>
-              <a:ext uri="{28A0092B-C50C-407E-A947-70E740481C1C}">
-                <a14:useLocalDpi xmlns:a14="http://schemas.microsoft.com/office/drawing/2010/main" val="0"/>
-              </a:ext>
-            </a:extLst>
-          </a:blip>
-          <a:stretch>
-            <a:fillRect/>
-          </a:stretch>
-        </p:blipFill>
-        <p:spPr>
-          <a:xfrm>
-            <a:off x="2951018" y="1572028"/>
-            <a:ext cx="5627717" cy="3754743"/>
-          </a:xfrm>
-          <a:prstGeom prst="rect">
-            <a:avLst/>
-          </a:prstGeom>
-        </p:spPr>
-      </p:pic>
-    </p:spTree>
-    <p:extLst>
-      <p:ext uri="{BB962C8B-B14F-4D97-AF65-F5344CB8AC3E}">
-        <p14:creationId xmlns:p14="http://schemas.microsoft.com/office/powerpoint/2010/main" val="30623602"/>
-      </p:ext>
-    </p:extLst>
-  </p:cSld>
-  <p:clrMapOvr>
-    <a:masterClrMapping/>
-  </p:clrMapOvr>
-  <mc:AlternateContent xmlns:mc="http://schemas.openxmlformats.org/markup-compatibility/2006" xmlns:p14="http://schemas.microsoft.com/office/powerpoint/2010/main">
-    <mc:Choice Requires="p14">
-      <p:transition spd="med" p14:dur="700">
-        <p:fade/>
-      </p:transition>
-    </mc:Choice>
-    <mc:Fallback xmlns="">
-      <p:transition spd="med">
-        <p:fade/>
-      </p:transition>
-    </mc:Fallback>
-  </mc:AlternateContent>
-  <p:timing>
-    <p:tnLst>
-      <p:par>
-        <p:cTn id="1" dur="indefinite" restart="never" nodeType="tmRoot"/>
-      </p:par>
-    </p:tnLst>
-  </p:timing>
-</p:sld>
-</file>
-
-<file path=ppt/slides/slide32.xml><?xml version="1.0" encoding="utf-8"?>
-<p:sld xmlns:a="http://schemas.openxmlformats.org/drawingml/2006/main" xmlns:r="http://schemas.openxmlformats.org/officeDocument/2006/relationships" xmlns:p="http://schemas.openxmlformats.org/presentationml/2006/main">
-  <p:cSld>
-    <p:spTree>
-      <p:nvGrpSpPr>
-        <p:cNvPr id="1" name=""/>
-        <p:cNvGrpSpPr/>
-        <p:nvPr/>
-      </p:nvGrpSpPr>
-      <p:grpSpPr>
-        <a:xfrm>
-          <a:off x="0" y="0"/>
-          <a:ext cx="0" cy="0"/>
-          <a:chOff x="0" y="0"/>
-          <a:chExt cx="0" cy="0"/>
-        </a:xfrm>
-      </p:grpSpPr>
-      <p:sp>
-        <p:nvSpPr>
-          <p:cNvPr id="2" name="Title 1"/>
-          <p:cNvSpPr>
-            <a:spLocks noGrp="1"/>
-          </p:cNvSpPr>
-          <p:nvPr>
-            <p:ph type="title"/>
-          </p:nvPr>
-        </p:nvSpPr>
-        <p:spPr>
-          <a:xfrm>
-            <a:off x="746760" y="534726"/>
-            <a:ext cx="8150181" cy="823019"/>
-          </a:xfrm>
-        </p:spPr>
-        <p:txBody>
-          <a:bodyPr>
-            <a:normAutofit/>
-          </a:bodyPr>
-          <a:lstStyle/>
-          <a:p>
-            <a:r>
-              <a:rPr lang="en-US" sz="4400" b="1" i="0" dirty="0">
-                <a:solidFill>
-                  <a:schemeClr val="accent4">
-                    <a:lumMod val="50000"/>
-                  </a:schemeClr>
-                </a:solidFill>
-                <a:latin typeface="Arial" panose="020B0604020202020204" pitchFamily="34" charset="0"/>
-                <a:cs typeface="Arial" panose="020B0604020202020204" pitchFamily="34" charset="0"/>
-              </a:rPr>
-              <a:t>TEAM MEMBERS</a:t>
-            </a:r>
-          </a:p>
-        </p:txBody>
-      </p:sp>
-      <p:pic>
-        <p:nvPicPr>
-          <p:cNvPr id="4" name="Content Placeholder 3"/>
-          <p:cNvPicPr>
-            <a:picLocks noGrp="1" noChangeAspect="1"/>
-          </p:cNvPicPr>
-          <p:nvPr>
-            <p:ph idx="1"/>
-          </p:nvPr>
-        </p:nvPicPr>
-        <p:blipFill>
-          <a:blip r:embed="rId2" cstate="print">
-            <a:extLst>
-              <a:ext uri="{28A0092B-C50C-407E-A947-70E740481C1C}">
-                <a14:useLocalDpi xmlns:a14="http://schemas.microsoft.com/office/drawing/2010/main" val="0"/>
-              </a:ext>
-            </a:extLst>
-          </a:blip>
-          <a:stretch>
-            <a:fillRect/>
-          </a:stretch>
-        </p:blipFill>
-        <p:spPr>
-          <a:xfrm>
-            <a:off x="7362453" y="2738692"/>
-            <a:ext cx="1988820" cy="2651760"/>
-          </a:xfrm>
-        </p:spPr>
-      </p:pic>
-      <p:pic>
-        <p:nvPicPr>
-          <p:cNvPr id="7" name="Picture 6"/>
-          <p:cNvPicPr>
-            <a:picLocks noChangeAspect="1"/>
-          </p:cNvPicPr>
-          <p:nvPr/>
-        </p:nvPicPr>
-        <p:blipFill>
-          <a:blip r:embed="rId3" cstate="print">
-            <a:extLst>
-              <a:ext uri="{28A0092B-C50C-407E-A947-70E740481C1C}">
-                <a14:useLocalDpi xmlns:a14="http://schemas.microsoft.com/office/drawing/2010/main" val="0"/>
-              </a:ext>
-            </a:extLst>
-          </a:blip>
-          <a:stretch>
-            <a:fillRect/>
-          </a:stretch>
-        </p:blipFill>
-        <p:spPr>
-          <a:xfrm>
-            <a:off x="9633399" y="1707523"/>
-            <a:ext cx="1931829" cy="2646830"/>
-          </a:xfrm>
-          <a:prstGeom prst="rect">
-            <a:avLst/>
-          </a:prstGeom>
-        </p:spPr>
-      </p:pic>
-      <p:pic>
-        <p:nvPicPr>
-          <p:cNvPr id="8" name="Picture 7"/>
-          <p:cNvPicPr>
-            <a:picLocks noChangeAspect="1"/>
-          </p:cNvPicPr>
-          <p:nvPr/>
-        </p:nvPicPr>
-        <p:blipFill>
-          <a:blip r:embed="rId4" cstate="print">
-            <a:extLst>
-              <a:ext uri="{28A0092B-C50C-407E-A947-70E740481C1C}">
-                <a14:useLocalDpi xmlns:a14="http://schemas.microsoft.com/office/drawing/2010/main" val="0"/>
-              </a:ext>
-            </a:extLst>
-          </a:blip>
-          <a:stretch>
-            <a:fillRect/>
-          </a:stretch>
-        </p:blipFill>
-        <p:spPr>
-          <a:xfrm>
-            <a:off x="3190057" y="2784412"/>
-            <a:ext cx="1902176" cy="2560320"/>
-          </a:xfrm>
-          <a:prstGeom prst="rect">
-            <a:avLst/>
-          </a:prstGeom>
-        </p:spPr>
-      </p:pic>
-      <p:pic>
-        <p:nvPicPr>
-          <p:cNvPr id="10" name="Picture 9"/>
-          <p:cNvPicPr>
-            <a:picLocks noChangeAspect="1"/>
-          </p:cNvPicPr>
-          <p:nvPr/>
-        </p:nvPicPr>
-        <p:blipFill>
-          <a:blip r:embed="rId5">
-            <a:extLst>
-              <a:ext uri="{28A0092B-C50C-407E-A947-70E740481C1C}">
-                <a14:useLocalDpi xmlns:a14="http://schemas.microsoft.com/office/drawing/2010/main" val="0"/>
-              </a:ext>
-            </a:extLst>
-          </a:blip>
-          <a:stretch>
-            <a:fillRect/>
-          </a:stretch>
-        </p:blipFill>
-        <p:spPr>
-          <a:xfrm>
-            <a:off x="5285215" y="1707523"/>
-            <a:ext cx="1867437" cy="2646830"/>
-          </a:xfrm>
-          <a:prstGeom prst="rect">
-            <a:avLst/>
-          </a:prstGeom>
-        </p:spPr>
-      </p:pic>
-      <p:sp>
-        <p:nvSpPr>
-          <p:cNvPr id="13" name="TextBox 12"/>
-          <p:cNvSpPr txBox="1"/>
-          <p:nvPr/>
-        </p:nvSpPr>
-        <p:spPr>
-          <a:xfrm>
-            <a:off x="1326524" y="4790941"/>
-            <a:ext cx="1581407" cy="523220"/>
-          </a:xfrm>
-          <a:prstGeom prst="rect">
-            <a:avLst/>
-          </a:prstGeom>
-          <a:noFill/>
-        </p:spPr>
-        <p:txBody>
-          <a:bodyPr wrap="square" rtlCol="0">
-            <a:spAutoFit/>
-          </a:bodyPr>
-          <a:lstStyle/>
-          <a:p>
-            <a:r>
-              <a:rPr lang="en-US" sz="2800" b="1" dirty="0">
-                <a:solidFill>
-                  <a:srgbClr val="00B050"/>
-                </a:solidFill>
-              </a:rPr>
-              <a:t>Sahithya</a:t>
-            </a:r>
-            <a:endParaRPr lang="en-US" sz="2400" b="1" dirty="0">
-              <a:solidFill>
-                <a:srgbClr val="00B050"/>
-              </a:solidFill>
-            </a:endParaRPr>
-          </a:p>
-        </p:txBody>
-      </p:sp>
-      <p:sp>
-        <p:nvSpPr>
-          <p:cNvPr id="14" name="TextBox 13"/>
-          <p:cNvSpPr txBox="1"/>
-          <p:nvPr/>
-        </p:nvSpPr>
-        <p:spPr>
-          <a:xfrm>
-            <a:off x="3438660" y="5100034"/>
-            <a:ext cx="1803042" cy="1138773"/>
-          </a:xfrm>
-          <a:prstGeom prst="rect">
-            <a:avLst/>
-          </a:prstGeom>
-          <a:noFill/>
-        </p:spPr>
-        <p:txBody>
-          <a:bodyPr wrap="square" rtlCol="0">
-            <a:spAutoFit/>
-          </a:bodyPr>
-          <a:lstStyle/>
-          <a:p>
-            <a:endParaRPr lang="en-US" sz="2000" b="1" dirty="0"/>
-          </a:p>
-          <a:p>
-            <a:endParaRPr lang="en-US" sz="2000" b="1" dirty="0"/>
-          </a:p>
-          <a:p>
-            <a:r>
-              <a:rPr lang="en-US" sz="2800" b="1" dirty="0" err="1">
-                <a:solidFill>
-                  <a:srgbClr val="00B050"/>
-                </a:solidFill>
-              </a:rPr>
-              <a:t>Jeevitha</a:t>
-            </a:r>
-            <a:endParaRPr lang="en-US" b="1" dirty="0">
-              <a:solidFill>
-                <a:srgbClr val="00B050"/>
-              </a:solidFill>
-            </a:endParaRPr>
-          </a:p>
-        </p:txBody>
-      </p:sp>
-      <p:sp>
-        <p:nvSpPr>
-          <p:cNvPr id="15" name="TextBox 14"/>
-          <p:cNvSpPr txBox="1"/>
-          <p:nvPr/>
-        </p:nvSpPr>
-        <p:spPr>
-          <a:xfrm>
-            <a:off x="5615189" y="4726545"/>
-            <a:ext cx="1635617" cy="523220"/>
-          </a:xfrm>
-          <a:prstGeom prst="rect">
-            <a:avLst/>
-          </a:prstGeom>
-          <a:noFill/>
-        </p:spPr>
-        <p:txBody>
-          <a:bodyPr wrap="square" rtlCol="0">
-            <a:spAutoFit/>
-          </a:bodyPr>
-          <a:lstStyle/>
-          <a:p>
-            <a:r>
-              <a:rPr lang="en-US" sz="2800" b="1" dirty="0" err="1">
-                <a:solidFill>
-                  <a:srgbClr val="00B050"/>
-                </a:solidFill>
-              </a:rPr>
-              <a:t>Meghana</a:t>
-            </a:r>
-            <a:endParaRPr lang="en-US" sz="2000" b="1" dirty="0">
-              <a:solidFill>
-                <a:srgbClr val="00B050"/>
-              </a:solidFill>
-            </a:endParaRPr>
-          </a:p>
-        </p:txBody>
-      </p:sp>
-      <p:sp>
-        <p:nvSpPr>
-          <p:cNvPr id="16" name="TextBox 15"/>
-          <p:cNvSpPr txBox="1"/>
-          <p:nvPr/>
-        </p:nvSpPr>
-        <p:spPr>
-          <a:xfrm>
-            <a:off x="7624293" y="5756856"/>
-            <a:ext cx="1725769" cy="523220"/>
-          </a:xfrm>
-          <a:prstGeom prst="rect">
-            <a:avLst/>
-          </a:prstGeom>
-          <a:noFill/>
-        </p:spPr>
-        <p:txBody>
-          <a:bodyPr wrap="square" rtlCol="0">
-            <a:spAutoFit/>
-          </a:bodyPr>
-          <a:lstStyle/>
-          <a:p>
-            <a:r>
-              <a:rPr lang="en-US" sz="2800" b="1" dirty="0" err="1">
-                <a:solidFill>
-                  <a:srgbClr val="00B050"/>
-                </a:solidFill>
-              </a:rPr>
-              <a:t>Manoj</a:t>
-            </a:r>
-            <a:endParaRPr lang="en-US" sz="2400" b="1" dirty="0">
-              <a:solidFill>
-                <a:srgbClr val="00B050"/>
-              </a:solidFill>
-            </a:endParaRPr>
-          </a:p>
-        </p:txBody>
-      </p:sp>
-      <p:sp>
-        <p:nvSpPr>
-          <p:cNvPr id="18" name="TextBox 17"/>
-          <p:cNvSpPr txBox="1"/>
-          <p:nvPr/>
-        </p:nvSpPr>
-        <p:spPr>
-          <a:xfrm>
-            <a:off x="10212946" y="4610637"/>
-            <a:ext cx="1352282" cy="523220"/>
-          </a:xfrm>
-          <a:prstGeom prst="rect">
-            <a:avLst/>
-          </a:prstGeom>
-          <a:noFill/>
-        </p:spPr>
-        <p:txBody>
-          <a:bodyPr wrap="square" rtlCol="0">
-            <a:spAutoFit/>
-          </a:bodyPr>
-          <a:lstStyle/>
-          <a:p>
-            <a:pPr algn="ctr"/>
-            <a:r>
-              <a:rPr lang="en-US" sz="2800" b="1" dirty="0">
-                <a:solidFill>
-                  <a:srgbClr val="00B050"/>
-                </a:solidFill>
-              </a:rPr>
-              <a:t>Suneel</a:t>
-            </a:r>
-            <a:endParaRPr lang="en-US" sz="2000" b="1" dirty="0">
-              <a:solidFill>
-                <a:srgbClr val="00B050"/>
-              </a:solidFill>
-            </a:endParaRPr>
-          </a:p>
-        </p:txBody>
-      </p:sp>
-      <p:pic>
-        <p:nvPicPr>
-          <p:cNvPr id="3" name="Picture 2"/>
-          <p:cNvPicPr>
-            <a:picLocks noChangeAspect="1"/>
-          </p:cNvPicPr>
-          <p:nvPr/>
-        </p:nvPicPr>
-        <p:blipFill>
-          <a:blip r:embed="rId6" cstate="print">
-            <a:extLst>
-              <a:ext uri="{28A0092B-C50C-407E-A947-70E740481C1C}">
-                <a14:useLocalDpi xmlns:a14="http://schemas.microsoft.com/office/drawing/2010/main" val="0"/>
-              </a:ext>
-            </a:extLst>
-          </a:blip>
-          <a:stretch>
-            <a:fillRect/>
-          </a:stretch>
-        </p:blipFill>
-        <p:spPr>
-          <a:xfrm>
-            <a:off x="1052944" y="1953491"/>
-            <a:ext cx="1911927" cy="2618510"/>
-          </a:xfrm>
-          <a:prstGeom prst="rect">
-            <a:avLst/>
-          </a:prstGeom>
-        </p:spPr>
-      </p:pic>
-    </p:spTree>
-    <p:extLst>
-      <p:ext uri="{BB962C8B-B14F-4D97-AF65-F5344CB8AC3E}">
-        <p14:creationId xmlns:p14="http://schemas.microsoft.com/office/powerpoint/2010/main" val="196117116"/>
       </p:ext>
     </p:extLst>
   </p:cSld>
@@ -9898,18 +8672,25 @@
           </a:bodyPr>
           <a:lstStyle/>
           <a:p>
-            <a:r>
-              <a:rPr lang="en-US" sz="2800" dirty="0">
+            <a:endParaRPr lang="en-US" sz="2800" dirty="0" smtClean="0">
+              <a:solidFill>
+                <a:srgbClr val="002060"/>
+              </a:solidFill>
+              <a:latin typeface="Times New Roman" panose="02020603050405020304" pitchFamily="18" charset="0"/>
+              <a:cs typeface="Times New Roman" panose="02020603050405020304" pitchFamily="18" charset="0"/>
+            </a:endParaRPr>
+          </a:p>
+          <a:p>
+            <a:r>
+              <a:rPr lang="en-US" sz="2800" dirty="0" smtClean="0">
                 <a:solidFill>
                   <a:srgbClr val="002060"/>
                 </a:solidFill>
                 <a:latin typeface="Times New Roman" panose="02020603050405020304" pitchFamily="18" charset="0"/>
                 <a:cs typeface="Times New Roman" panose="02020603050405020304" pitchFamily="18" charset="0"/>
               </a:rPr>
-              <a:t>What is Inventory??</a:t>
-            </a:r>
-          </a:p>
-          <a:p>
+              <a:t>The </a:t>
+            </a:r>
             <a:r>
               <a:rPr lang="en-US" sz="2800" dirty="0">
                 <a:solidFill>
@@ -9918,7 +8699,7 @@
                 <a:latin typeface="Times New Roman" panose="02020603050405020304" pitchFamily="18" charset="0"/>
                 <a:cs typeface="Times New Roman" panose="02020603050405020304" pitchFamily="18" charset="0"/>
               </a:rPr>
-              <a:t>The project Inventory System is developed for an online store. These would take care of all the related products.</a:t>
+              <a:t>project Inventory System is developed for an online store. These would take care of all the related products.</a:t>
             </a:r>
           </a:p>
           <a:p>
@@ -10878,43 +9659,8 @@
         </p:nvSpPr>
         <p:spPr>
           <a:xfrm>
-            <a:off x="762000" y="559678"/>
-            <a:ext cx="5173287" cy="645667"/>
-          </a:xfrm>
-        </p:spPr>
-        <p:txBody>
-          <a:bodyPr>
-            <a:noAutofit/>
-          </a:bodyPr>
-          <a:lstStyle/>
-          <a:p>
-            <a:r>
-              <a:rPr lang="en-US" sz="4400" b="1" i="0" dirty="0">
-                <a:solidFill>
-                  <a:srgbClr val="C00000"/>
-                </a:solidFill>
-                <a:latin typeface="+mn-lt"/>
-                <a:cs typeface="Arial" panose="020B0604020202020204" pitchFamily="34" charset="0"/>
-              </a:rPr>
-              <a:t>Tools Required</a:t>
-            </a:r>
-          </a:p>
-        </p:txBody>
-      </p:sp>
-      <p:sp>
-        <p:nvSpPr>
-          <p:cNvPr id="3" name="Content Placeholder 2"/>
-          <p:cNvSpPr>
-            <a:spLocks noGrp="1"/>
-          </p:cNvSpPr>
-          <p:nvPr>
-            <p:ph idx="1"/>
-          </p:nvPr>
-        </p:nvSpPr>
-        <p:spPr>
-          <a:xfrm>
-            <a:off x="900545" y="1403797"/>
-            <a:ext cx="10072255" cy="4463603"/>
+            <a:off x="940158" y="457200"/>
+            <a:ext cx="9727842" cy="1143000"/>
           </a:xfrm>
         </p:spPr>
         <p:txBody>
@@ -10924,135 +9670,71 @@
           <a:lstStyle/>
           <a:p>
             <a:r>
-              <a:rPr lang="en-US" sz="2800" dirty="0">
-                <a:solidFill>
-                  <a:srgbClr val="002060"/>
-                </a:solidFill>
-                <a:latin typeface="Times New Roman" charset="0"/>
-                <a:ea typeface="Times New Roman" charset="0"/>
-                <a:cs typeface="Times New Roman" charset="0"/>
+              <a:rPr lang="en-US" sz="4400" dirty="0" smtClean="0">
+                <a:solidFill>
+                  <a:srgbClr val="C00000"/>
+                </a:solidFill>
+                <a:latin typeface="+mn-lt"/>
               </a:rPr>
-              <a:t>Prototype Design        - </a:t>
-            </a:r>
-            <a:r>
-              <a:rPr lang="en-US" sz="2600" dirty="0">
-                <a:solidFill>
-                  <a:srgbClr val="002060"/>
-                </a:solidFill>
-                <a:latin typeface="Times New Roman" charset="0"/>
-                <a:ea typeface="Times New Roman" charset="0"/>
-                <a:cs typeface="Times New Roman" charset="0"/>
-              </a:rPr>
-              <a:t>Just in mind</a:t>
-            </a:r>
-          </a:p>
-          <a:p>
-            <a:r>
-              <a:rPr lang="en-US" sz="2800" dirty="0">
-                <a:solidFill>
-                  <a:srgbClr val="002060"/>
-                </a:solidFill>
-                <a:latin typeface="Times New Roman" charset="0"/>
-                <a:ea typeface="Times New Roman" charset="0"/>
-                <a:cs typeface="Times New Roman" charset="0"/>
-              </a:rPr>
-              <a:t>ER Diagram                - Visio</a:t>
-            </a:r>
-          </a:p>
-          <a:p>
-            <a:r>
-              <a:rPr lang="en-US" sz="2800" dirty="0">
-                <a:solidFill>
-                  <a:srgbClr val="002060"/>
-                </a:solidFill>
-                <a:latin typeface="Times New Roman" charset="0"/>
-                <a:ea typeface="Times New Roman" charset="0"/>
-                <a:cs typeface="Times New Roman" charset="0"/>
-              </a:rPr>
-              <a:t>Database Connection  - </a:t>
-            </a:r>
-            <a:r>
-              <a:rPr lang="en-US" sz="2800" dirty="0" smtClean="0">
-                <a:solidFill>
-                  <a:srgbClr val="002060"/>
-                </a:solidFill>
-                <a:latin typeface="Times New Roman" charset="0"/>
-                <a:ea typeface="Times New Roman" charset="0"/>
-                <a:cs typeface="Times New Roman" charset="0"/>
-              </a:rPr>
-              <a:t>Back4App</a:t>
-            </a:r>
-          </a:p>
-          <a:p>
-            <a:r>
-              <a:rPr lang="en-US" sz="2800" dirty="0" smtClean="0">
-                <a:solidFill>
-                  <a:srgbClr val="002060"/>
-                </a:solidFill>
-                <a:latin typeface="Times New Roman" charset="0"/>
-                <a:ea typeface="Times New Roman" charset="0"/>
-                <a:cs typeface="Times New Roman" charset="0"/>
-              </a:rPr>
-              <a:t>Platform </a:t>
-            </a:r>
-            <a:r>
-              <a:rPr lang="en-US" sz="2800" dirty="0">
-                <a:solidFill>
-                  <a:srgbClr val="002060"/>
-                </a:solidFill>
-                <a:latin typeface="Times New Roman" charset="0"/>
-                <a:ea typeface="Times New Roman" charset="0"/>
-                <a:cs typeface="Times New Roman" charset="0"/>
-              </a:rPr>
-              <a:t>Platform       - </a:t>
-            </a:r>
-            <a:r>
-              <a:rPr lang="en-US" sz="2800" dirty="0" err="1">
-                <a:solidFill>
-                  <a:srgbClr val="002060"/>
-                </a:solidFill>
-                <a:latin typeface="Times New Roman" charset="0"/>
-                <a:ea typeface="Times New Roman" charset="0"/>
-                <a:cs typeface="Times New Roman" charset="0"/>
-              </a:rPr>
-              <a:t>Xcode</a:t>
-            </a:r>
-            <a:endParaRPr lang="en-US" sz="2800" dirty="0">
+              <a:t>FLOWCHART</a:t>
+            </a:r>
+            <a:endParaRPr lang="en-US" sz="4400" dirty="0">
               <a:solidFill>
-                <a:srgbClr val="002060"/>
+                <a:srgbClr val="C00000"/>
               </a:solidFill>
-              <a:latin typeface="Times New Roman" charset="0"/>
-              <a:ea typeface="Times New Roman" charset="0"/>
-              <a:cs typeface="Times New Roman" charset="0"/>
+              <a:latin typeface="+mn-lt"/>
             </a:endParaRPr>
           </a:p>
-          <a:p>
-            <a:endParaRPr lang="en-US" sz="2800" dirty="0">
-              <a:solidFill>
-                <a:srgbClr val="0070C0"/>
-              </a:solidFill>
-              <a:latin typeface="Times New Roman" charset="0"/>
-              <a:ea typeface="Times New Roman" charset="0"/>
-              <a:cs typeface="Times New Roman" charset="0"/>
-            </a:endParaRPr>
-          </a:p>
-        </p:txBody>
-      </p:sp>
-      <p:sp>
-        <p:nvSpPr>
-          <p:cNvPr id="4" name="TextBox 3"/>
-          <p:cNvSpPr txBox="1"/>
+        </p:txBody>
+      </p:sp>
+      <p:pic>
+        <p:nvPicPr>
+          <p:cNvPr id="3" name="Picture 2"/>
+          <p:cNvPicPr/>
           <p:nvPr/>
-        </p:nvSpPr>
-        <p:spPr>
-          <a:xfrm>
-            <a:off x="8311243" y="6188529"/>
-            <a:ext cx="3347357" cy="369332"/>
+        </p:nvPicPr>
+        <p:blipFill>
+          <a:blip r:embed="rId2">
+            <a:extLst>
+              <a:ext uri="{28A0092B-C50C-407E-A947-70E740481C1C}">
+                <a14:useLocalDpi xmlns:a14="http://schemas.microsoft.com/office/drawing/2010/main" val="0"/>
+              </a:ext>
+            </a:extLst>
+          </a:blip>
+          <a:srcRect/>
+          <a:stretch>
+            <a:fillRect/>
+          </a:stretch>
+        </p:blipFill>
+        <p:spPr bwMode="auto">
+          <a:xfrm>
+            <a:off x="4185634" y="489397"/>
+            <a:ext cx="6877318" cy="5674821"/>
           </a:xfrm>
           <a:prstGeom prst="rect">
             <a:avLst/>
           </a:prstGeom>
           <a:noFill/>
+          <a:ln>
+            <a:noFill/>
+          </a:ln>
+        </p:spPr>
+      </p:pic>
+      <p:sp>
+        <p:nvSpPr>
+          <p:cNvPr id="6" name="TextBox 5"/>
+          <p:cNvSpPr txBox="1"/>
+          <p:nvPr/>
+        </p:nvSpPr>
+        <p:spPr>
+          <a:xfrm>
+            <a:off x="7868992" y="5911403"/>
+            <a:ext cx="3850783" cy="369332"/>
+          </a:xfrm>
+          <a:prstGeom prst="rect">
+            <a:avLst/>
+          </a:prstGeom>
+          <a:noFill/>
         </p:spPr>
         <p:txBody>
           <a:bodyPr wrap="square" rtlCol="0">
@@ -11061,15 +9743,15 @@
           <a:lstStyle/>
           <a:p>
             <a:r>
-              <a:rPr lang="en-US" dirty="0"/>
-              <a:t>	</a:t>
-            </a:r>
-            <a:r>
-              <a:rPr lang="en-US" dirty="0" err="1"/>
+              <a:rPr lang="en-US" dirty="0" smtClean="0"/>
+              <a:t>		</a:t>
+            </a:r>
+            <a:r>
+              <a:rPr lang="en-US" dirty="0" err="1" smtClean="0"/>
               <a:t>Jeevitha</a:t>
             </a:r>
             <a:r>
-              <a:rPr lang="en-US" dirty="0"/>
+              <a:rPr lang="en-US" dirty="0" smtClean="0"/>
               <a:t> </a:t>
             </a:r>
             <a:r>
@@ -11083,7 +9765,7 @@
     </p:spTree>
     <p:extLst>
       <p:ext uri="{BB962C8B-B14F-4D97-AF65-F5344CB8AC3E}">
-        <p14:creationId xmlns:p14="http://schemas.microsoft.com/office/powerpoint/2010/main" val="3559406443"/>
+        <p14:creationId xmlns:p14="http://schemas.microsoft.com/office/powerpoint/2010/main" val="3961630699"/>
       </p:ext>
     </p:extLst>
   </p:cSld>

--- a/InventorySystem-FinalPresentation.pptx
+++ b/InventorySystem-FinalPresentation.pptx
@@ -5,10 +5,10 @@
     <p:sldMasterId id="2147483648" r:id="rId2"/>
   </p:sldMasterIdLst>
   <p:notesMasterIdLst>
-    <p:notesMasterId r:id="rId29"/>
+    <p:notesMasterId r:id="rId15"/>
   </p:notesMasterIdLst>
   <p:handoutMasterIdLst>
-    <p:handoutMasterId r:id="rId30"/>
+    <p:handoutMasterId r:id="rId16"/>
   </p:handoutMasterIdLst>
   <p:sldIdLst>
     <p:sldId id="262" r:id="rId3"/>
@@ -16,27 +16,13 @@
     <p:sldId id="280" r:id="rId5"/>
     <p:sldId id="281" r:id="rId6"/>
     <p:sldId id="282" r:id="rId7"/>
-    <p:sldId id="283" r:id="rId8"/>
-    <p:sldId id="284" r:id="rId9"/>
-    <p:sldId id="285" r:id="rId10"/>
-    <p:sldId id="310" r:id="rId11"/>
-    <p:sldId id="286" r:id="rId12"/>
-    <p:sldId id="287" r:id="rId13"/>
-    <p:sldId id="289" r:id="rId14"/>
-    <p:sldId id="290" r:id="rId15"/>
-    <p:sldId id="291" r:id="rId16"/>
-    <p:sldId id="292" r:id="rId17"/>
-    <p:sldId id="293" r:id="rId18"/>
-    <p:sldId id="294" r:id="rId19"/>
-    <p:sldId id="295" r:id="rId20"/>
-    <p:sldId id="302" r:id="rId21"/>
-    <p:sldId id="303" r:id="rId22"/>
-    <p:sldId id="304" r:id="rId23"/>
-    <p:sldId id="305" r:id="rId24"/>
-    <p:sldId id="306" r:id="rId25"/>
-    <p:sldId id="307" r:id="rId26"/>
-    <p:sldId id="308" r:id="rId27"/>
-    <p:sldId id="309" r:id="rId28"/>
+    <p:sldId id="286" r:id="rId8"/>
+    <p:sldId id="303" r:id="rId9"/>
+    <p:sldId id="302" r:id="rId10"/>
+    <p:sldId id="306" r:id="rId11"/>
+    <p:sldId id="307" r:id="rId12"/>
+    <p:sldId id="308" r:id="rId13"/>
+    <p:sldId id="310" r:id="rId14"/>
   </p:sldIdLst>
   <p:sldSz cx="12192000" cy="6858000"/>
   <p:notesSz cx="6858000" cy="9144000"/>
@@ -259,7 +245,7 @@
           <a:p>
             <a:fld id="{1A9BCE0C-CD74-4A59-802C-6D2F8C15331A}" type="datetimeFigureOut">
               <a:rPr lang="en-US" smtClean="0"/>
-              <a:t>12/15/2016</a:t>
+              <a:t>4/4/2017</a:t>
             </a:fld>
             <a:endParaRPr lang="en-US"/>
           </a:p>
@@ -424,7 +410,7 @@
           <a:p>
             <a:fld id="{F04FDEA8-CBB8-46CC-9562-028963DBC55A}" type="datetimeFigureOut">
               <a:rPr lang="en-US" smtClean="0"/>
-              <a:t>12/15/2016</a:t>
+              <a:t>4/4/2017</a:t>
             </a:fld>
             <a:endParaRPr lang="en-US"/>
           </a:p>
@@ -807,90 +793,6 @@
 </p:notes>
 </file>
 
-<file path=ppt/notesSlides/notesSlide2.xml><?xml version="1.0" encoding="utf-8"?>
-<p:notes xmlns:a="http://schemas.openxmlformats.org/drawingml/2006/main" xmlns:r="http://schemas.openxmlformats.org/officeDocument/2006/relationships" xmlns:p="http://schemas.openxmlformats.org/presentationml/2006/main">
-  <p:cSld>
-    <p:spTree>
-      <p:nvGrpSpPr>
-        <p:cNvPr id="1" name=""/>
-        <p:cNvGrpSpPr/>
-        <p:nvPr/>
-      </p:nvGrpSpPr>
-      <p:grpSpPr>
-        <a:xfrm>
-          <a:off x="0" y="0"/>
-          <a:ext cx="0" cy="0"/>
-          <a:chOff x="0" y="0"/>
-          <a:chExt cx="0" cy="0"/>
-        </a:xfrm>
-      </p:grpSpPr>
-      <p:sp>
-        <p:nvSpPr>
-          <p:cNvPr id="2" name="Slide Image Placeholder 1"/>
-          <p:cNvSpPr>
-            <a:spLocks noGrp="1" noRot="1" noChangeAspect="1"/>
-          </p:cNvSpPr>
-          <p:nvPr>
-            <p:ph type="sldImg"/>
-          </p:nvPr>
-        </p:nvSpPr>
-        <p:spPr/>
-      </p:sp>
-      <p:sp>
-        <p:nvSpPr>
-          <p:cNvPr id="3" name="Notes Placeholder 2"/>
-          <p:cNvSpPr>
-            <a:spLocks noGrp="1"/>
-          </p:cNvSpPr>
-          <p:nvPr>
-            <p:ph type="body" idx="1"/>
-          </p:nvPr>
-        </p:nvSpPr>
-        <p:spPr/>
-        <p:txBody>
-          <a:bodyPr/>
-          <a:lstStyle/>
-          <a:p>
-            <a:endParaRPr lang="en-US"/>
-          </a:p>
-        </p:txBody>
-      </p:sp>
-      <p:sp>
-        <p:nvSpPr>
-          <p:cNvPr id="4" name="Slide Number Placeholder 3"/>
-          <p:cNvSpPr>
-            <a:spLocks noGrp="1"/>
-          </p:cNvSpPr>
-          <p:nvPr>
-            <p:ph type="sldNum" sz="quarter" idx="10"/>
-          </p:nvPr>
-        </p:nvSpPr>
-        <p:spPr/>
-        <p:txBody>
-          <a:bodyPr/>
-          <a:lstStyle/>
-          <a:p>
-            <a:fld id="{7963131A-6CEA-4D50-AC56-5F6817DF92EC}" type="slidenum">
-              <a:rPr lang="en-US" smtClean="0"/>
-              <a:t>12</a:t>
-            </a:fld>
-            <a:endParaRPr lang="en-US"/>
-          </a:p>
-        </p:txBody>
-      </p:sp>
-    </p:spTree>
-    <p:extLst>
-      <p:ext uri="{BB962C8B-B14F-4D97-AF65-F5344CB8AC3E}">
-        <p14:creationId xmlns:p14="http://schemas.microsoft.com/office/powerpoint/2010/main" val="2294773432"/>
-      </p:ext>
-    </p:extLst>
-  </p:cSld>
-  <p:clrMapOvr>
-    <a:masterClrMapping/>
-  </p:clrMapOvr>
-</p:notes>
-</file>
-
 <file path=ppt/slideLayouts/slideLayout1.xml><?xml version="1.0" encoding="utf-8"?>
 <p:sldLayout xmlns:a="http://schemas.openxmlformats.org/drawingml/2006/main" xmlns:r="http://schemas.openxmlformats.org/officeDocument/2006/relationships" xmlns:p="http://schemas.openxmlformats.org/presentationml/2006/main" showMasterSp="0" type="title" preserve="1">
   <p:cSld name="Title Slide">
@@ -1482,7 +1384,7 @@
           <a:p>
             <a:fld id="{37CC0096-1860-4642-9CD2-0079EA5E7CD1}" type="datetimeFigureOut">
               <a:rPr lang="en-US" smtClean="0"/>
-              <a:t>12/15/2016</a:t>
+              <a:t>4/4/2017</a:t>
             </a:fld>
             <a:endParaRPr lang="en-US"/>
           </a:p>
@@ -1681,7 +1583,7 @@
           <a:p>
             <a:fld id="{37CC0096-1860-4642-9CD2-0079EA5E7CD1}" type="datetimeFigureOut">
               <a:rPr lang="en-US" smtClean="0"/>
-              <a:t>12/15/2016</a:t>
+              <a:t>4/4/2017</a:t>
             </a:fld>
             <a:endParaRPr lang="en-US"/>
           </a:p>
@@ -2280,7 +2182,7 @@
           <a:p>
             <a:fld id="{37CC0096-1860-4642-9CD2-0079EA5E7CD1}" type="datetimeFigureOut">
               <a:rPr lang="en-US" smtClean="0"/>
-              <a:t>12/15/2016</a:t>
+              <a:t>4/4/2017</a:t>
             </a:fld>
             <a:endParaRPr lang="en-US"/>
           </a:p>
@@ -2807,7 +2709,7 @@
           <a:p>
             <a:fld id="{37CC0096-1860-4642-9CD2-0079EA5E7CD1}" type="datetimeFigureOut">
               <a:rPr lang="en-US" smtClean="0"/>
-              <a:t>12/15/2016</a:t>
+              <a:t>4/4/2017</a:t>
             </a:fld>
             <a:endParaRPr lang="en-US"/>
           </a:p>
@@ -3262,7 +3164,7 @@
           <a:p>
             <a:fld id="{37CC0096-1860-4642-9CD2-0079EA5E7CD1}" type="datetimeFigureOut">
               <a:rPr lang="en-US" smtClean="0"/>
-              <a:t>12/15/2016</a:t>
+              <a:t>4/4/2017</a:t>
             </a:fld>
             <a:endParaRPr lang="en-US"/>
           </a:p>
@@ -3399,7 +3301,7 @@
           <a:p>
             <a:fld id="{37CC0096-1860-4642-9CD2-0079EA5E7CD1}" type="datetimeFigureOut">
               <a:rPr lang="en-US" smtClean="0"/>
-              <a:t>12/15/2016</a:t>
+              <a:t>4/4/2017</a:t>
             </a:fld>
             <a:endParaRPr lang="en-US"/>
           </a:p>
@@ -3751,7 +3653,7 @@
           <a:p>
             <a:fld id="{37CC0096-1860-4642-9CD2-0079EA5E7CD1}" type="datetimeFigureOut">
               <a:rPr lang="en-US" smtClean="0"/>
-              <a:t>12/15/2016</a:t>
+              <a:t>4/4/2017</a:t>
             </a:fld>
             <a:endParaRPr lang="en-US"/>
           </a:p>
@@ -4025,7 +3927,7 @@
             <a:fld id="{37CC0096-1860-4642-9CD2-0079EA5E7CD1}" type="datetimeFigureOut">
               <a:rPr lang="en-US" smtClean="0"/>
               <a:pPr/>
-              <a:t>12/15/2016</a:t>
+              <a:t>4/4/2017</a:t>
             </a:fld>
             <a:endParaRPr lang="en-US"/>
           </a:p>
@@ -4747,224 +4649,40 @@
           <a:chExt cx="0" cy="0"/>
         </a:xfrm>
       </p:grpSpPr>
-      <p:sp>
-        <p:nvSpPr>
-          <p:cNvPr id="2" name="Title 1"/>
-          <p:cNvSpPr>
-            <a:spLocks noGrp="1"/>
-          </p:cNvSpPr>
-          <p:nvPr>
-            <p:ph type="title"/>
-          </p:nvPr>
-        </p:nvSpPr>
-        <p:spPr>
-          <a:xfrm>
-            <a:off x="762000" y="559678"/>
-            <a:ext cx="5173287" cy="645667"/>
-          </a:xfrm>
-        </p:spPr>
-        <p:txBody>
-          <a:bodyPr>
-            <a:noAutofit/>
-          </a:bodyPr>
-          <a:lstStyle/>
-          <a:p>
-            <a:r>
-              <a:rPr lang="en-US" sz="4400" b="1" i="0" dirty="0">
-                <a:solidFill>
-                  <a:srgbClr val="C00000"/>
-                </a:solidFill>
-                <a:latin typeface="+mn-lt"/>
-                <a:cs typeface="Arial" panose="020B0604020202020204" pitchFamily="34" charset="0"/>
-              </a:rPr>
-              <a:t>Tools Required</a:t>
-            </a:r>
-          </a:p>
-        </p:txBody>
-      </p:sp>
-      <p:sp>
-        <p:nvSpPr>
-          <p:cNvPr id="3" name="Content Placeholder 2"/>
-          <p:cNvSpPr>
-            <a:spLocks noGrp="1"/>
-          </p:cNvSpPr>
-          <p:nvPr>
-            <p:ph idx="1"/>
-          </p:nvPr>
-        </p:nvSpPr>
-        <p:spPr>
-          <a:xfrm>
-            <a:off x="900545" y="1403797"/>
-            <a:ext cx="10072255" cy="4463603"/>
-          </a:xfrm>
-        </p:spPr>
-        <p:txBody>
-          <a:bodyPr>
-            <a:normAutofit/>
-          </a:bodyPr>
-          <a:lstStyle/>
-          <a:p>
-            <a:r>
-              <a:rPr lang="en-US" sz="2800" dirty="0">
-                <a:solidFill>
-                  <a:srgbClr val="002060"/>
-                </a:solidFill>
-                <a:latin typeface="Times New Roman" charset="0"/>
-                <a:ea typeface="Times New Roman" charset="0"/>
-                <a:cs typeface="Times New Roman" charset="0"/>
-              </a:rPr>
-              <a:t>Prototype Design        - </a:t>
-            </a:r>
-            <a:r>
-              <a:rPr lang="en-US" sz="2600" dirty="0">
-                <a:solidFill>
-                  <a:srgbClr val="002060"/>
-                </a:solidFill>
-                <a:latin typeface="Times New Roman" charset="0"/>
-                <a:ea typeface="Times New Roman" charset="0"/>
-                <a:cs typeface="Times New Roman" charset="0"/>
-              </a:rPr>
-              <a:t>Just in mind</a:t>
-            </a:r>
-          </a:p>
-          <a:p>
-            <a:r>
-              <a:rPr lang="en-US" sz="2800" dirty="0">
-                <a:solidFill>
-                  <a:srgbClr val="002060"/>
-                </a:solidFill>
-                <a:latin typeface="Times New Roman" charset="0"/>
-                <a:ea typeface="Times New Roman" charset="0"/>
-                <a:cs typeface="Times New Roman" charset="0"/>
-              </a:rPr>
-              <a:t>ER Diagram                - Visio</a:t>
-            </a:r>
-          </a:p>
-          <a:p>
-            <a:r>
-              <a:rPr lang="en-US" sz="2800" dirty="0">
-                <a:solidFill>
-                  <a:srgbClr val="002060"/>
-                </a:solidFill>
-                <a:latin typeface="Times New Roman" charset="0"/>
-                <a:ea typeface="Times New Roman" charset="0"/>
-                <a:cs typeface="Times New Roman" charset="0"/>
-              </a:rPr>
-              <a:t>Database Connection  - </a:t>
-            </a:r>
-            <a:r>
-              <a:rPr lang="en-US" sz="2800" dirty="0" smtClean="0">
-                <a:solidFill>
-                  <a:srgbClr val="002060"/>
-                </a:solidFill>
-                <a:latin typeface="Times New Roman" charset="0"/>
-                <a:ea typeface="Times New Roman" charset="0"/>
-                <a:cs typeface="Times New Roman" charset="0"/>
-              </a:rPr>
-              <a:t>Back4App</a:t>
-            </a:r>
-          </a:p>
-          <a:p>
-            <a:r>
-              <a:rPr lang="en-US" sz="2800" dirty="0" smtClean="0">
-                <a:solidFill>
-                  <a:srgbClr val="002060"/>
-                </a:solidFill>
-                <a:latin typeface="Times New Roman" charset="0"/>
-                <a:ea typeface="Times New Roman" charset="0"/>
-                <a:cs typeface="Times New Roman" charset="0"/>
-              </a:rPr>
-              <a:t>Platform </a:t>
-            </a:r>
-            <a:r>
-              <a:rPr lang="en-US" sz="2800" dirty="0" smtClean="0">
-                <a:solidFill>
-                  <a:srgbClr val="002060"/>
-                </a:solidFill>
-                <a:latin typeface="Times New Roman" charset="0"/>
-                <a:ea typeface="Times New Roman" charset="0"/>
-                <a:cs typeface="Times New Roman" charset="0"/>
-              </a:rPr>
-              <a:t>                     - </a:t>
-            </a:r>
-            <a:r>
-              <a:rPr lang="en-US" sz="2800" dirty="0" err="1">
-                <a:solidFill>
-                  <a:srgbClr val="002060"/>
-                </a:solidFill>
-                <a:latin typeface="Times New Roman" charset="0"/>
-                <a:ea typeface="Times New Roman" charset="0"/>
-                <a:cs typeface="Times New Roman" charset="0"/>
-              </a:rPr>
-              <a:t>Xcode</a:t>
-            </a:r>
-            <a:endParaRPr lang="en-US" sz="2800" dirty="0">
-              <a:solidFill>
-                <a:srgbClr val="002060"/>
-              </a:solidFill>
-              <a:latin typeface="Times New Roman" charset="0"/>
-              <a:ea typeface="Times New Roman" charset="0"/>
-              <a:cs typeface="Times New Roman" charset="0"/>
-            </a:endParaRPr>
-          </a:p>
-          <a:p>
-            <a:endParaRPr lang="en-US" sz="2800" dirty="0">
-              <a:solidFill>
-                <a:srgbClr val="0070C0"/>
-              </a:solidFill>
-              <a:latin typeface="Times New Roman" charset="0"/>
-              <a:ea typeface="Times New Roman" charset="0"/>
-              <a:cs typeface="Times New Roman" charset="0"/>
-            </a:endParaRPr>
-          </a:p>
-        </p:txBody>
-      </p:sp>
-      <p:sp>
-        <p:nvSpPr>
-          <p:cNvPr id="4" name="TextBox 3"/>
-          <p:cNvSpPr txBox="1"/>
+      <p:pic>
+        <p:nvPicPr>
+          <p:cNvPr id="3" name="Picture 2"/>
+          <p:cNvPicPr>
+            <a:picLocks noChangeAspect="1"/>
+          </p:cNvPicPr>
           <p:nvPr/>
-        </p:nvSpPr>
-        <p:spPr>
-          <a:xfrm>
-            <a:off x="8311243" y="6188529"/>
-            <a:ext cx="3347357" cy="369332"/>
+        </p:nvPicPr>
+        <p:blipFill>
+          <a:blip r:embed="rId2">
+            <a:extLst>
+              <a:ext uri="{28A0092B-C50C-407E-A947-70E740481C1C}">
+                <a14:useLocalDpi xmlns:a14="http://schemas.microsoft.com/office/drawing/2010/main" val="0"/>
+              </a:ext>
+            </a:extLst>
+          </a:blip>
+          <a:stretch>
+            <a:fillRect/>
+          </a:stretch>
+        </p:blipFill>
+        <p:spPr>
+          <a:xfrm>
+            <a:off x="3325092" y="803564"/>
+            <a:ext cx="5140036" cy="5386578"/>
           </a:xfrm>
           <a:prstGeom prst="rect">
             <a:avLst/>
           </a:prstGeom>
-          <a:noFill/>
-        </p:spPr>
-        <p:txBody>
-          <a:bodyPr wrap="square" rtlCol="0">
-            <a:spAutoFit/>
-          </a:bodyPr>
-          <a:lstStyle/>
-          <a:p>
-            <a:r>
-              <a:rPr lang="en-US" dirty="0"/>
-              <a:t>	</a:t>
-            </a:r>
-            <a:r>
-              <a:rPr lang="en-US" dirty="0" err="1"/>
-              <a:t>Jeevitha</a:t>
-            </a:r>
-            <a:r>
-              <a:rPr lang="en-US" dirty="0"/>
-              <a:t> </a:t>
-            </a:r>
-            <a:r>
-              <a:rPr lang="en-US" dirty="0" err="1"/>
-              <a:t>Kamatham</a:t>
-            </a:r>
-            <a:endParaRPr lang="en-US" dirty="0"/>
-          </a:p>
-        </p:txBody>
-      </p:sp>
+        </p:spPr>
+      </p:pic>
     </p:spTree>
     <p:extLst>
       <p:ext uri="{BB962C8B-B14F-4D97-AF65-F5344CB8AC3E}">
-        <p14:creationId xmlns:p14="http://schemas.microsoft.com/office/powerpoint/2010/main" val="3559406443"/>
+        <p14:creationId xmlns:p14="http://schemas.microsoft.com/office/powerpoint/2010/main" val="894493107"/>
       </p:ext>
     </p:extLst>
   </p:cSld>
@@ -5010,121 +4728,9 @@
           <a:chExt cx="0" cy="0"/>
         </a:xfrm>
       </p:grpSpPr>
-      <p:sp>
-        <p:nvSpPr>
-          <p:cNvPr id="2" name="Title 1"/>
-          <p:cNvSpPr>
-            <a:spLocks noGrp="1"/>
-          </p:cNvSpPr>
-          <p:nvPr>
-            <p:ph type="title"/>
-          </p:nvPr>
-        </p:nvSpPr>
-        <p:spPr>
-          <a:xfrm>
-            <a:off x="762000" y="559678"/>
-            <a:ext cx="3951668" cy="562540"/>
-          </a:xfrm>
-        </p:spPr>
-        <p:txBody>
-          <a:bodyPr>
-            <a:noAutofit/>
-          </a:bodyPr>
-          <a:lstStyle/>
-          <a:p>
-            <a:r>
-              <a:rPr lang="en-US" sz="4400" b="1" i="0" dirty="0">
-                <a:solidFill>
-                  <a:srgbClr val="C00000"/>
-                </a:solidFill>
-                <a:latin typeface="+mn-lt"/>
-                <a:cs typeface="Arial" panose="020B0604020202020204" pitchFamily="34" charset="0"/>
-              </a:rPr>
-              <a:t>Prototypes </a:t>
-            </a:r>
-          </a:p>
-        </p:txBody>
-      </p:sp>
-      <p:sp>
-        <p:nvSpPr>
-          <p:cNvPr id="4" name="TextBox 3"/>
-          <p:cNvSpPr txBox="1"/>
-          <p:nvPr/>
-        </p:nvSpPr>
-        <p:spPr>
-          <a:xfrm>
-            <a:off x="7756073" y="6041572"/>
-            <a:ext cx="3902528" cy="646331"/>
-          </a:xfrm>
-          <a:prstGeom prst="rect">
-            <a:avLst/>
-          </a:prstGeom>
-          <a:noFill/>
-        </p:spPr>
-        <p:txBody>
-          <a:bodyPr wrap="square" rtlCol="0">
-            <a:spAutoFit/>
-          </a:bodyPr>
-          <a:lstStyle/>
-          <a:p>
-            <a:r>
-              <a:rPr lang="en-US" dirty="0"/>
-              <a:t>	Meghana </a:t>
-            </a:r>
-            <a:r>
-              <a:rPr lang="en-US" dirty="0" smtClean="0"/>
-              <a:t>Thakkellapati</a:t>
-            </a:r>
-            <a:endParaRPr lang="en-US" dirty="0"/>
-          </a:p>
-          <a:p>
-            <a:endParaRPr lang="en-US" dirty="0"/>
-          </a:p>
-        </p:txBody>
-      </p:sp>
-      <p:sp>
-        <p:nvSpPr>
-          <p:cNvPr id="3" name="Content Placeholder 2"/>
-          <p:cNvSpPr>
-            <a:spLocks noGrp="1"/>
-          </p:cNvSpPr>
-          <p:nvPr>
-            <p:ph idx="1"/>
-          </p:nvPr>
-        </p:nvSpPr>
-        <p:spPr>
-          <a:xfrm>
-            <a:off x="1271847" y="1438102"/>
-            <a:ext cx="10158151" cy="4786120"/>
-          </a:xfrm>
-        </p:spPr>
-        <p:txBody>
-          <a:bodyPr/>
-          <a:lstStyle/>
-          <a:p>
-            <a:pPr marL="0" indent="0">
-              <a:buNone/>
-            </a:pPr>
-            <a:r>
-              <a:rPr lang="en-US" dirty="0" smtClean="0"/>
-              <a:t>.</a:t>
-            </a:r>
-            <a:endParaRPr lang="en-US" dirty="0"/>
-          </a:p>
-          <a:p>
-            <a:endParaRPr lang="en-US" dirty="0"/>
-          </a:p>
-          <a:p>
-            <a:endParaRPr lang="en-US" dirty="0"/>
-          </a:p>
-          <a:p>
-            <a:endParaRPr lang="en-US" dirty="0"/>
-          </a:p>
-        </p:txBody>
-      </p:sp>
       <p:pic>
         <p:nvPicPr>
-          <p:cNvPr id="5" name="Picture 4"/>
+          <p:cNvPr id="2" name="Picture 1"/>
           <p:cNvPicPr>
             <a:picLocks noChangeAspect="1"/>
           </p:cNvPicPr>
@@ -5144,8 +4750,8 @@
         </p:blipFill>
         <p:spPr>
           <a:xfrm>
-            <a:off x="4299217" y="862884"/>
-            <a:ext cx="3773871" cy="5396248"/>
+            <a:off x="2951018" y="1572028"/>
+            <a:ext cx="5627717" cy="3754743"/>
           </a:xfrm>
           <a:prstGeom prst="rect">
             <a:avLst/>
@@ -5155,7 +4761,7 @@
     </p:spTree>
     <p:extLst>
       <p:ext uri="{BB962C8B-B14F-4D97-AF65-F5344CB8AC3E}">
-        <p14:creationId xmlns:p14="http://schemas.microsoft.com/office/powerpoint/2010/main" val="1557112306"/>
+        <p14:creationId xmlns:p14="http://schemas.microsoft.com/office/powerpoint/2010/main" val="30623602"/>
       </p:ext>
     </p:extLst>
   </p:cSld>
@@ -5213,75 +4819,67 @@
         </p:nvSpPr>
         <p:spPr>
           <a:xfrm>
-            <a:off x="762000" y="559678"/>
-            <a:ext cx="8394880" cy="604104"/>
+            <a:off x="746760" y="534726"/>
+            <a:ext cx="8150181" cy="823019"/>
           </a:xfrm>
         </p:spPr>
         <p:txBody>
           <a:bodyPr>
-            <a:noAutofit/>
+            <a:normAutofit/>
           </a:bodyPr>
           <a:lstStyle/>
           <a:p>
             <a:r>
               <a:rPr lang="en-US" sz="4400" b="1" i="0" dirty="0">
                 <a:solidFill>
-                  <a:srgbClr val="C00000"/>
+                  <a:schemeClr val="accent4">
+                    <a:lumMod val="50000"/>
+                  </a:schemeClr>
                 </a:solidFill>
-                <a:latin typeface="+mn-lt"/>
+                <a:latin typeface="Arial" panose="020B0604020202020204" pitchFamily="34" charset="0"/>
                 <a:cs typeface="Arial" panose="020B0604020202020204" pitchFamily="34" charset="0"/>
               </a:rPr>
-              <a:t>Prototypes continued……</a:t>
-            </a:r>
-          </a:p>
-        </p:txBody>
-      </p:sp>
-      <p:sp>
-        <p:nvSpPr>
-          <p:cNvPr id="4" name="TextBox 3"/>
-          <p:cNvSpPr txBox="1"/>
-          <p:nvPr/>
-        </p:nvSpPr>
-        <p:spPr>
-          <a:xfrm>
-            <a:off x="8988137" y="6302829"/>
-            <a:ext cx="2955471" cy="646331"/>
-          </a:xfrm>
-          <a:prstGeom prst="rect">
-            <a:avLst/>
-          </a:prstGeom>
-          <a:noFill/>
-        </p:spPr>
-        <p:txBody>
-          <a:bodyPr wrap="square" rtlCol="0">
-            <a:spAutoFit/>
-          </a:bodyPr>
-          <a:lstStyle/>
-          <a:p>
-            <a:r>
-              <a:rPr lang="en-US" dirty="0"/>
-              <a:t>Meghana </a:t>
-            </a:r>
-            <a:r>
-              <a:rPr lang="en-US" dirty="0" smtClean="0"/>
-              <a:t>Thakkellapati</a:t>
-            </a:r>
-            <a:endParaRPr lang="en-US" dirty="0"/>
-          </a:p>
-          <a:p>
-            <a:endParaRPr lang="en-US" dirty="0"/>
+              <a:t>TEAM MEMBERS</a:t>
+            </a:r>
           </a:p>
         </p:txBody>
       </p:sp>
       <p:pic>
         <p:nvPicPr>
-          <p:cNvPr id="5" name="Content Placeholder 4"/>
+          <p:cNvPr id="4" name="Content Placeholder 3"/>
           <p:cNvPicPr>
             <a:picLocks noGrp="1" noChangeAspect="1"/>
           </p:cNvPicPr>
           <p:nvPr>
             <p:ph idx="1"/>
           </p:nvPr>
+        </p:nvPicPr>
+        <p:blipFill>
+          <a:blip r:embed="rId2" cstate="print">
+            <a:extLst>
+              <a:ext uri="{28A0092B-C50C-407E-A947-70E740481C1C}">
+                <a14:useLocalDpi xmlns:a14="http://schemas.microsoft.com/office/drawing/2010/main" val="0"/>
+              </a:ext>
+            </a:extLst>
+          </a:blip>
+          <a:stretch>
+            <a:fillRect/>
+          </a:stretch>
+        </p:blipFill>
+        <p:spPr>
+          <a:xfrm>
+            <a:off x="7436155" y="2738692"/>
+            <a:ext cx="1988820" cy="2651760"/>
+          </a:xfrm>
+        </p:spPr>
+      </p:pic>
+      <p:pic>
+        <p:nvPicPr>
+          <p:cNvPr id="7" name="Picture 6"/>
+          <p:cNvPicPr>
+            <a:picLocks noChangeAspect="1"/>
+          </p:cNvPicPr>
+          <p:nvPr/>
         </p:nvPicPr>
         <p:blipFill>
           <a:blip r:embed="rId3" cstate="print">
@@ -5297,114 +4895,24 @@
         </p:blipFill>
         <p:spPr>
           <a:xfrm>
-            <a:off x="4949191" y="1397000"/>
-            <a:ext cx="2653980" cy="4835525"/>
-          </a:xfrm>
+            <a:off x="9633399" y="1707523"/>
+            <a:ext cx="1931829" cy="2646830"/>
+          </a:xfrm>
+          <a:prstGeom prst="rect">
+            <a:avLst/>
+          </a:prstGeom>
         </p:spPr>
       </p:pic>
-    </p:spTree>
-    <p:extLst>
-      <p:ext uri="{BB962C8B-B14F-4D97-AF65-F5344CB8AC3E}">
-        <p14:creationId xmlns:p14="http://schemas.microsoft.com/office/powerpoint/2010/main" val="3613980128"/>
-      </p:ext>
-    </p:extLst>
-  </p:cSld>
-  <p:clrMapOvr>
-    <a:masterClrMapping/>
-  </p:clrMapOvr>
-  <mc:AlternateContent xmlns:mc="http://schemas.openxmlformats.org/markup-compatibility/2006" xmlns:p14="http://schemas.microsoft.com/office/powerpoint/2010/main">
-    <mc:Choice Requires="p14">
-      <p:transition spd="med" p14:dur="700">
-        <p:fade/>
-      </p:transition>
-    </mc:Choice>
-    <mc:Fallback xmlns="">
-      <p:transition spd="med">
-        <p:fade/>
-      </p:transition>
-    </mc:Fallback>
-  </mc:AlternateContent>
-  <p:timing>
-    <p:tnLst>
-      <p:par>
-        <p:cTn id="1" dur="indefinite" restart="never" nodeType="tmRoot"/>
-      </p:par>
-    </p:tnLst>
-  </p:timing>
-</p:sld>
-</file>
-
-<file path=ppt/slides/slide13.xml><?xml version="1.0" encoding="utf-8"?>
-<p:sld xmlns:a="http://schemas.openxmlformats.org/drawingml/2006/main" xmlns:r="http://schemas.openxmlformats.org/officeDocument/2006/relationships" xmlns:p="http://schemas.openxmlformats.org/presentationml/2006/main">
-  <p:cSld>
-    <p:spTree>
-      <p:nvGrpSpPr>
-        <p:cNvPr id="1" name=""/>
-        <p:cNvGrpSpPr/>
-        <p:nvPr/>
-      </p:nvGrpSpPr>
-      <p:grpSpPr>
-        <a:xfrm>
-          <a:off x="0" y="0"/>
-          <a:ext cx="0" cy="0"/>
-          <a:chOff x="0" y="0"/>
-          <a:chExt cx="0" cy="0"/>
-        </a:xfrm>
-      </p:grpSpPr>
-      <p:sp>
-        <p:nvSpPr>
-          <p:cNvPr id="2" name="Title 1"/>
-          <p:cNvSpPr>
-            <a:spLocks noGrp="1"/>
-          </p:cNvSpPr>
-          <p:nvPr>
-            <p:ph type="title"/>
-          </p:nvPr>
-        </p:nvSpPr>
-        <p:spPr>
-          <a:xfrm>
-            <a:off x="762000" y="559678"/>
-            <a:ext cx="8394880" cy="645667"/>
-          </a:xfrm>
-        </p:spPr>
-        <p:txBody>
-          <a:bodyPr>
-            <a:noAutofit/>
-          </a:bodyPr>
-          <a:lstStyle/>
-          <a:p>
-            <a:r>
-              <a:rPr lang="en-US" sz="4400" b="1" dirty="0">
-                <a:solidFill>
-                  <a:srgbClr val="C00000"/>
-                </a:solidFill>
-                <a:latin typeface="+mn-lt"/>
-                <a:cs typeface="Arial" panose="020B0604020202020204" pitchFamily="34" charset="0"/>
-              </a:rPr>
-              <a:t>Prototypes continued……</a:t>
-            </a:r>
-            <a:endParaRPr lang="en-US" sz="4000" b="1" i="0" dirty="0">
-              <a:solidFill>
-                <a:schemeClr val="accent2"/>
-              </a:solidFill>
-              <a:latin typeface="+mn-lt"/>
-              <a:cs typeface="Arial" panose="020B0604020202020204" pitchFamily="34" charset="0"/>
-            </a:endParaRPr>
-          </a:p>
-        </p:txBody>
-      </p:sp>
       <p:pic>
         <p:nvPicPr>
-          <p:cNvPr id="6" name="Content Placeholder 5"/>
+          <p:cNvPr id="8" name="Picture 7"/>
           <p:cNvPicPr>
-            <a:picLocks noGrp="1" noChangeAspect="1"/>
+            <a:picLocks noChangeAspect="1"/>
           </p:cNvPicPr>
-          <p:nvPr>
-            <p:ph idx="1"/>
-          </p:nvPr>
+          <p:nvPr/>
         </p:nvPicPr>
         <p:blipFill>
-          <a:blip r:embed="rId2" cstate="print">
+          <a:blip r:embed="rId4" cstate="print">
             <a:extLst>
               <a:ext uri="{28A0092B-C50C-407E-A947-70E740481C1C}">
                 <a14:useLocalDpi xmlns:a14="http://schemas.microsoft.com/office/drawing/2010/main" val="0"/>
@@ -5417,21 +4925,24 @@
         </p:blipFill>
         <p:spPr>
           <a:xfrm>
-            <a:off x="3928057" y="1416229"/>
-            <a:ext cx="2909268" cy="4765630"/>
-          </a:xfrm>
+            <a:off x="3190057" y="2784412"/>
+            <a:ext cx="1902176" cy="2560320"/>
+          </a:xfrm>
+          <a:prstGeom prst="rect">
+            <a:avLst/>
+          </a:prstGeom>
         </p:spPr>
       </p:pic>
       <p:sp>
         <p:nvSpPr>
-          <p:cNvPr id="4" name="TextBox 3"/>
+          <p:cNvPr id="13" name="TextBox 12"/>
           <p:cNvSpPr txBox="1"/>
           <p:nvPr/>
         </p:nvSpPr>
         <p:spPr>
           <a:xfrm>
-            <a:off x="8311243" y="6188529"/>
-            <a:ext cx="3347357" cy="369332"/>
+            <a:off x="1326524" y="4790941"/>
+            <a:ext cx="1581407" cy="523220"/>
           </a:xfrm>
           <a:prstGeom prst="rect">
             <a:avLst/>
@@ -5445,120 +4956,190 @@
           <a:lstStyle/>
           <a:p>
             <a:r>
-              <a:rPr lang="en-US" dirty="0"/>
-              <a:t>	Meghana </a:t>
-            </a:r>
-            <a:r>
-              <a:rPr lang="en-US" dirty="0" smtClean="0"/>
-              <a:t>Thakkellapati</a:t>
-            </a:r>
-            <a:endParaRPr lang="en-US" dirty="0"/>
-          </a:p>
-        </p:txBody>
-      </p:sp>
-    </p:spTree>
-    <p:extLst>
-      <p:ext uri="{BB962C8B-B14F-4D97-AF65-F5344CB8AC3E}">
-        <p14:creationId xmlns:p14="http://schemas.microsoft.com/office/powerpoint/2010/main" val="989906722"/>
-      </p:ext>
-    </p:extLst>
-  </p:cSld>
-  <p:clrMapOvr>
-    <a:masterClrMapping/>
-  </p:clrMapOvr>
-  <mc:AlternateContent xmlns:mc="http://schemas.openxmlformats.org/markup-compatibility/2006" xmlns:p14="http://schemas.microsoft.com/office/powerpoint/2010/main">
-    <mc:Choice Requires="p14">
-      <p:transition spd="med" p14:dur="700">
-        <p:fade/>
-      </p:transition>
-    </mc:Choice>
-    <mc:Fallback xmlns="">
-      <p:transition spd="med">
-        <p:fade/>
-      </p:transition>
-    </mc:Fallback>
-  </mc:AlternateContent>
-  <p:timing>
-    <p:tnLst>
-      <p:par>
-        <p:cTn id="1" dur="indefinite" restart="never" nodeType="tmRoot"/>
-      </p:par>
-    </p:tnLst>
-  </p:timing>
-</p:sld>
-</file>
-
-<file path=ppt/slides/slide14.xml><?xml version="1.0" encoding="utf-8"?>
-<p:sld xmlns:a="http://schemas.openxmlformats.org/drawingml/2006/main" xmlns:r="http://schemas.openxmlformats.org/officeDocument/2006/relationships" xmlns:p="http://schemas.openxmlformats.org/presentationml/2006/main">
-  <p:cSld>
-    <p:spTree>
-      <p:nvGrpSpPr>
-        <p:cNvPr id="1" name=""/>
-        <p:cNvGrpSpPr/>
-        <p:nvPr/>
-      </p:nvGrpSpPr>
-      <p:grpSpPr>
-        <a:xfrm>
-          <a:off x="0" y="0"/>
-          <a:ext cx="0" cy="0"/>
-          <a:chOff x="0" y="0"/>
-          <a:chExt cx="0" cy="0"/>
-        </a:xfrm>
-      </p:grpSpPr>
-      <p:sp>
-        <p:nvSpPr>
-          <p:cNvPr id="2" name="Title 1"/>
-          <p:cNvSpPr>
-            <a:spLocks noGrp="1"/>
-          </p:cNvSpPr>
-          <p:nvPr>
-            <p:ph type="title"/>
-          </p:nvPr>
-        </p:nvSpPr>
-        <p:spPr>
-          <a:xfrm>
-            <a:off x="762000" y="559678"/>
-            <a:ext cx="8394880" cy="631813"/>
-          </a:xfrm>
-        </p:spPr>
-        <p:txBody>
-          <a:bodyPr>
-            <a:noAutofit/>
+              <a:rPr lang="en-US" sz="2800" b="1" dirty="0">
+                <a:solidFill>
+                  <a:srgbClr val="00B050"/>
+                </a:solidFill>
+              </a:rPr>
+              <a:t>Sahithya</a:t>
+            </a:r>
+            <a:endParaRPr lang="en-US" sz="2400" b="1" dirty="0">
+              <a:solidFill>
+                <a:srgbClr val="00B050"/>
+              </a:solidFill>
+            </a:endParaRPr>
+          </a:p>
+        </p:txBody>
+      </p:sp>
+      <p:sp>
+        <p:nvSpPr>
+          <p:cNvPr id="14" name="TextBox 13"/>
+          <p:cNvSpPr txBox="1"/>
+          <p:nvPr/>
+        </p:nvSpPr>
+        <p:spPr>
+          <a:xfrm>
+            <a:off x="3438660" y="5100034"/>
+            <a:ext cx="1803042" cy="1138773"/>
+          </a:xfrm>
+          <a:prstGeom prst="rect">
+            <a:avLst/>
+          </a:prstGeom>
+          <a:noFill/>
+        </p:spPr>
+        <p:txBody>
+          <a:bodyPr wrap="square" rtlCol="0">
+            <a:spAutoFit/>
           </a:bodyPr>
           <a:lstStyle/>
           <a:p>
-            <a:r>
-              <a:rPr lang="en-US" sz="4400" b="1" dirty="0">
+            <a:endParaRPr lang="en-US" sz="2000" b="1" dirty="0"/>
+          </a:p>
+          <a:p>
+            <a:endParaRPr lang="en-US" sz="2000" b="1" dirty="0"/>
+          </a:p>
+          <a:p>
+            <a:r>
+              <a:rPr lang="en-US" sz="2800" b="1" dirty="0" err="1">
                 <a:solidFill>
-                  <a:srgbClr val="C00000"/>
+                  <a:srgbClr val="00B050"/>
                 </a:solidFill>
-                <a:latin typeface="+mn-lt"/>
-                <a:cs typeface="Arial" panose="020B0604020202020204" pitchFamily="34" charset="0"/>
               </a:rPr>
-              <a:t>Prototypes continued……</a:t>
-            </a:r>
-            <a:endParaRPr lang="en-US" sz="4000" b="1" i="0" dirty="0">
+              <a:t>Jeevitha</a:t>
+            </a:r>
+            <a:endParaRPr lang="en-US" b="1" dirty="0">
               <a:solidFill>
-                <a:schemeClr val="accent2"/>
+                <a:srgbClr val="00B050"/>
               </a:solidFill>
-              <a:latin typeface="+mn-lt"/>
-              <a:cs typeface="Arial" panose="020B0604020202020204" pitchFamily="34" charset="0"/>
+            </a:endParaRPr>
+          </a:p>
+        </p:txBody>
+      </p:sp>
+      <p:sp>
+        <p:nvSpPr>
+          <p:cNvPr id="15" name="TextBox 14"/>
+          <p:cNvSpPr txBox="1"/>
+          <p:nvPr/>
+        </p:nvSpPr>
+        <p:spPr>
+          <a:xfrm>
+            <a:off x="5615189" y="4726545"/>
+            <a:ext cx="1635617" cy="523220"/>
+          </a:xfrm>
+          <a:prstGeom prst="rect">
+            <a:avLst/>
+          </a:prstGeom>
+          <a:noFill/>
+        </p:spPr>
+        <p:txBody>
+          <a:bodyPr wrap="square" rtlCol="0">
+            <a:spAutoFit/>
+          </a:bodyPr>
+          <a:lstStyle/>
+          <a:p>
+            <a:r>
+              <a:rPr lang="en-US" sz="2800" b="1" dirty="0" err="1">
+                <a:solidFill>
+                  <a:srgbClr val="00B050"/>
+                </a:solidFill>
+              </a:rPr>
+              <a:t>Meghana</a:t>
+            </a:r>
+            <a:endParaRPr lang="en-US" sz="2000" b="1" dirty="0">
+              <a:solidFill>
+                <a:srgbClr val="00B050"/>
+              </a:solidFill>
+            </a:endParaRPr>
+          </a:p>
+        </p:txBody>
+      </p:sp>
+      <p:sp>
+        <p:nvSpPr>
+          <p:cNvPr id="16" name="TextBox 15"/>
+          <p:cNvSpPr txBox="1"/>
+          <p:nvPr/>
+        </p:nvSpPr>
+        <p:spPr>
+          <a:xfrm>
+            <a:off x="7624293" y="5756856"/>
+            <a:ext cx="1725769" cy="523220"/>
+          </a:xfrm>
+          <a:prstGeom prst="rect">
+            <a:avLst/>
+          </a:prstGeom>
+          <a:noFill/>
+        </p:spPr>
+        <p:txBody>
+          <a:bodyPr wrap="square" rtlCol="0">
+            <a:spAutoFit/>
+          </a:bodyPr>
+          <a:lstStyle/>
+          <a:p>
+            <a:r>
+              <a:rPr lang="en-US" sz="2800" b="1" dirty="0" err="1">
+                <a:solidFill>
+                  <a:srgbClr val="00B050"/>
+                </a:solidFill>
+              </a:rPr>
+              <a:t>Manoj</a:t>
+            </a:r>
+            <a:endParaRPr lang="en-US" sz="2400" b="1" dirty="0">
+              <a:solidFill>
+                <a:srgbClr val="00B050"/>
+              </a:solidFill>
+            </a:endParaRPr>
+          </a:p>
+        </p:txBody>
+      </p:sp>
+      <p:sp>
+        <p:nvSpPr>
+          <p:cNvPr id="18" name="TextBox 17"/>
+          <p:cNvSpPr txBox="1"/>
+          <p:nvPr/>
+        </p:nvSpPr>
+        <p:spPr>
+          <a:xfrm>
+            <a:off x="10212946" y="4610637"/>
+            <a:ext cx="1352282" cy="523220"/>
+          </a:xfrm>
+          <a:prstGeom prst="rect">
+            <a:avLst/>
+          </a:prstGeom>
+          <a:noFill/>
+        </p:spPr>
+        <p:txBody>
+          <a:bodyPr wrap="square" rtlCol="0">
+            <a:spAutoFit/>
+          </a:bodyPr>
+          <a:lstStyle/>
+          <a:p>
+            <a:pPr algn="ctr"/>
+            <a:r>
+              <a:rPr lang="en-US" sz="2800" b="1" dirty="0">
+                <a:solidFill>
+                  <a:srgbClr val="00B050"/>
+                </a:solidFill>
+              </a:rPr>
+              <a:t>Suneel</a:t>
+            </a:r>
+            <a:endParaRPr lang="en-US" sz="2000" b="1" dirty="0">
+              <a:solidFill>
+                <a:srgbClr val="00B050"/>
+              </a:solidFill>
             </a:endParaRPr>
           </a:p>
         </p:txBody>
       </p:sp>
       <p:pic>
         <p:nvPicPr>
-          <p:cNvPr id="5" name="Content Placeholder 4"/>
+          <p:cNvPr id="3" name="Picture 2"/>
           <p:cNvPicPr>
-            <a:picLocks noGrp="1" noChangeAspect="1"/>
+            <a:picLocks noChangeAspect="1"/>
           </p:cNvPicPr>
-          <p:nvPr>
-            <p:ph idx="1"/>
-          </p:nvPr>
+          <p:nvPr/>
         </p:nvPicPr>
         <p:blipFill>
-          <a:blip r:embed="rId2" cstate="print">
+          <a:blip r:embed="rId5" cstate="print">
             <a:extLst>
               <a:ext uri="{28A0092B-C50C-407E-A947-70E740481C1C}">
                 <a14:useLocalDpi xmlns:a14="http://schemas.microsoft.com/office/drawing/2010/main" val="0"/>
@@ -5571,172 +5152,24 @@
         </p:blipFill>
         <p:spPr>
           <a:xfrm>
-            <a:off x="4935755" y="1403350"/>
-            <a:ext cx="2472890" cy="4464050"/>
-          </a:xfrm>
-        </p:spPr>
-      </p:pic>
-      <p:sp>
-        <p:nvSpPr>
-          <p:cNvPr id="4" name="TextBox 3"/>
-          <p:cNvSpPr txBox="1"/>
-          <p:nvPr/>
-        </p:nvSpPr>
-        <p:spPr>
-          <a:xfrm>
-            <a:off x="8686800" y="6286500"/>
-            <a:ext cx="3118757" cy="369332"/>
+            <a:off x="1052944" y="1953491"/>
+            <a:ext cx="1911927" cy="2618510"/>
           </a:xfrm>
           <a:prstGeom prst="rect">
             <a:avLst/>
           </a:prstGeom>
-          <a:noFill/>
-        </p:spPr>
-        <p:txBody>
-          <a:bodyPr wrap="square" rtlCol="0">
-            <a:spAutoFit/>
-          </a:bodyPr>
-          <a:lstStyle/>
-          <a:p>
-            <a:r>
-              <a:rPr lang="en-US" dirty="0"/>
-              <a:t>            Meghana </a:t>
-            </a:r>
-            <a:r>
-              <a:rPr lang="en-US" dirty="0" smtClean="0"/>
-              <a:t>Thakkellapati</a:t>
-            </a:r>
-            <a:endParaRPr lang="en-US" dirty="0"/>
-          </a:p>
-        </p:txBody>
-      </p:sp>
+        </p:spPr>
+      </p:pic>
       <p:pic>
         <p:nvPicPr>
-          <p:cNvPr id="22" name="Picture 21"/>
+          <p:cNvPr id="5" name="Picture 4"/>
           <p:cNvPicPr>
             <a:picLocks noChangeAspect="1"/>
           </p:cNvPicPr>
           <p:nvPr/>
         </p:nvPicPr>
         <p:blipFill>
-          <a:blip r:embed="rId3"/>
-          <a:stretch>
-            <a:fillRect/>
-          </a:stretch>
-        </p:blipFill>
-        <p:spPr>
-          <a:xfrm>
-            <a:off x="6012455" y="1905950"/>
-            <a:ext cx="152400" cy="171450"/>
-          </a:xfrm>
-          <a:prstGeom prst="rect">
-            <a:avLst/>
-          </a:prstGeom>
-        </p:spPr>
-      </p:pic>
-    </p:spTree>
-    <p:extLst>
-      <p:ext uri="{BB962C8B-B14F-4D97-AF65-F5344CB8AC3E}">
-        <p14:creationId xmlns:p14="http://schemas.microsoft.com/office/powerpoint/2010/main" val="4110360879"/>
-      </p:ext>
-    </p:extLst>
-  </p:cSld>
-  <p:clrMapOvr>
-    <a:masterClrMapping/>
-  </p:clrMapOvr>
-  <mc:AlternateContent xmlns:mc="http://schemas.openxmlformats.org/markup-compatibility/2006" xmlns:p14="http://schemas.microsoft.com/office/powerpoint/2010/main">
-    <mc:Choice Requires="p14">
-      <p:transition spd="med" p14:dur="700">
-        <p:fade/>
-      </p:transition>
-    </mc:Choice>
-    <mc:Fallback xmlns="">
-      <p:transition spd="med">
-        <p:fade/>
-      </p:transition>
-    </mc:Fallback>
-  </mc:AlternateContent>
-  <p:timing>
-    <p:tnLst>
-      <p:par>
-        <p:cTn id="1" dur="indefinite" restart="never" nodeType="tmRoot"/>
-      </p:par>
-    </p:tnLst>
-  </p:timing>
-</p:sld>
-</file>
-
-<file path=ppt/slides/slide15.xml><?xml version="1.0" encoding="utf-8"?>
-<p:sld xmlns:a="http://schemas.openxmlformats.org/drawingml/2006/main" xmlns:r="http://schemas.openxmlformats.org/officeDocument/2006/relationships" xmlns:p="http://schemas.openxmlformats.org/presentationml/2006/main">
-  <p:cSld>
-    <p:spTree>
-      <p:nvGrpSpPr>
-        <p:cNvPr id="1" name=""/>
-        <p:cNvGrpSpPr/>
-        <p:nvPr/>
-      </p:nvGrpSpPr>
-      <p:grpSpPr>
-        <a:xfrm>
-          <a:off x="0" y="0"/>
-          <a:ext cx="0" cy="0"/>
-          <a:chOff x="0" y="0"/>
-          <a:chExt cx="0" cy="0"/>
-        </a:xfrm>
-      </p:grpSpPr>
-      <p:sp>
-        <p:nvSpPr>
-          <p:cNvPr id="2" name="Title 1"/>
-          <p:cNvSpPr>
-            <a:spLocks noGrp="1"/>
-          </p:cNvSpPr>
-          <p:nvPr>
-            <p:ph type="title"/>
-          </p:nvPr>
-        </p:nvSpPr>
-        <p:spPr>
-          <a:xfrm>
-            <a:off x="762000" y="559678"/>
-            <a:ext cx="8394880" cy="576395"/>
-          </a:xfrm>
-        </p:spPr>
-        <p:txBody>
-          <a:bodyPr>
-            <a:noAutofit/>
-          </a:bodyPr>
-          <a:lstStyle/>
-          <a:p>
-            <a:r>
-              <a:rPr lang="en-US" sz="4400" b="1" dirty="0">
-                <a:solidFill>
-                  <a:srgbClr val="C00000"/>
-                </a:solidFill>
-                <a:latin typeface="+mn-lt"/>
-                <a:cs typeface="Arial" panose="020B0604020202020204" pitchFamily="34" charset="0"/>
-              </a:rPr>
-              <a:t>Prototypes continued……</a:t>
-            </a:r>
-            <a:endParaRPr lang="en-US" sz="4000" b="1" i="0" dirty="0">
-              <a:solidFill>
-                <a:schemeClr val="accent2"/>
-              </a:solidFill>
-              <a:latin typeface="+mn-lt"/>
-              <a:cs typeface="Arial" panose="020B0604020202020204" pitchFamily="34" charset="0"/>
-            </a:endParaRPr>
-          </a:p>
-        </p:txBody>
-      </p:sp>
-      <p:pic>
-        <p:nvPicPr>
-          <p:cNvPr id="5" name="Content Placeholder 4"/>
-          <p:cNvPicPr>
-            <a:picLocks noGrp="1" noChangeAspect="1"/>
-          </p:cNvPicPr>
-          <p:nvPr>
-            <p:ph idx="1"/>
-          </p:nvPr>
-        </p:nvPicPr>
-        <p:blipFill>
-          <a:blip r:embed="rId2" cstate="print">
+          <a:blip r:embed="rId6" cstate="print">
             <a:extLst>
               <a:ext uri="{28A0092B-C50C-407E-A947-70E740481C1C}">
                 <a14:useLocalDpi xmlns:a14="http://schemas.microsoft.com/office/drawing/2010/main" val="0"/>
@@ -5749,652 +5182,8 @@
         </p:blipFill>
         <p:spPr>
           <a:xfrm>
-            <a:off x="4148075" y="1344053"/>
-            <a:ext cx="2429203" cy="4368800"/>
-          </a:xfrm>
-        </p:spPr>
-      </p:pic>
-      <p:sp>
-        <p:nvSpPr>
-          <p:cNvPr id="4" name="TextBox 3"/>
-          <p:cNvSpPr txBox="1"/>
-          <p:nvPr/>
-        </p:nvSpPr>
-        <p:spPr>
-          <a:xfrm>
-            <a:off x="8686800" y="6286500"/>
-            <a:ext cx="3118757" cy="369332"/>
-          </a:xfrm>
-          <a:prstGeom prst="rect">
-            <a:avLst/>
-          </a:prstGeom>
-          <a:noFill/>
-        </p:spPr>
-        <p:txBody>
-          <a:bodyPr wrap="square" rtlCol="0">
-            <a:spAutoFit/>
-          </a:bodyPr>
-          <a:lstStyle/>
-          <a:p>
-            <a:r>
-              <a:rPr lang="en-US" dirty="0"/>
-              <a:t>            Meghana </a:t>
-            </a:r>
-            <a:r>
-              <a:rPr lang="en-US" dirty="0" smtClean="0"/>
-              <a:t>Thakkellapati</a:t>
-            </a:r>
-            <a:endParaRPr lang="en-US" dirty="0"/>
-          </a:p>
-        </p:txBody>
-      </p:sp>
-    </p:spTree>
-    <p:extLst>
-      <p:ext uri="{BB962C8B-B14F-4D97-AF65-F5344CB8AC3E}">
-        <p14:creationId xmlns:p14="http://schemas.microsoft.com/office/powerpoint/2010/main" val="2219972086"/>
-      </p:ext>
-    </p:extLst>
-  </p:cSld>
-  <p:clrMapOvr>
-    <a:masterClrMapping/>
-  </p:clrMapOvr>
-  <mc:AlternateContent xmlns:mc="http://schemas.openxmlformats.org/markup-compatibility/2006" xmlns:p14="http://schemas.microsoft.com/office/powerpoint/2010/main">
-    <mc:Choice Requires="p14">
-      <p:transition spd="med" p14:dur="700">
-        <p:fade/>
-      </p:transition>
-    </mc:Choice>
-    <mc:Fallback xmlns="">
-      <p:transition spd="med">
-        <p:fade/>
-      </p:transition>
-    </mc:Fallback>
-  </mc:AlternateContent>
-  <p:timing>
-    <p:tnLst>
-      <p:par>
-        <p:cTn id="1" dur="indefinite" restart="never" nodeType="tmRoot"/>
-      </p:par>
-    </p:tnLst>
-  </p:timing>
-</p:sld>
-</file>
-
-<file path=ppt/slides/slide16.xml><?xml version="1.0" encoding="utf-8"?>
-<p:sld xmlns:a="http://schemas.openxmlformats.org/drawingml/2006/main" xmlns:r="http://schemas.openxmlformats.org/officeDocument/2006/relationships" xmlns:p="http://schemas.openxmlformats.org/presentationml/2006/main">
-  <p:cSld>
-    <p:spTree>
-      <p:nvGrpSpPr>
-        <p:cNvPr id="1" name=""/>
-        <p:cNvGrpSpPr/>
-        <p:nvPr/>
-      </p:nvGrpSpPr>
-      <p:grpSpPr>
-        <a:xfrm>
-          <a:off x="0" y="0"/>
-          <a:ext cx="0" cy="0"/>
-          <a:chOff x="0" y="0"/>
-          <a:chExt cx="0" cy="0"/>
-        </a:xfrm>
-      </p:grpSpPr>
-      <p:sp>
-        <p:nvSpPr>
-          <p:cNvPr id="2" name="Title 1"/>
-          <p:cNvSpPr>
-            <a:spLocks noGrp="1"/>
-          </p:cNvSpPr>
-          <p:nvPr>
-            <p:ph type="title"/>
-          </p:nvPr>
-        </p:nvSpPr>
-        <p:spPr>
-          <a:xfrm>
-            <a:off x="762000" y="559678"/>
-            <a:ext cx="8394880" cy="534831"/>
-          </a:xfrm>
-        </p:spPr>
-        <p:txBody>
-          <a:bodyPr>
-            <a:noAutofit/>
-          </a:bodyPr>
-          <a:lstStyle/>
-          <a:p>
-            <a:r>
-              <a:rPr lang="en-US" sz="4400" b="1" i="0" dirty="0">
-                <a:solidFill>
-                  <a:srgbClr val="C00000"/>
-                </a:solidFill>
-                <a:latin typeface="+mn-lt"/>
-                <a:cs typeface="Arial" panose="020B0604020202020204" pitchFamily="34" charset="0"/>
-              </a:rPr>
-              <a:t>Prototypes continued……</a:t>
-            </a:r>
-          </a:p>
-        </p:txBody>
-      </p:sp>
-      <p:pic>
-        <p:nvPicPr>
-          <p:cNvPr id="6" name="Content Placeholder 5"/>
-          <p:cNvPicPr>
-            <a:picLocks noGrp="1" noChangeAspect="1"/>
-          </p:cNvPicPr>
-          <p:nvPr>
-            <p:ph idx="1"/>
-          </p:nvPr>
-        </p:nvPicPr>
-        <p:blipFill>
-          <a:blip r:embed="rId2" cstate="print">
-            <a:extLst>
-              <a:ext uri="{28A0092B-C50C-407E-A947-70E740481C1C}">
-                <a14:useLocalDpi xmlns:a14="http://schemas.microsoft.com/office/drawing/2010/main" val="0"/>
-              </a:ext>
-            </a:extLst>
-          </a:blip>
-          <a:stretch>
-            <a:fillRect/>
-          </a:stretch>
-        </p:blipFill>
-        <p:spPr>
-          <a:xfrm>
-            <a:off x="4271823" y="1354652"/>
-            <a:ext cx="2430920" cy="4435475"/>
-          </a:xfrm>
-        </p:spPr>
-      </p:pic>
-      <p:sp>
-        <p:nvSpPr>
-          <p:cNvPr id="4" name="TextBox 3"/>
-          <p:cNvSpPr txBox="1"/>
-          <p:nvPr/>
-        </p:nvSpPr>
-        <p:spPr>
-          <a:xfrm>
-            <a:off x="8686800" y="6286500"/>
-            <a:ext cx="3118757" cy="369332"/>
-          </a:xfrm>
-          <a:prstGeom prst="rect">
-            <a:avLst/>
-          </a:prstGeom>
-          <a:noFill/>
-        </p:spPr>
-        <p:txBody>
-          <a:bodyPr wrap="square" rtlCol="0">
-            <a:spAutoFit/>
-          </a:bodyPr>
-          <a:lstStyle/>
-          <a:p>
-            <a:r>
-              <a:rPr lang="en-US" dirty="0"/>
-              <a:t>            Meghana </a:t>
-            </a:r>
-            <a:r>
-              <a:rPr lang="en-US" dirty="0" smtClean="0"/>
-              <a:t>Thakkellapati</a:t>
-            </a:r>
-            <a:endParaRPr lang="en-US" dirty="0"/>
-          </a:p>
-        </p:txBody>
-      </p:sp>
-    </p:spTree>
-    <p:extLst>
-      <p:ext uri="{BB962C8B-B14F-4D97-AF65-F5344CB8AC3E}">
-        <p14:creationId xmlns:p14="http://schemas.microsoft.com/office/powerpoint/2010/main" val="2657180297"/>
-      </p:ext>
-    </p:extLst>
-  </p:cSld>
-  <p:clrMapOvr>
-    <a:masterClrMapping/>
-  </p:clrMapOvr>
-  <mc:AlternateContent xmlns:mc="http://schemas.openxmlformats.org/markup-compatibility/2006" xmlns:p14="http://schemas.microsoft.com/office/powerpoint/2010/main">
-    <mc:Choice Requires="p14">
-      <p:transition spd="med" p14:dur="700">
-        <p:fade/>
-      </p:transition>
-    </mc:Choice>
-    <mc:Fallback xmlns="">
-      <p:transition spd="med">
-        <p:fade/>
-      </p:transition>
-    </mc:Fallback>
-  </mc:AlternateContent>
-  <p:timing>
-    <p:tnLst>
-      <p:par>
-        <p:cTn id="1" dur="indefinite" restart="never" nodeType="tmRoot"/>
-      </p:par>
-    </p:tnLst>
-  </p:timing>
-</p:sld>
-</file>
-
-<file path=ppt/slides/slide17.xml><?xml version="1.0" encoding="utf-8"?>
-<p:sld xmlns:a="http://schemas.openxmlformats.org/drawingml/2006/main" xmlns:r="http://schemas.openxmlformats.org/officeDocument/2006/relationships" xmlns:p="http://schemas.openxmlformats.org/presentationml/2006/main">
-  <p:cSld>
-    <p:spTree>
-      <p:nvGrpSpPr>
-        <p:cNvPr id="1" name=""/>
-        <p:cNvGrpSpPr/>
-        <p:nvPr/>
-      </p:nvGrpSpPr>
-      <p:grpSpPr>
-        <a:xfrm>
-          <a:off x="0" y="0"/>
-          <a:ext cx="0" cy="0"/>
-          <a:chOff x="0" y="0"/>
-          <a:chExt cx="0" cy="0"/>
-        </a:xfrm>
-      </p:grpSpPr>
-      <p:sp>
-        <p:nvSpPr>
-          <p:cNvPr id="2" name="Title 1"/>
-          <p:cNvSpPr>
-            <a:spLocks noGrp="1"/>
-          </p:cNvSpPr>
-          <p:nvPr>
-            <p:ph type="title"/>
-          </p:nvPr>
-        </p:nvSpPr>
-        <p:spPr>
-          <a:xfrm>
-            <a:off x="762000" y="559678"/>
-            <a:ext cx="8394880" cy="590249"/>
-          </a:xfrm>
-        </p:spPr>
-        <p:txBody>
-          <a:bodyPr>
-            <a:noAutofit/>
-          </a:bodyPr>
-          <a:lstStyle/>
-          <a:p>
-            <a:r>
-              <a:rPr lang="en-US" sz="4400" b="1" dirty="0">
-                <a:solidFill>
-                  <a:srgbClr val="C00000"/>
-                </a:solidFill>
-                <a:latin typeface="+mn-lt"/>
-                <a:cs typeface="Arial" panose="020B0604020202020204" pitchFamily="34" charset="0"/>
-              </a:rPr>
-              <a:t>Prototypes continued……</a:t>
-            </a:r>
-            <a:endParaRPr lang="en-US" sz="4000" b="1" i="0" dirty="0">
-              <a:solidFill>
-                <a:schemeClr val="accent2"/>
-              </a:solidFill>
-              <a:latin typeface="+mn-lt"/>
-              <a:cs typeface="Arial" panose="020B0604020202020204" pitchFamily="34" charset="0"/>
-            </a:endParaRPr>
-          </a:p>
-        </p:txBody>
-      </p:sp>
-      <p:pic>
-        <p:nvPicPr>
-          <p:cNvPr id="5" name="Content Placeholder 4"/>
-          <p:cNvPicPr>
-            <a:picLocks noGrp="1" noChangeAspect="1"/>
-          </p:cNvPicPr>
-          <p:nvPr>
-            <p:ph idx="1"/>
-          </p:nvPr>
-        </p:nvPicPr>
-        <p:blipFill>
-          <a:blip r:embed="rId2" cstate="print">
-            <a:extLst>
-              <a:ext uri="{28A0092B-C50C-407E-A947-70E740481C1C}">
-                <a14:useLocalDpi xmlns:a14="http://schemas.microsoft.com/office/drawing/2010/main" val="0"/>
-              </a:ext>
-            </a:extLst>
-          </a:blip>
-          <a:stretch>
-            <a:fillRect/>
-          </a:stretch>
-        </p:blipFill>
-        <p:spPr>
-          <a:xfrm>
-            <a:off x="3911520" y="1367530"/>
-            <a:ext cx="2430310" cy="4435475"/>
-          </a:xfrm>
-        </p:spPr>
-      </p:pic>
-      <p:sp>
-        <p:nvSpPr>
-          <p:cNvPr id="4" name="TextBox 3"/>
-          <p:cNvSpPr txBox="1"/>
-          <p:nvPr/>
-        </p:nvSpPr>
-        <p:spPr>
-          <a:xfrm>
-            <a:off x="8686800" y="6286500"/>
-            <a:ext cx="3118757" cy="369332"/>
-          </a:xfrm>
-          <a:prstGeom prst="rect">
-            <a:avLst/>
-          </a:prstGeom>
-          <a:noFill/>
-        </p:spPr>
-        <p:txBody>
-          <a:bodyPr wrap="square" rtlCol="0">
-            <a:spAutoFit/>
-          </a:bodyPr>
-          <a:lstStyle/>
-          <a:p>
-            <a:r>
-              <a:rPr lang="en-US" dirty="0"/>
-              <a:t>            Meghana </a:t>
-            </a:r>
-            <a:r>
-              <a:rPr lang="en-US" dirty="0" smtClean="0"/>
-              <a:t>Thakkellapati</a:t>
-            </a:r>
-            <a:endParaRPr lang="en-US" dirty="0"/>
-          </a:p>
-        </p:txBody>
-      </p:sp>
-    </p:spTree>
-    <p:extLst>
-      <p:ext uri="{BB962C8B-B14F-4D97-AF65-F5344CB8AC3E}">
-        <p14:creationId xmlns:p14="http://schemas.microsoft.com/office/powerpoint/2010/main" val="523697995"/>
-      </p:ext>
-    </p:extLst>
-  </p:cSld>
-  <p:clrMapOvr>
-    <a:masterClrMapping/>
-  </p:clrMapOvr>
-  <mc:AlternateContent xmlns:mc="http://schemas.openxmlformats.org/markup-compatibility/2006" xmlns:p14="http://schemas.microsoft.com/office/powerpoint/2010/main">
-    <mc:Choice Requires="p14">
-      <p:transition spd="med" p14:dur="700">
-        <p:fade/>
-      </p:transition>
-    </mc:Choice>
-    <mc:Fallback xmlns="">
-      <p:transition spd="med">
-        <p:fade/>
-      </p:transition>
-    </mc:Fallback>
-  </mc:AlternateContent>
-  <p:timing>
-    <p:tnLst>
-      <p:par>
-        <p:cTn id="1" dur="indefinite" restart="never" nodeType="tmRoot"/>
-      </p:par>
-    </p:tnLst>
-  </p:timing>
-</p:sld>
-</file>
-
-<file path=ppt/slides/slide18.xml><?xml version="1.0" encoding="utf-8"?>
-<p:sld xmlns:a="http://schemas.openxmlformats.org/drawingml/2006/main" xmlns:r="http://schemas.openxmlformats.org/officeDocument/2006/relationships" xmlns:p="http://schemas.openxmlformats.org/presentationml/2006/main">
-  <p:cSld>
-    <p:spTree>
-      <p:nvGrpSpPr>
-        <p:cNvPr id="1" name=""/>
-        <p:cNvGrpSpPr/>
-        <p:nvPr/>
-      </p:nvGrpSpPr>
-      <p:grpSpPr>
-        <a:xfrm>
-          <a:off x="0" y="0"/>
-          <a:ext cx="0" cy="0"/>
-          <a:chOff x="0" y="0"/>
-          <a:chExt cx="0" cy="0"/>
-        </a:xfrm>
-      </p:grpSpPr>
-      <p:sp>
-        <p:nvSpPr>
-          <p:cNvPr id="2" name="Title 1"/>
-          <p:cNvSpPr>
-            <a:spLocks noGrp="1"/>
-          </p:cNvSpPr>
-          <p:nvPr>
-            <p:ph type="title"/>
-          </p:nvPr>
-        </p:nvSpPr>
-        <p:spPr>
-          <a:xfrm>
-            <a:off x="762000" y="559678"/>
-            <a:ext cx="8394880" cy="590249"/>
-          </a:xfrm>
-        </p:spPr>
-        <p:txBody>
-          <a:bodyPr>
-            <a:noAutofit/>
-          </a:bodyPr>
-          <a:lstStyle/>
-          <a:p>
-            <a:r>
-              <a:rPr lang="en-US" sz="4400" b="1" dirty="0">
-                <a:solidFill>
-                  <a:srgbClr val="C00000"/>
-                </a:solidFill>
-                <a:latin typeface="+mn-lt"/>
-                <a:cs typeface="Arial" panose="020B0604020202020204" pitchFamily="34" charset="0"/>
-              </a:rPr>
-              <a:t>Prototypes continued……</a:t>
-            </a:r>
-            <a:endParaRPr lang="en-US" sz="4000" b="1" i="0" dirty="0">
-              <a:solidFill>
-                <a:schemeClr val="accent2"/>
-              </a:solidFill>
-              <a:latin typeface="+mn-lt"/>
-              <a:cs typeface="Arial" panose="020B0604020202020204" pitchFamily="34" charset="0"/>
-            </a:endParaRPr>
-          </a:p>
-        </p:txBody>
-      </p:sp>
-      <p:pic>
-        <p:nvPicPr>
-          <p:cNvPr id="7" name="Content Placeholder 6"/>
-          <p:cNvPicPr>
-            <a:picLocks noGrp="1" noChangeAspect="1"/>
-          </p:cNvPicPr>
-          <p:nvPr>
-            <p:ph idx="1"/>
-          </p:nvPr>
-        </p:nvPicPr>
-        <p:blipFill>
-          <a:blip r:embed="rId2" cstate="print">
-            <a:extLst>
-              <a:ext uri="{28A0092B-C50C-407E-A947-70E740481C1C}">
-                <a14:useLocalDpi xmlns:a14="http://schemas.microsoft.com/office/drawing/2010/main" val="0"/>
-              </a:ext>
-            </a:extLst>
-          </a:blip>
-          <a:stretch>
-            <a:fillRect/>
-          </a:stretch>
-        </p:blipFill>
-        <p:spPr>
-          <a:xfrm>
-            <a:off x="4940738" y="1403350"/>
-            <a:ext cx="2462924" cy="4464050"/>
-          </a:xfrm>
-        </p:spPr>
-      </p:pic>
-      <p:sp>
-        <p:nvSpPr>
-          <p:cNvPr id="4" name="TextBox 3"/>
-          <p:cNvSpPr txBox="1"/>
-          <p:nvPr/>
-        </p:nvSpPr>
-        <p:spPr>
-          <a:xfrm>
-            <a:off x="9156880" y="6171623"/>
-            <a:ext cx="2922815" cy="369332"/>
-          </a:xfrm>
-          <a:prstGeom prst="rect">
-            <a:avLst/>
-          </a:prstGeom>
-          <a:noFill/>
-        </p:spPr>
-        <p:txBody>
-          <a:bodyPr wrap="square" rtlCol="0">
-            <a:spAutoFit/>
-          </a:bodyPr>
-          <a:lstStyle/>
-          <a:p>
-            <a:r>
-              <a:rPr lang="en-US" dirty="0"/>
-              <a:t> Meghana </a:t>
-            </a:r>
-            <a:r>
-              <a:rPr lang="en-US" dirty="0" smtClean="0"/>
-              <a:t>Thakkellapati</a:t>
-            </a:r>
-            <a:endParaRPr lang="en-US" dirty="0"/>
-          </a:p>
-        </p:txBody>
-      </p:sp>
-    </p:spTree>
-    <p:extLst>
-      <p:ext uri="{BB962C8B-B14F-4D97-AF65-F5344CB8AC3E}">
-        <p14:creationId xmlns:p14="http://schemas.microsoft.com/office/powerpoint/2010/main" val="4188069138"/>
-      </p:ext>
-    </p:extLst>
-  </p:cSld>
-  <p:clrMapOvr>
-    <a:masterClrMapping/>
-  </p:clrMapOvr>
-  <mc:AlternateContent xmlns:mc="http://schemas.openxmlformats.org/markup-compatibility/2006" xmlns:p14="http://schemas.microsoft.com/office/powerpoint/2010/main">
-    <mc:Choice Requires="p14">
-      <p:transition spd="med" p14:dur="700">
-        <p:fade/>
-      </p:transition>
-    </mc:Choice>
-    <mc:Fallback xmlns="">
-      <p:transition spd="med">
-        <p:fade/>
-      </p:transition>
-    </mc:Fallback>
-  </mc:AlternateContent>
-  <p:timing>
-    <p:tnLst>
-      <p:par>
-        <p:cTn id="1" dur="indefinite" restart="never" nodeType="tmRoot"/>
-      </p:par>
-    </p:tnLst>
-  </p:timing>
-</p:sld>
-</file>
-
-<file path=ppt/slides/slide19.xml><?xml version="1.0" encoding="utf-8"?>
-<p:sld xmlns:a="http://schemas.openxmlformats.org/drawingml/2006/main" xmlns:r="http://schemas.openxmlformats.org/officeDocument/2006/relationships" xmlns:p="http://schemas.openxmlformats.org/presentationml/2006/main">
-  <p:cSld>
-    <p:spTree>
-      <p:nvGrpSpPr>
-        <p:cNvPr id="1" name=""/>
-        <p:cNvGrpSpPr/>
-        <p:nvPr/>
-      </p:nvGrpSpPr>
-      <p:grpSpPr>
-        <a:xfrm>
-          <a:off x="0" y="0"/>
-          <a:ext cx="0" cy="0"/>
-          <a:chOff x="0" y="0"/>
-          <a:chExt cx="0" cy="0"/>
-        </a:xfrm>
-      </p:grpSpPr>
-      <p:sp>
-        <p:nvSpPr>
-          <p:cNvPr id="2" name="Title 1"/>
-          <p:cNvSpPr>
-            <a:spLocks noGrp="1"/>
-          </p:cNvSpPr>
-          <p:nvPr>
-            <p:ph type="title"/>
-          </p:nvPr>
-        </p:nvSpPr>
-        <p:spPr>
-          <a:xfrm>
-            <a:off x="762000" y="559678"/>
-            <a:ext cx="5334000" cy="770358"/>
-          </a:xfrm>
-        </p:spPr>
-        <p:txBody>
-          <a:bodyPr>
-            <a:normAutofit/>
-          </a:bodyPr>
-          <a:lstStyle/>
-          <a:p>
-            <a:r>
-              <a:rPr lang="en-US" sz="4400" b="1" i="0" dirty="0">
-                <a:solidFill>
-                  <a:srgbClr val="C00000"/>
-                </a:solidFill>
-                <a:latin typeface="+mn-lt"/>
-                <a:cs typeface="Arial" panose="020B0604020202020204" pitchFamily="34" charset="0"/>
-              </a:rPr>
-              <a:t>Implementation</a:t>
-            </a:r>
-            <a:endParaRPr lang="en-US" sz="4400" dirty="0">
-              <a:solidFill>
-                <a:srgbClr val="C00000"/>
-              </a:solidFill>
-              <a:latin typeface="+mn-lt"/>
-            </a:endParaRPr>
-          </a:p>
-        </p:txBody>
-      </p:sp>
-      <p:sp>
-        <p:nvSpPr>
-          <p:cNvPr id="3" name="TextBox 2"/>
-          <p:cNvSpPr txBox="1"/>
-          <p:nvPr/>
-        </p:nvSpPr>
-        <p:spPr>
-          <a:xfrm>
-            <a:off x="8134066" y="5786651"/>
-            <a:ext cx="3343701" cy="369332"/>
-          </a:xfrm>
-          <a:prstGeom prst="rect">
-            <a:avLst/>
-          </a:prstGeom>
-          <a:noFill/>
-        </p:spPr>
-        <p:txBody>
-          <a:bodyPr wrap="square" rtlCol="0">
-            <a:spAutoFit/>
-          </a:bodyPr>
-          <a:lstStyle/>
-          <a:p>
-            <a:r>
-              <a:rPr lang="en-US" dirty="0" smtClean="0"/>
-              <a:t>	</a:t>
-            </a:r>
-            <a:r>
-              <a:rPr lang="en-US" dirty="0" err="1" smtClean="0"/>
-              <a:t>Manoj</a:t>
-            </a:r>
-            <a:r>
-              <a:rPr lang="en-US" dirty="0" smtClean="0"/>
-              <a:t> Kumar Kotte</a:t>
-            </a:r>
-            <a:endParaRPr lang="en-US" dirty="0"/>
-          </a:p>
-        </p:txBody>
-      </p:sp>
-      <p:pic>
-        <p:nvPicPr>
-          <p:cNvPr id="5" name="Picture 4"/>
-          <p:cNvPicPr>
-            <a:picLocks noChangeAspect="1"/>
-          </p:cNvPicPr>
-          <p:nvPr/>
-        </p:nvPicPr>
-        <p:blipFill>
-          <a:blip r:embed="rId2">
-            <a:extLst>
-              <a:ext uri="{28A0092B-C50C-407E-A947-70E740481C1C}">
-                <a14:useLocalDpi xmlns:a14="http://schemas.microsoft.com/office/drawing/2010/main" val="0"/>
-              </a:ext>
-            </a:extLst>
-          </a:blip>
-          <a:stretch>
-            <a:fillRect/>
-          </a:stretch>
-        </p:blipFill>
-        <p:spPr>
-          <a:xfrm>
-            <a:off x="2356834" y="2021984"/>
-            <a:ext cx="7727324" cy="3116686"/>
+            <a:off x="5196787" y="1871945"/>
+            <a:ext cx="2054019" cy="2738692"/>
           </a:xfrm>
           <a:prstGeom prst="rect">
             <a:avLst/>
@@ -6404,7 +5193,7 @@
     </p:spTree>
     <p:extLst>
       <p:ext uri="{BB962C8B-B14F-4D97-AF65-F5344CB8AC3E}">
-        <p14:creationId xmlns:p14="http://schemas.microsoft.com/office/powerpoint/2010/main" val="1390182821"/>
+        <p14:creationId xmlns:p14="http://schemas.microsoft.com/office/powerpoint/2010/main" val="200946080"/>
       </p:ext>
     </p:extLst>
   </p:cSld>
@@ -6511,7 +5300,7 @@
         </p:blipFill>
         <p:spPr>
           <a:xfrm>
-            <a:off x="7362453" y="2738692"/>
+            <a:off x="7436155" y="2738692"/>
             <a:ext cx="1988820" cy="2651760"/>
           </a:xfrm>
         </p:spPr>
@@ -6576,16 +5365,213 @@
           </a:prstGeom>
         </p:spPr>
       </p:pic>
+      <p:sp>
+        <p:nvSpPr>
+          <p:cNvPr id="13" name="TextBox 12"/>
+          <p:cNvSpPr txBox="1"/>
+          <p:nvPr/>
+        </p:nvSpPr>
+        <p:spPr>
+          <a:xfrm>
+            <a:off x="1326524" y="4790941"/>
+            <a:ext cx="1581407" cy="523220"/>
+          </a:xfrm>
+          <a:prstGeom prst="rect">
+            <a:avLst/>
+          </a:prstGeom>
+          <a:noFill/>
+        </p:spPr>
+        <p:txBody>
+          <a:bodyPr wrap="square" rtlCol="0">
+            <a:spAutoFit/>
+          </a:bodyPr>
+          <a:lstStyle/>
+          <a:p>
+            <a:r>
+              <a:rPr lang="en-US" sz="2800" b="1" dirty="0">
+                <a:solidFill>
+                  <a:srgbClr val="00B050"/>
+                </a:solidFill>
+              </a:rPr>
+              <a:t>Sahithya</a:t>
+            </a:r>
+            <a:endParaRPr lang="en-US" sz="2400" b="1" dirty="0">
+              <a:solidFill>
+                <a:srgbClr val="00B050"/>
+              </a:solidFill>
+            </a:endParaRPr>
+          </a:p>
+        </p:txBody>
+      </p:sp>
+      <p:sp>
+        <p:nvSpPr>
+          <p:cNvPr id="14" name="TextBox 13"/>
+          <p:cNvSpPr txBox="1"/>
+          <p:nvPr/>
+        </p:nvSpPr>
+        <p:spPr>
+          <a:xfrm>
+            <a:off x="3438660" y="5100034"/>
+            <a:ext cx="1803042" cy="1138773"/>
+          </a:xfrm>
+          <a:prstGeom prst="rect">
+            <a:avLst/>
+          </a:prstGeom>
+          <a:noFill/>
+        </p:spPr>
+        <p:txBody>
+          <a:bodyPr wrap="square" rtlCol="0">
+            <a:spAutoFit/>
+          </a:bodyPr>
+          <a:lstStyle/>
+          <a:p>
+            <a:endParaRPr lang="en-US" sz="2000" b="1" dirty="0"/>
+          </a:p>
+          <a:p>
+            <a:endParaRPr lang="en-US" sz="2000" b="1" dirty="0"/>
+          </a:p>
+          <a:p>
+            <a:r>
+              <a:rPr lang="en-US" sz="2800" b="1" dirty="0" err="1">
+                <a:solidFill>
+                  <a:srgbClr val="00B050"/>
+                </a:solidFill>
+              </a:rPr>
+              <a:t>Jeevitha</a:t>
+            </a:r>
+            <a:endParaRPr lang="en-US" b="1" dirty="0">
+              <a:solidFill>
+                <a:srgbClr val="00B050"/>
+              </a:solidFill>
+            </a:endParaRPr>
+          </a:p>
+        </p:txBody>
+      </p:sp>
+      <p:sp>
+        <p:nvSpPr>
+          <p:cNvPr id="15" name="TextBox 14"/>
+          <p:cNvSpPr txBox="1"/>
+          <p:nvPr/>
+        </p:nvSpPr>
+        <p:spPr>
+          <a:xfrm>
+            <a:off x="5615189" y="4726545"/>
+            <a:ext cx="1635617" cy="523220"/>
+          </a:xfrm>
+          <a:prstGeom prst="rect">
+            <a:avLst/>
+          </a:prstGeom>
+          <a:noFill/>
+        </p:spPr>
+        <p:txBody>
+          <a:bodyPr wrap="square" rtlCol="0">
+            <a:spAutoFit/>
+          </a:bodyPr>
+          <a:lstStyle/>
+          <a:p>
+            <a:r>
+              <a:rPr lang="en-US" sz="2800" b="1" dirty="0" err="1">
+                <a:solidFill>
+                  <a:srgbClr val="00B050"/>
+                </a:solidFill>
+              </a:rPr>
+              <a:t>Meghana</a:t>
+            </a:r>
+            <a:endParaRPr lang="en-US" sz="2000" b="1" dirty="0">
+              <a:solidFill>
+                <a:srgbClr val="00B050"/>
+              </a:solidFill>
+            </a:endParaRPr>
+          </a:p>
+        </p:txBody>
+      </p:sp>
+      <p:sp>
+        <p:nvSpPr>
+          <p:cNvPr id="16" name="TextBox 15"/>
+          <p:cNvSpPr txBox="1"/>
+          <p:nvPr/>
+        </p:nvSpPr>
+        <p:spPr>
+          <a:xfrm>
+            <a:off x="7624293" y="5756856"/>
+            <a:ext cx="1725769" cy="523220"/>
+          </a:xfrm>
+          <a:prstGeom prst="rect">
+            <a:avLst/>
+          </a:prstGeom>
+          <a:noFill/>
+        </p:spPr>
+        <p:txBody>
+          <a:bodyPr wrap="square" rtlCol="0">
+            <a:spAutoFit/>
+          </a:bodyPr>
+          <a:lstStyle/>
+          <a:p>
+            <a:r>
+              <a:rPr lang="en-US" sz="2800" b="1" dirty="0" err="1">
+                <a:solidFill>
+                  <a:srgbClr val="00B050"/>
+                </a:solidFill>
+              </a:rPr>
+              <a:t>Manoj</a:t>
+            </a:r>
+            <a:endParaRPr lang="en-US" sz="2400" b="1" dirty="0">
+              <a:solidFill>
+                <a:srgbClr val="00B050"/>
+              </a:solidFill>
+            </a:endParaRPr>
+          </a:p>
+        </p:txBody>
+      </p:sp>
+      <p:sp>
+        <p:nvSpPr>
+          <p:cNvPr id="18" name="TextBox 17"/>
+          <p:cNvSpPr txBox="1"/>
+          <p:nvPr/>
+        </p:nvSpPr>
+        <p:spPr>
+          <a:xfrm>
+            <a:off x="10212946" y="4610637"/>
+            <a:ext cx="1352282" cy="523220"/>
+          </a:xfrm>
+          <a:prstGeom prst="rect">
+            <a:avLst/>
+          </a:prstGeom>
+          <a:noFill/>
+        </p:spPr>
+        <p:txBody>
+          <a:bodyPr wrap="square" rtlCol="0">
+            <a:spAutoFit/>
+          </a:bodyPr>
+          <a:lstStyle/>
+          <a:p>
+            <a:pPr algn="ctr"/>
+            <a:r>
+              <a:rPr lang="en-US" sz="2800" b="1" dirty="0">
+                <a:solidFill>
+                  <a:srgbClr val="00B050"/>
+                </a:solidFill>
+              </a:rPr>
+              <a:t>Suneel</a:t>
+            </a:r>
+            <a:endParaRPr lang="en-US" sz="2000" b="1" dirty="0">
+              <a:solidFill>
+                <a:srgbClr val="00B050"/>
+              </a:solidFill>
+            </a:endParaRPr>
+          </a:p>
+        </p:txBody>
+      </p:sp>
       <p:pic>
         <p:nvPicPr>
-          <p:cNvPr id="10" name="Picture 9"/>
+          <p:cNvPr id="3" name="Picture 2"/>
           <p:cNvPicPr>
             <a:picLocks noChangeAspect="1"/>
           </p:cNvPicPr>
           <p:nvPr/>
         </p:nvPicPr>
         <p:blipFill>
-          <a:blip r:embed="rId5">
+          <a:blip r:embed="rId5" cstate="print">
             <a:extLst>
               <a:ext uri="{28A0092B-C50C-407E-A947-70E740481C1C}">
                 <a14:useLocalDpi xmlns:a14="http://schemas.microsoft.com/office/drawing/2010/main" val="0"/>
@@ -6598,214 +5584,17 @@
         </p:blipFill>
         <p:spPr>
           <a:xfrm>
-            <a:off x="5285215" y="1707523"/>
-            <a:ext cx="1867437" cy="2646830"/>
+            <a:off x="1052944" y="1953491"/>
+            <a:ext cx="1911927" cy="2618510"/>
           </a:xfrm>
           <a:prstGeom prst="rect">
             <a:avLst/>
           </a:prstGeom>
         </p:spPr>
       </p:pic>
-      <p:sp>
-        <p:nvSpPr>
-          <p:cNvPr id="13" name="TextBox 12"/>
-          <p:cNvSpPr txBox="1"/>
-          <p:nvPr/>
-        </p:nvSpPr>
-        <p:spPr>
-          <a:xfrm>
-            <a:off x="1326524" y="4790941"/>
-            <a:ext cx="1581407" cy="523220"/>
-          </a:xfrm>
-          <a:prstGeom prst="rect">
-            <a:avLst/>
-          </a:prstGeom>
-          <a:noFill/>
-        </p:spPr>
-        <p:txBody>
-          <a:bodyPr wrap="square" rtlCol="0">
-            <a:spAutoFit/>
-          </a:bodyPr>
-          <a:lstStyle/>
-          <a:p>
-            <a:r>
-              <a:rPr lang="en-US" sz="2800" b="1" dirty="0">
-                <a:solidFill>
-                  <a:srgbClr val="00B050"/>
-                </a:solidFill>
-              </a:rPr>
-              <a:t>Sahithya</a:t>
-            </a:r>
-            <a:endParaRPr lang="en-US" sz="2400" b="1" dirty="0">
-              <a:solidFill>
-                <a:srgbClr val="00B050"/>
-              </a:solidFill>
-            </a:endParaRPr>
-          </a:p>
-        </p:txBody>
-      </p:sp>
-      <p:sp>
-        <p:nvSpPr>
-          <p:cNvPr id="14" name="TextBox 13"/>
-          <p:cNvSpPr txBox="1"/>
-          <p:nvPr/>
-        </p:nvSpPr>
-        <p:spPr>
-          <a:xfrm>
-            <a:off x="3438660" y="5100034"/>
-            <a:ext cx="1803042" cy="1138773"/>
-          </a:xfrm>
-          <a:prstGeom prst="rect">
-            <a:avLst/>
-          </a:prstGeom>
-          <a:noFill/>
-        </p:spPr>
-        <p:txBody>
-          <a:bodyPr wrap="square" rtlCol="0">
-            <a:spAutoFit/>
-          </a:bodyPr>
-          <a:lstStyle/>
-          <a:p>
-            <a:endParaRPr lang="en-US" sz="2000" b="1" dirty="0"/>
-          </a:p>
-          <a:p>
-            <a:endParaRPr lang="en-US" sz="2000" b="1" dirty="0"/>
-          </a:p>
-          <a:p>
-            <a:r>
-              <a:rPr lang="en-US" sz="2800" b="1" dirty="0" err="1">
-                <a:solidFill>
-                  <a:srgbClr val="00B050"/>
-                </a:solidFill>
-              </a:rPr>
-              <a:t>Jeevitha</a:t>
-            </a:r>
-            <a:endParaRPr lang="en-US" b="1" dirty="0">
-              <a:solidFill>
-                <a:srgbClr val="00B050"/>
-              </a:solidFill>
-            </a:endParaRPr>
-          </a:p>
-        </p:txBody>
-      </p:sp>
-      <p:sp>
-        <p:nvSpPr>
-          <p:cNvPr id="15" name="TextBox 14"/>
-          <p:cNvSpPr txBox="1"/>
-          <p:nvPr/>
-        </p:nvSpPr>
-        <p:spPr>
-          <a:xfrm>
-            <a:off x="5615189" y="4726545"/>
-            <a:ext cx="1635617" cy="523220"/>
-          </a:xfrm>
-          <a:prstGeom prst="rect">
-            <a:avLst/>
-          </a:prstGeom>
-          <a:noFill/>
-        </p:spPr>
-        <p:txBody>
-          <a:bodyPr wrap="square" rtlCol="0">
-            <a:spAutoFit/>
-          </a:bodyPr>
-          <a:lstStyle/>
-          <a:p>
-            <a:r>
-              <a:rPr lang="en-US" sz="2800" b="1" dirty="0" err="1">
-                <a:solidFill>
-                  <a:srgbClr val="00B050"/>
-                </a:solidFill>
-              </a:rPr>
-              <a:t>Meghana</a:t>
-            </a:r>
-            <a:endParaRPr lang="en-US" sz="2000" b="1" dirty="0">
-              <a:solidFill>
-                <a:srgbClr val="00B050"/>
-              </a:solidFill>
-            </a:endParaRPr>
-          </a:p>
-        </p:txBody>
-      </p:sp>
-      <p:sp>
-        <p:nvSpPr>
-          <p:cNvPr id="16" name="TextBox 15"/>
-          <p:cNvSpPr txBox="1"/>
-          <p:nvPr/>
-        </p:nvSpPr>
-        <p:spPr>
-          <a:xfrm>
-            <a:off x="7624293" y="5756856"/>
-            <a:ext cx="1725769" cy="523220"/>
-          </a:xfrm>
-          <a:prstGeom prst="rect">
-            <a:avLst/>
-          </a:prstGeom>
-          <a:noFill/>
-        </p:spPr>
-        <p:txBody>
-          <a:bodyPr wrap="square" rtlCol="0">
-            <a:spAutoFit/>
-          </a:bodyPr>
-          <a:lstStyle/>
-          <a:p>
-            <a:r>
-              <a:rPr lang="en-US" sz="2800" b="1" dirty="0" err="1">
-                <a:solidFill>
-                  <a:srgbClr val="00B050"/>
-                </a:solidFill>
-              </a:rPr>
-              <a:t>Manoj</a:t>
-            </a:r>
-            <a:endParaRPr lang="en-US" sz="2400" b="1" dirty="0">
-              <a:solidFill>
-                <a:srgbClr val="00B050"/>
-              </a:solidFill>
-            </a:endParaRPr>
-          </a:p>
-        </p:txBody>
-      </p:sp>
-      <p:sp>
-        <p:nvSpPr>
-          <p:cNvPr id="18" name="TextBox 17"/>
-          <p:cNvSpPr txBox="1"/>
-          <p:nvPr/>
-        </p:nvSpPr>
-        <p:spPr>
-          <a:xfrm>
-            <a:off x="10212946" y="4610637"/>
-            <a:ext cx="1352282" cy="523220"/>
-          </a:xfrm>
-          <a:prstGeom prst="rect">
-            <a:avLst/>
-          </a:prstGeom>
-          <a:noFill/>
-        </p:spPr>
-        <p:txBody>
-          <a:bodyPr wrap="square" rtlCol="0">
-            <a:spAutoFit/>
-          </a:bodyPr>
-          <a:lstStyle/>
-          <a:p>
-            <a:pPr algn="ctr"/>
-            <a:r>
-              <a:rPr lang="en-US" sz="2800" b="1" dirty="0">
-                <a:solidFill>
-                  <a:srgbClr val="00B050"/>
-                </a:solidFill>
-              </a:rPr>
-              <a:t>Suneel</a:t>
-            </a:r>
-            <a:endParaRPr lang="en-US" sz="2000" b="1" dirty="0">
-              <a:solidFill>
-                <a:srgbClr val="00B050"/>
-              </a:solidFill>
-            </a:endParaRPr>
-          </a:p>
-        </p:txBody>
-      </p:sp>
       <p:pic>
         <p:nvPicPr>
-          <p:cNvPr id="3" name="Picture 2"/>
+          <p:cNvPr id="5" name="Picture 4"/>
           <p:cNvPicPr>
             <a:picLocks noChangeAspect="1"/>
           </p:cNvPicPr>
@@ -6825,8 +5614,8 @@
         </p:blipFill>
         <p:spPr>
           <a:xfrm>
-            <a:off x="1052944" y="1953491"/>
-            <a:ext cx="1911927" cy="2618510"/>
+            <a:off x="5196787" y="1871945"/>
+            <a:ext cx="2054019" cy="2738692"/>
           </a:xfrm>
           <a:prstGeom prst="rect">
             <a:avLst/>
@@ -6837,1508 +5626,6 @@
     <p:extLst>
       <p:ext uri="{BB962C8B-B14F-4D97-AF65-F5344CB8AC3E}">
         <p14:creationId xmlns:p14="http://schemas.microsoft.com/office/powerpoint/2010/main" val="1509681019"/>
-      </p:ext>
-    </p:extLst>
-  </p:cSld>
-  <p:clrMapOvr>
-    <a:masterClrMapping/>
-  </p:clrMapOvr>
-  <mc:AlternateContent xmlns:mc="http://schemas.openxmlformats.org/markup-compatibility/2006" xmlns:p14="http://schemas.microsoft.com/office/powerpoint/2010/main">
-    <mc:Choice Requires="p14">
-      <p:transition spd="med" p14:dur="700">
-        <p:fade/>
-      </p:transition>
-    </mc:Choice>
-    <mc:Fallback xmlns="">
-      <p:transition spd="med">
-        <p:fade/>
-      </p:transition>
-    </mc:Fallback>
-  </mc:AlternateContent>
-  <p:timing>
-    <p:tnLst>
-      <p:par>
-        <p:cTn id="1" dur="indefinite" restart="never" nodeType="tmRoot"/>
-      </p:par>
-    </p:tnLst>
-  </p:timing>
-</p:sld>
-</file>
-
-<file path=ppt/slides/slide20.xml><?xml version="1.0" encoding="utf-8"?>
-<p:sld xmlns:a="http://schemas.openxmlformats.org/drawingml/2006/main" xmlns:r="http://schemas.openxmlformats.org/officeDocument/2006/relationships" xmlns:p="http://schemas.openxmlformats.org/presentationml/2006/main">
-  <p:cSld>
-    <p:spTree>
-      <p:nvGrpSpPr>
-        <p:cNvPr id="1" name=""/>
-        <p:cNvGrpSpPr/>
-        <p:nvPr/>
-      </p:nvGrpSpPr>
-      <p:grpSpPr>
-        <a:xfrm>
-          <a:off x="0" y="0"/>
-          <a:ext cx="0" cy="0"/>
-          <a:chOff x="0" y="0"/>
-          <a:chExt cx="0" cy="0"/>
-        </a:xfrm>
-      </p:grpSpPr>
-      <p:sp>
-        <p:nvSpPr>
-          <p:cNvPr id="2" name="Title 1"/>
-          <p:cNvSpPr>
-            <a:spLocks noGrp="1"/>
-          </p:cNvSpPr>
-          <p:nvPr>
-            <p:ph type="title"/>
-          </p:nvPr>
-        </p:nvSpPr>
-        <p:spPr>
-          <a:xfrm>
-            <a:off x="762000" y="559678"/>
-            <a:ext cx="9591822" cy="617958"/>
-          </a:xfrm>
-        </p:spPr>
-        <p:txBody>
-          <a:bodyPr>
-            <a:noAutofit/>
-          </a:bodyPr>
-          <a:lstStyle/>
-          <a:p>
-            <a:r>
-              <a:rPr lang="en-US" sz="4400" b="1" i="0" dirty="0">
-                <a:solidFill>
-                  <a:srgbClr val="C00000"/>
-                </a:solidFill>
-                <a:latin typeface="+mn-lt"/>
-                <a:cs typeface="Arial" panose="020B0604020202020204" pitchFamily="34" charset="0"/>
-              </a:rPr>
-              <a:t>Conclusion: Lessons Learned </a:t>
-            </a:r>
-          </a:p>
-        </p:txBody>
-      </p:sp>
-      <p:sp>
-        <p:nvSpPr>
-          <p:cNvPr id="3" name="Content Placeholder 2"/>
-          <p:cNvSpPr>
-            <a:spLocks noGrp="1"/>
-          </p:cNvSpPr>
-          <p:nvPr>
-            <p:ph idx="1"/>
-          </p:nvPr>
-        </p:nvSpPr>
-        <p:spPr>
-          <a:xfrm>
-            <a:off x="1371600" y="1403797"/>
-            <a:ext cx="9601200" cy="4463603"/>
-          </a:xfrm>
-        </p:spPr>
-        <p:txBody>
-          <a:bodyPr>
-            <a:normAutofit/>
-          </a:bodyPr>
-          <a:lstStyle/>
-          <a:p>
-            <a:r>
-              <a:rPr lang="en-US" sz="2800" dirty="0">
-                <a:solidFill>
-                  <a:srgbClr val="002060"/>
-                </a:solidFill>
-                <a:latin typeface="Times New Roman" panose="02020603050405020304" pitchFamily="18" charset="0"/>
-                <a:cs typeface="Times New Roman" panose="02020603050405020304" pitchFamily="18" charset="0"/>
-              </a:rPr>
-              <a:t>Team Management</a:t>
-            </a:r>
-          </a:p>
-          <a:p>
-            <a:r>
-              <a:rPr lang="en-US" sz="2800" dirty="0">
-                <a:solidFill>
-                  <a:srgbClr val="002060"/>
-                </a:solidFill>
-                <a:latin typeface="Times New Roman" panose="02020603050405020304" pitchFamily="18" charset="0"/>
-                <a:cs typeface="Times New Roman" panose="02020603050405020304" pitchFamily="18" charset="0"/>
-              </a:rPr>
-              <a:t>Time Management</a:t>
-            </a:r>
-          </a:p>
-          <a:p>
-            <a:r>
-              <a:rPr lang="en-US" sz="2800" dirty="0">
-                <a:solidFill>
-                  <a:srgbClr val="002060"/>
-                </a:solidFill>
-                <a:latin typeface="Times New Roman" panose="02020603050405020304" pitchFamily="18" charset="0"/>
-                <a:cs typeface="Times New Roman" panose="02020603050405020304" pitchFamily="18" charset="0"/>
-              </a:rPr>
-              <a:t>Documentation skills</a:t>
-            </a:r>
-          </a:p>
-          <a:p>
-            <a:r>
-              <a:rPr lang="en-US" sz="2800" dirty="0">
-                <a:solidFill>
-                  <a:srgbClr val="002060"/>
-                </a:solidFill>
-                <a:latin typeface="Times New Roman" panose="02020603050405020304" pitchFamily="18" charset="0"/>
-                <a:cs typeface="Times New Roman" panose="02020603050405020304" pitchFamily="18" charset="0"/>
-              </a:rPr>
-              <a:t>Swift Programming Language</a:t>
-            </a:r>
-          </a:p>
-          <a:p>
-            <a:endParaRPr lang="en-US" sz="2800" dirty="0">
-              <a:solidFill>
-                <a:srgbClr val="002060"/>
-              </a:solidFill>
-              <a:latin typeface="Times New Roman" panose="02020603050405020304" pitchFamily="18" charset="0"/>
-              <a:cs typeface="Times New Roman" panose="02020603050405020304" pitchFamily="18" charset="0"/>
-            </a:endParaRPr>
-          </a:p>
-          <a:p>
-            <a:pPr marL="0" indent="0">
-              <a:buNone/>
-            </a:pPr>
-            <a:endParaRPr lang="en-US" sz="2800" dirty="0">
-              <a:solidFill>
-                <a:srgbClr val="002060"/>
-              </a:solidFill>
-              <a:latin typeface="Times New Roman" panose="02020603050405020304" pitchFamily="18" charset="0"/>
-              <a:cs typeface="Times New Roman" panose="02020603050405020304" pitchFamily="18" charset="0"/>
-            </a:endParaRPr>
-          </a:p>
-        </p:txBody>
-      </p:sp>
-      <p:sp>
-        <p:nvSpPr>
-          <p:cNvPr id="4" name="TextBox 3"/>
-          <p:cNvSpPr txBox="1"/>
-          <p:nvPr/>
-        </p:nvSpPr>
-        <p:spPr>
-          <a:xfrm>
-            <a:off x="9184821" y="6211669"/>
-            <a:ext cx="3575958" cy="646331"/>
-          </a:xfrm>
-          <a:prstGeom prst="rect">
-            <a:avLst/>
-          </a:prstGeom>
-          <a:noFill/>
-        </p:spPr>
-        <p:txBody>
-          <a:bodyPr wrap="square" rtlCol="0">
-            <a:spAutoFit/>
-          </a:bodyPr>
-          <a:lstStyle/>
-          <a:p>
-            <a:r>
-              <a:rPr lang="en-US" dirty="0"/>
-              <a:t>Sai Suneel Reddy </a:t>
-            </a:r>
-            <a:r>
-              <a:rPr lang="en-US" dirty="0" err="1"/>
-              <a:t>Challa</a:t>
-            </a:r>
-            <a:endParaRPr lang="en-US" dirty="0"/>
-          </a:p>
-          <a:p>
-            <a:endParaRPr lang="en-US" dirty="0"/>
-          </a:p>
-        </p:txBody>
-      </p:sp>
-    </p:spTree>
-    <p:extLst>
-      <p:ext uri="{BB962C8B-B14F-4D97-AF65-F5344CB8AC3E}">
-        <p14:creationId xmlns:p14="http://schemas.microsoft.com/office/powerpoint/2010/main" val="4196533508"/>
-      </p:ext>
-    </p:extLst>
-  </p:cSld>
-  <p:clrMapOvr>
-    <a:masterClrMapping/>
-  </p:clrMapOvr>
-  <mc:AlternateContent xmlns:mc="http://schemas.openxmlformats.org/markup-compatibility/2006" xmlns:p14="http://schemas.microsoft.com/office/powerpoint/2010/main">
-    <mc:Choice Requires="p14">
-      <p:transition spd="med" p14:dur="700">
-        <p:fade/>
-      </p:transition>
-    </mc:Choice>
-    <mc:Fallback xmlns="">
-      <p:transition spd="med">
-        <p:fade/>
-      </p:transition>
-    </mc:Fallback>
-  </mc:AlternateContent>
-  <p:timing>
-    <p:tnLst>
-      <p:par>
-        <p:cTn id="1" dur="indefinite" restart="never" nodeType="tmRoot"/>
-      </p:par>
-    </p:tnLst>
-  </p:timing>
-</p:sld>
-</file>
-
-<file path=ppt/slides/slide21.xml><?xml version="1.0" encoding="utf-8"?>
-<p:sld xmlns:a="http://schemas.openxmlformats.org/drawingml/2006/main" xmlns:r="http://schemas.openxmlformats.org/officeDocument/2006/relationships" xmlns:p="http://schemas.openxmlformats.org/presentationml/2006/main">
-  <p:cSld>
-    <p:spTree>
-      <p:nvGrpSpPr>
-        <p:cNvPr id="1" name=""/>
-        <p:cNvGrpSpPr/>
-        <p:nvPr/>
-      </p:nvGrpSpPr>
-      <p:grpSpPr>
-        <a:xfrm>
-          <a:off x="0" y="0"/>
-          <a:ext cx="0" cy="0"/>
-          <a:chOff x="0" y="0"/>
-          <a:chExt cx="0" cy="0"/>
-        </a:xfrm>
-      </p:grpSpPr>
-      <p:sp>
-        <p:nvSpPr>
-          <p:cNvPr id="2" name="Title 1"/>
-          <p:cNvSpPr>
-            <a:spLocks noGrp="1"/>
-          </p:cNvSpPr>
-          <p:nvPr>
-            <p:ph type="title"/>
-          </p:nvPr>
-        </p:nvSpPr>
-        <p:spPr>
-          <a:xfrm>
-            <a:off x="762000" y="559678"/>
-            <a:ext cx="10379612" cy="714940"/>
-          </a:xfrm>
-        </p:spPr>
-        <p:txBody>
-          <a:bodyPr>
-            <a:noAutofit/>
-          </a:bodyPr>
-          <a:lstStyle/>
-          <a:p>
-            <a:pPr algn="l"/>
-            <a:r>
-              <a:rPr lang="en-US" sz="4400" b="1" i="0" dirty="0">
-                <a:solidFill>
-                  <a:srgbClr val="C00000"/>
-                </a:solidFill>
-                <a:latin typeface="+mn-lt"/>
-                <a:cs typeface="Arial" panose="020B0604020202020204" pitchFamily="34" charset="0"/>
-              </a:rPr>
-              <a:t>Conclusion: Tasks accomplished</a:t>
-            </a:r>
-          </a:p>
-        </p:txBody>
-      </p:sp>
-      <p:sp>
-        <p:nvSpPr>
-          <p:cNvPr id="3" name="Content Placeholder 2"/>
-          <p:cNvSpPr>
-            <a:spLocks noGrp="1"/>
-          </p:cNvSpPr>
-          <p:nvPr>
-            <p:ph idx="1"/>
-          </p:nvPr>
-        </p:nvSpPr>
-        <p:spPr>
-          <a:xfrm>
-            <a:off x="1371600" y="1403797"/>
-            <a:ext cx="9601200" cy="4463603"/>
-          </a:xfrm>
-        </p:spPr>
-        <p:txBody>
-          <a:bodyPr>
-            <a:normAutofit/>
-          </a:bodyPr>
-          <a:lstStyle/>
-          <a:p>
-            <a:r>
-              <a:rPr lang="en-US" sz="2800" dirty="0">
-                <a:solidFill>
-                  <a:srgbClr val="002060"/>
-                </a:solidFill>
-                <a:latin typeface="Times New Roman" panose="02020603050405020304" pitchFamily="18" charset="0"/>
-                <a:cs typeface="Times New Roman" panose="02020603050405020304" pitchFamily="18" charset="0"/>
-              </a:rPr>
-              <a:t>Designed ER Diagram</a:t>
-            </a:r>
-          </a:p>
-          <a:p>
-            <a:r>
-              <a:rPr lang="en-US" sz="2800" dirty="0">
-                <a:solidFill>
-                  <a:srgbClr val="002060"/>
-                </a:solidFill>
-                <a:latin typeface="Times New Roman" panose="02020603050405020304" pitchFamily="18" charset="0"/>
-                <a:cs typeface="Times New Roman" panose="02020603050405020304" pitchFamily="18" charset="0"/>
-              </a:rPr>
-              <a:t>Prototype Design of UI Screens</a:t>
-            </a:r>
-          </a:p>
-          <a:p>
-            <a:r>
-              <a:rPr lang="en-US" sz="2800" dirty="0">
-                <a:solidFill>
-                  <a:srgbClr val="002060"/>
-                </a:solidFill>
-                <a:latin typeface="Times New Roman" panose="02020603050405020304" pitchFamily="18" charset="0"/>
-                <a:cs typeface="Times New Roman" panose="02020603050405020304" pitchFamily="18" charset="0"/>
-              </a:rPr>
-              <a:t>Software Requirements Document</a:t>
-            </a:r>
-          </a:p>
-          <a:p>
-            <a:r>
-              <a:rPr lang="en-US" sz="2800" dirty="0">
-                <a:solidFill>
-                  <a:srgbClr val="002060"/>
-                </a:solidFill>
-                <a:latin typeface="Times New Roman" panose="02020603050405020304" pitchFamily="18" charset="0"/>
-                <a:cs typeface="Times New Roman" panose="02020603050405020304" pitchFamily="18" charset="0"/>
-              </a:rPr>
-              <a:t>UI Implementation for Admin </a:t>
-            </a:r>
-            <a:r>
-              <a:rPr lang="en-US" sz="2800" dirty="0" smtClean="0">
-                <a:solidFill>
-                  <a:srgbClr val="002060"/>
-                </a:solidFill>
-                <a:latin typeface="Times New Roman" panose="02020603050405020304" pitchFamily="18" charset="0"/>
-                <a:cs typeface="Times New Roman" panose="02020603050405020304" pitchFamily="18" charset="0"/>
-              </a:rPr>
-              <a:t>role</a:t>
-            </a:r>
-          </a:p>
-          <a:p>
-            <a:r>
-              <a:rPr lang="en-US" sz="2800" dirty="0">
-                <a:solidFill>
-                  <a:srgbClr val="002060"/>
-                </a:solidFill>
-                <a:latin typeface="Times New Roman" panose="02020603050405020304" pitchFamily="18" charset="0"/>
-                <a:cs typeface="Times New Roman" panose="02020603050405020304" pitchFamily="18" charset="0"/>
-              </a:rPr>
-              <a:t>UI Implementation for </a:t>
-            </a:r>
-            <a:r>
-              <a:rPr lang="en-US" sz="2800" dirty="0" smtClean="0">
-                <a:solidFill>
-                  <a:srgbClr val="002060"/>
-                </a:solidFill>
-                <a:latin typeface="Times New Roman" panose="02020603050405020304" pitchFamily="18" charset="0"/>
-                <a:cs typeface="Times New Roman" panose="02020603050405020304" pitchFamily="18" charset="0"/>
-              </a:rPr>
-              <a:t>User role</a:t>
-            </a:r>
-          </a:p>
-          <a:p>
-            <a:r>
-              <a:rPr lang="en-US" sz="2800" dirty="0" smtClean="0">
-                <a:solidFill>
-                  <a:srgbClr val="002060"/>
-                </a:solidFill>
-                <a:latin typeface="Times New Roman" panose="02020603050405020304" pitchFamily="18" charset="0"/>
-                <a:cs typeface="Times New Roman" panose="02020603050405020304" pitchFamily="18" charset="0"/>
-              </a:rPr>
-              <a:t>Register and Login Functionality</a:t>
-            </a:r>
-            <a:endParaRPr lang="en-US" sz="2800" dirty="0">
-              <a:solidFill>
-                <a:srgbClr val="002060"/>
-              </a:solidFill>
-              <a:latin typeface="Times New Roman" panose="02020603050405020304" pitchFamily="18" charset="0"/>
-              <a:cs typeface="Times New Roman" panose="02020603050405020304" pitchFamily="18" charset="0"/>
-            </a:endParaRPr>
-          </a:p>
-          <a:p>
-            <a:endParaRPr lang="en-US" sz="2800" dirty="0" smtClean="0">
-              <a:solidFill>
-                <a:srgbClr val="002060"/>
-              </a:solidFill>
-              <a:latin typeface="Times New Roman" panose="02020603050405020304" pitchFamily="18" charset="0"/>
-              <a:cs typeface="Times New Roman" panose="02020603050405020304" pitchFamily="18" charset="0"/>
-            </a:endParaRPr>
-          </a:p>
-          <a:p>
-            <a:endParaRPr lang="en-US" sz="2800" dirty="0">
-              <a:solidFill>
-                <a:srgbClr val="002060"/>
-              </a:solidFill>
-              <a:latin typeface="Times New Roman" panose="02020603050405020304" pitchFamily="18" charset="0"/>
-              <a:cs typeface="Times New Roman" panose="02020603050405020304" pitchFamily="18" charset="0"/>
-            </a:endParaRPr>
-          </a:p>
-          <a:p>
-            <a:pPr marL="0" indent="0">
-              <a:buNone/>
-            </a:pPr>
-            <a:endParaRPr lang="en-US" sz="2800" dirty="0">
-              <a:solidFill>
-                <a:srgbClr val="002060"/>
-              </a:solidFill>
-              <a:latin typeface="Times New Roman" panose="02020603050405020304" pitchFamily="18" charset="0"/>
-              <a:cs typeface="Times New Roman" panose="02020603050405020304" pitchFamily="18" charset="0"/>
-            </a:endParaRPr>
-          </a:p>
-        </p:txBody>
-      </p:sp>
-      <p:sp>
-        <p:nvSpPr>
-          <p:cNvPr id="4" name="TextBox 3"/>
-          <p:cNvSpPr txBox="1"/>
-          <p:nvPr/>
-        </p:nvSpPr>
-        <p:spPr>
-          <a:xfrm>
-            <a:off x="9184821" y="6211669"/>
-            <a:ext cx="3575958" cy="646331"/>
-          </a:xfrm>
-          <a:prstGeom prst="rect">
-            <a:avLst/>
-          </a:prstGeom>
-          <a:noFill/>
-        </p:spPr>
-        <p:txBody>
-          <a:bodyPr wrap="square" rtlCol="0">
-            <a:spAutoFit/>
-          </a:bodyPr>
-          <a:lstStyle/>
-          <a:p>
-            <a:r>
-              <a:rPr lang="en-US" dirty="0"/>
-              <a:t>Sai Suneel Reddy </a:t>
-            </a:r>
-            <a:r>
-              <a:rPr lang="en-US" dirty="0" err="1"/>
-              <a:t>Challa</a:t>
-            </a:r>
-            <a:endParaRPr lang="en-US" dirty="0"/>
-          </a:p>
-          <a:p>
-            <a:endParaRPr lang="en-US" dirty="0"/>
-          </a:p>
-        </p:txBody>
-      </p:sp>
-    </p:spTree>
-    <p:extLst>
-      <p:ext uri="{BB962C8B-B14F-4D97-AF65-F5344CB8AC3E}">
-        <p14:creationId xmlns:p14="http://schemas.microsoft.com/office/powerpoint/2010/main" val="3087853465"/>
-      </p:ext>
-    </p:extLst>
-  </p:cSld>
-  <p:clrMapOvr>
-    <a:masterClrMapping/>
-  </p:clrMapOvr>
-  <mc:AlternateContent xmlns:mc="http://schemas.openxmlformats.org/markup-compatibility/2006" xmlns:p14="http://schemas.microsoft.com/office/powerpoint/2010/main">
-    <mc:Choice Requires="p14">
-      <p:transition spd="med" p14:dur="700">
-        <p:fade/>
-      </p:transition>
-    </mc:Choice>
-    <mc:Fallback xmlns="">
-      <p:transition spd="med">
-        <p:fade/>
-      </p:transition>
-    </mc:Fallback>
-  </mc:AlternateContent>
-  <p:timing>
-    <p:tnLst>
-      <p:par>
-        <p:cTn id="1" dur="indefinite" restart="never" nodeType="tmRoot"/>
-      </p:par>
-    </p:tnLst>
-  </p:timing>
-</p:sld>
-</file>
-
-<file path=ppt/slides/slide22.xml><?xml version="1.0" encoding="utf-8"?>
-<p:sld xmlns:a="http://schemas.openxmlformats.org/drawingml/2006/main" xmlns:r="http://schemas.openxmlformats.org/officeDocument/2006/relationships" xmlns:p="http://schemas.openxmlformats.org/presentationml/2006/main">
-  <p:cSld>
-    <p:spTree>
-      <p:nvGrpSpPr>
-        <p:cNvPr id="1" name=""/>
-        <p:cNvGrpSpPr/>
-        <p:nvPr/>
-      </p:nvGrpSpPr>
-      <p:grpSpPr>
-        <a:xfrm>
-          <a:off x="0" y="0"/>
-          <a:ext cx="0" cy="0"/>
-          <a:chOff x="0" y="0"/>
-          <a:chExt cx="0" cy="0"/>
-        </a:xfrm>
-      </p:grpSpPr>
-      <p:sp>
-        <p:nvSpPr>
-          <p:cNvPr id="2" name="Title 1"/>
-          <p:cNvSpPr>
-            <a:spLocks noGrp="1"/>
-          </p:cNvSpPr>
-          <p:nvPr>
-            <p:ph type="title"/>
-          </p:nvPr>
-        </p:nvSpPr>
-        <p:spPr>
-          <a:xfrm>
-            <a:off x="761999" y="559678"/>
-            <a:ext cx="10914185" cy="714940"/>
-          </a:xfrm>
-        </p:spPr>
-        <p:txBody>
-          <a:bodyPr>
-            <a:normAutofit/>
-          </a:bodyPr>
-          <a:lstStyle/>
-          <a:p>
-            <a:pPr algn="l"/>
-            <a:r>
-              <a:rPr lang="en-US" sz="4400" b="1" i="0" dirty="0">
-                <a:solidFill>
-                  <a:srgbClr val="C00000"/>
-                </a:solidFill>
-                <a:latin typeface="+mn-lt"/>
-                <a:cs typeface="Arial" panose="020B0604020202020204" pitchFamily="34" charset="0"/>
-              </a:rPr>
-              <a:t>Conclusion: </a:t>
-            </a:r>
-            <a:r>
-              <a:rPr lang="en-US" sz="4400" b="1" i="0" dirty="0" err="1" smtClean="0">
-                <a:solidFill>
-                  <a:srgbClr val="C00000"/>
-                </a:solidFill>
-                <a:latin typeface="+mn-lt"/>
-                <a:cs typeface="Arial" panose="020B0604020202020204" pitchFamily="34" charset="0"/>
-              </a:rPr>
-              <a:t>ProBlems</a:t>
-            </a:r>
-            <a:r>
-              <a:rPr lang="en-US" sz="4400" b="1" i="0" dirty="0" smtClean="0">
-                <a:solidFill>
-                  <a:srgbClr val="C00000"/>
-                </a:solidFill>
-                <a:latin typeface="+mn-lt"/>
-                <a:cs typeface="Arial" panose="020B0604020202020204" pitchFamily="34" charset="0"/>
-              </a:rPr>
-              <a:t> faced</a:t>
-            </a:r>
-            <a:endParaRPr lang="en-US" sz="4400" b="1" i="0" dirty="0">
-              <a:solidFill>
-                <a:srgbClr val="C00000"/>
-              </a:solidFill>
-              <a:latin typeface="+mn-lt"/>
-              <a:cs typeface="Arial" panose="020B0604020202020204" pitchFamily="34" charset="0"/>
-            </a:endParaRPr>
-          </a:p>
-        </p:txBody>
-      </p:sp>
-      <p:sp>
-        <p:nvSpPr>
-          <p:cNvPr id="3" name="Content Placeholder 2"/>
-          <p:cNvSpPr>
-            <a:spLocks noGrp="1"/>
-          </p:cNvSpPr>
-          <p:nvPr>
-            <p:ph idx="1"/>
-          </p:nvPr>
-        </p:nvSpPr>
-        <p:spPr>
-          <a:xfrm>
-            <a:off x="1371600" y="1403797"/>
-            <a:ext cx="9601200" cy="4463603"/>
-          </a:xfrm>
-        </p:spPr>
-        <p:txBody>
-          <a:bodyPr>
-            <a:normAutofit/>
-          </a:bodyPr>
-          <a:lstStyle/>
-          <a:p>
-            <a:r>
-              <a:rPr lang="en-US" sz="2800" dirty="0" smtClean="0">
-                <a:solidFill>
-                  <a:srgbClr val="002060"/>
-                </a:solidFill>
-                <a:latin typeface="Times New Roman" panose="02020603050405020304" pitchFamily="18" charset="0"/>
-                <a:cs typeface="Times New Roman" panose="02020603050405020304" pitchFamily="18" charset="0"/>
-              </a:rPr>
-              <a:t>Connecting to the database</a:t>
-            </a:r>
-          </a:p>
-          <a:p>
-            <a:r>
-              <a:rPr lang="en-US" sz="2800" dirty="0" smtClean="0">
-                <a:solidFill>
-                  <a:srgbClr val="002060"/>
-                </a:solidFill>
-                <a:latin typeface="Times New Roman" panose="02020603050405020304" pitchFamily="18" charset="0"/>
-                <a:cs typeface="Times New Roman" panose="02020603050405020304" pitchFamily="18" charset="0"/>
-              </a:rPr>
-              <a:t>Retrieving from the database</a:t>
-            </a:r>
-          </a:p>
-          <a:p>
-            <a:endParaRPr lang="en-US" sz="2800" dirty="0">
-              <a:solidFill>
-                <a:srgbClr val="002060"/>
-              </a:solidFill>
-              <a:latin typeface="Times New Roman" panose="02020603050405020304" pitchFamily="18" charset="0"/>
-              <a:cs typeface="Times New Roman" panose="02020603050405020304" pitchFamily="18" charset="0"/>
-            </a:endParaRPr>
-          </a:p>
-        </p:txBody>
-      </p:sp>
-      <p:sp>
-        <p:nvSpPr>
-          <p:cNvPr id="4" name="TextBox 3"/>
-          <p:cNvSpPr txBox="1"/>
-          <p:nvPr/>
-        </p:nvSpPr>
-        <p:spPr>
-          <a:xfrm>
-            <a:off x="9184821" y="6211669"/>
-            <a:ext cx="3575958" cy="646331"/>
-          </a:xfrm>
-          <a:prstGeom prst="rect">
-            <a:avLst/>
-          </a:prstGeom>
-          <a:noFill/>
-        </p:spPr>
-        <p:txBody>
-          <a:bodyPr wrap="square" rtlCol="0">
-            <a:spAutoFit/>
-          </a:bodyPr>
-          <a:lstStyle/>
-          <a:p>
-            <a:r>
-              <a:rPr lang="en-US" dirty="0"/>
-              <a:t>Sai Suneel Reddy </a:t>
-            </a:r>
-            <a:r>
-              <a:rPr lang="en-US" dirty="0" err="1"/>
-              <a:t>Challa</a:t>
-            </a:r>
-            <a:endParaRPr lang="en-US" dirty="0"/>
-          </a:p>
-          <a:p>
-            <a:endParaRPr lang="en-US" dirty="0"/>
-          </a:p>
-        </p:txBody>
-      </p:sp>
-    </p:spTree>
-    <p:extLst>
-      <p:ext uri="{BB962C8B-B14F-4D97-AF65-F5344CB8AC3E}">
-        <p14:creationId xmlns:p14="http://schemas.microsoft.com/office/powerpoint/2010/main" val="4211817034"/>
-      </p:ext>
-    </p:extLst>
-  </p:cSld>
-  <p:clrMapOvr>
-    <a:masterClrMapping/>
-  </p:clrMapOvr>
-  <mc:AlternateContent xmlns:mc="http://schemas.openxmlformats.org/markup-compatibility/2006" xmlns:p14="http://schemas.microsoft.com/office/powerpoint/2010/main">
-    <mc:Choice Requires="p14">
-      <p:transition spd="med" p14:dur="700">
-        <p:fade/>
-      </p:transition>
-    </mc:Choice>
-    <mc:Fallback xmlns="">
-      <p:transition spd="med">
-        <p:fade/>
-      </p:transition>
-    </mc:Fallback>
-  </mc:AlternateContent>
-  <p:timing>
-    <p:tnLst>
-      <p:par>
-        <p:cTn id="1" dur="indefinite" restart="never" nodeType="tmRoot"/>
-      </p:par>
-    </p:tnLst>
-  </p:timing>
-</p:sld>
-</file>
-
-<file path=ppt/slides/slide23.xml><?xml version="1.0" encoding="utf-8"?>
-<p:sld xmlns:a="http://schemas.openxmlformats.org/drawingml/2006/main" xmlns:r="http://schemas.openxmlformats.org/officeDocument/2006/relationships" xmlns:p="http://schemas.openxmlformats.org/presentationml/2006/main">
-  <p:cSld>
-    <p:spTree>
-      <p:nvGrpSpPr>
-        <p:cNvPr id="1" name=""/>
-        <p:cNvGrpSpPr/>
-        <p:nvPr/>
-      </p:nvGrpSpPr>
-      <p:grpSpPr>
-        <a:xfrm>
-          <a:off x="0" y="0"/>
-          <a:ext cx="0" cy="0"/>
-          <a:chOff x="0" y="0"/>
-          <a:chExt cx="0" cy="0"/>
-        </a:xfrm>
-      </p:grpSpPr>
-      <p:sp>
-        <p:nvSpPr>
-          <p:cNvPr id="2" name="Title 1"/>
-          <p:cNvSpPr>
-            <a:spLocks noGrp="1"/>
-          </p:cNvSpPr>
-          <p:nvPr>
-            <p:ph type="title"/>
-          </p:nvPr>
-        </p:nvSpPr>
-        <p:spPr>
-          <a:xfrm>
-            <a:off x="761999" y="559678"/>
-            <a:ext cx="11153335" cy="576395"/>
-          </a:xfrm>
-        </p:spPr>
-        <p:txBody>
-          <a:bodyPr>
-            <a:noAutofit/>
-          </a:bodyPr>
-          <a:lstStyle/>
-          <a:p>
-            <a:pPr algn="l"/>
-            <a:r>
-              <a:rPr lang="en-US" sz="4400" b="1" i="0" dirty="0">
-                <a:solidFill>
-                  <a:srgbClr val="C00000"/>
-                </a:solidFill>
-                <a:latin typeface="+mn-lt"/>
-                <a:cs typeface="Arial" panose="020B0604020202020204" pitchFamily="34" charset="0"/>
-              </a:rPr>
-              <a:t>Conclusion: Issues to be addressed</a:t>
-            </a:r>
-          </a:p>
-        </p:txBody>
-      </p:sp>
-      <p:sp>
-        <p:nvSpPr>
-          <p:cNvPr id="3" name="Content Placeholder 2"/>
-          <p:cNvSpPr>
-            <a:spLocks noGrp="1"/>
-          </p:cNvSpPr>
-          <p:nvPr>
-            <p:ph idx="1"/>
-          </p:nvPr>
-        </p:nvSpPr>
-        <p:spPr>
-          <a:xfrm>
-            <a:off x="1371600" y="1403797"/>
-            <a:ext cx="9601200" cy="4463603"/>
-          </a:xfrm>
-        </p:spPr>
-        <p:txBody>
-          <a:bodyPr>
-            <a:normAutofit/>
-          </a:bodyPr>
-          <a:lstStyle/>
-          <a:p>
-            <a:r>
-              <a:rPr lang="en-US" sz="2800" dirty="0">
-                <a:solidFill>
-                  <a:srgbClr val="002060"/>
-                </a:solidFill>
-                <a:latin typeface="Times New Roman" panose="02020603050405020304" pitchFamily="18" charset="0"/>
-                <a:cs typeface="Times New Roman" panose="02020603050405020304" pitchFamily="18" charset="0"/>
-              </a:rPr>
-              <a:t>Announcements should be displayed </a:t>
-            </a:r>
-          </a:p>
-          <a:p>
-            <a:r>
-              <a:rPr lang="en-US" sz="2800" dirty="0">
-                <a:solidFill>
-                  <a:srgbClr val="002060"/>
-                </a:solidFill>
-                <a:latin typeface="Times New Roman" panose="02020603050405020304" pitchFamily="18" charset="0"/>
-                <a:cs typeface="Times New Roman" panose="02020603050405020304" pitchFamily="18" charset="0"/>
-              </a:rPr>
-              <a:t>Shipping label should be </a:t>
-            </a:r>
-            <a:r>
-              <a:rPr lang="en-US" sz="2800" dirty="0" smtClean="0">
-                <a:solidFill>
-                  <a:srgbClr val="002060"/>
-                </a:solidFill>
-                <a:latin typeface="Times New Roman" panose="02020603050405020304" pitchFamily="18" charset="0"/>
-                <a:cs typeface="Times New Roman" panose="02020603050405020304" pitchFamily="18" charset="0"/>
-              </a:rPr>
-              <a:t>created</a:t>
-            </a:r>
-          </a:p>
-          <a:p>
-            <a:r>
-              <a:rPr lang="en-US" sz="2800" dirty="0" smtClean="0">
-                <a:solidFill>
-                  <a:srgbClr val="002060"/>
-                </a:solidFill>
-                <a:latin typeface="Times New Roman" panose="02020603050405020304" pitchFamily="18" charset="0"/>
-                <a:cs typeface="Times New Roman" panose="02020603050405020304" pitchFamily="18" charset="0"/>
-              </a:rPr>
-              <a:t>Able </a:t>
-            </a:r>
-            <a:r>
-              <a:rPr lang="en-US" sz="2800" dirty="0">
-                <a:solidFill>
-                  <a:srgbClr val="002060"/>
-                </a:solidFill>
-                <a:latin typeface="Times New Roman" panose="02020603050405020304" pitchFamily="18" charset="0"/>
-                <a:cs typeface="Times New Roman" panose="02020603050405020304" pitchFamily="18" charset="0"/>
-              </a:rPr>
-              <a:t>to cope with any future change in </a:t>
-            </a:r>
-            <a:r>
-              <a:rPr lang="en-US" sz="2800" dirty="0" smtClean="0">
-                <a:solidFill>
-                  <a:srgbClr val="002060"/>
-                </a:solidFill>
-                <a:latin typeface="Times New Roman" panose="02020603050405020304" pitchFamily="18" charset="0"/>
-                <a:cs typeface="Times New Roman" panose="02020603050405020304" pitchFamily="18" charset="0"/>
-              </a:rPr>
-              <a:t>requirements</a:t>
-            </a:r>
-          </a:p>
-          <a:p>
-            <a:endParaRPr lang="en-US" sz="2800" dirty="0">
-              <a:solidFill>
-                <a:srgbClr val="002060"/>
-              </a:solidFill>
-              <a:latin typeface="Times New Roman" panose="02020603050405020304" pitchFamily="18" charset="0"/>
-              <a:cs typeface="Times New Roman" panose="02020603050405020304" pitchFamily="18" charset="0"/>
-            </a:endParaRPr>
-          </a:p>
-        </p:txBody>
-      </p:sp>
-      <p:sp>
-        <p:nvSpPr>
-          <p:cNvPr id="4" name="TextBox 3"/>
-          <p:cNvSpPr txBox="1"/>
-          <p:nvPr/>
-        </p:nvSpPr>
-        <p:spPr>
-          <a:xfrm>
-            <a:off x="9184821" y="6211669"/>
-            <a:ext cx="3575958" cy="646331"/>
-          </a:xfrm>
-          <a:prstGeom prst="rect">
-            <a:avLst/>
-          </a:prstGeom>
-          <a:noFill/>
-        </p:spPr>
-        <p:txBody>
-          <a:bodyPr wrap="square" rtlCol="0">
-            <a:spAutoFit/>
-          </a:bodyPr>
-          <a:lstStyle/>
-          <a:p>
-            <a:r>
-              <a:rPr lang="en-US" dirty="0"/>
-              <a:t>Sai Suneel Reddy </a:t>
-            </a:r>
-            <a:r>
-              <a:rPr lang="en-US" dirty="0" err="1"/>
-              <a:t>Challa</a:t>
-            </a:r>
-            <a:endParaRPr lang="en-US" dirty="0"/>
-          </a:p>
-          <a:p>
-            <a:endParaRPr lang="en-US" dirty="0"/>
-          </a:p>
-        </p:txBody>
-      </p:sp>
-    </p:spTree>
-    <p:extLst>
-      <p:ext uri="{BB962C8B-B14F-4D97-AF65-F5344CB8AC3E}">
-        <p14:creationId xmlns:p14="http://schemas.microsoft.com/office/powerpoint/2010/main" val="175273591"/>
-      </p:ext>
-    </p:extLst>
-  </p:cSld>
-  <p:clrMapOvr>
-    <a:masterClrMapping/>
-  </p:clrMapOvr>
-  <mc:AlternateContent xmlns:mc="http://schemas.openxmlformats.org/markup-compatibility/2006" xmlns:p14="http://schemas.microsoft.com/office/powerpoint/2010/main">
-    <mc:Choice Requires="p14">
-      <p:transition spd="med" p14:dur="700">
-        <p:fade/>
-      </p:transition>
-    </mc:Choice>
-    <mc:Fallback xmlns="">
-      <p:transition spd="med">
-        <p:fade/>
-      </p:transition>
-    </mc:Fallback>
-  </mc:AlternateContent>
-  <p:timing>
-    <p:tnLst>
-      <p:par>
-        <p:cTn id="1" dur="indefinite" restart="never" nodeType="tmRoot"/>
-      </p:par>
-    </p:tnLst>
-  </p:timing>
-</p:sld>
-</file>
-
-<file path=ppt/slides/slide24.xml><?xml version="1.0" encoding="utf-8"?>
-<p:sld xmlns:a="http://schemas.openxmlformats.org/drawingml/2006/main" xmlns:r="http://schemas.openxmlformats.org/officeDocument/2006/relationships" xmlns:p="http://schemas.openxmlformats.org/presentationml/2006/main">
-  <p:cSld>
-    <p:spTree>
-      <p:nvGrpSpPr>
-        <p:cNvPr id="1" name=""/>
-        <p:cNvGrpSpPr/>
-        <p:nvPr/>
-      </p:nvGrpSpPr>
-      <p:grpSpPr>
-        <a:xfrm>
-          <a:off x="0" y="0"/>
-          <a:ext cx="0" cy="0"/>
-          <a:chOff x="0" y="0"/>
-          <a:chExt cx="0" cy="0"/>
-        </a:xfrm>
-      </p:grpSpPr>
-      <p:pic>
-        <p:nvPicPr>
-          <p:cNvPr id="3" name="Picture 2"/>
-          <p:cNvPicPr>
-            <a:picLocks noChangeAspect="1"/>
-          </p:cNvPicPr>
-          <p:nvPr/>
-        </p:nvPicPr>
-        <p:blipFill>
-          <a:blip r:embed="rId2">
-            <a:extLst>
-              <a:ext uri="{28A0092B-C50C-407E-A947-70E740481C1C}">
-                <a14:useLocalDpi xmlns:a14="http://schemas.microsoft.com/office/drawing/2010/main" val="0"/>
-              </a:ext>
-            </a:extLst>
-          </a:blip>
-          <a:stretch>
-            <a:fillRect/>
-          </a:stretch>
-        </p:blipFill>
-        <p:spPr>
-          <a:xfrm>
-            <a:off x="3325092" y="803564"/>
-            <a:ext cx="5140036" cy="5386578"/>
-          </a:xfrm>
-          <a:prstGeom prst="rect">
-            <a:avLst/>
-          </a:prstGeom>
-        </p:spPr>
-      </p:pic>
-    </p:spTree>
-    <p:extLst>
-      <p:ext uri="{BB962C8B-B14F-4D97-AF65-F5344CB8AC3E}">
-        <p14:creationId xmlns:p14="http://schemas.microsoft.com/office/powerpoint/2010/main" val="894493107"/>
-      </p:ext>
-    </p:extLst>
-  </p:cSld>
-  <p:clrMapOvr>
-    <a:masterClrMapping/>
-  </p:clrMapOvr>
-  <mc:AlternateContent xmlns:mc="http://schemas.openxmlformats.org/markup-compatibility/2006" xmlns:p14="http://schemas.microsoft.com/office/powerpoint/2010/main">
-    <mc:Choice Requires="p14">
-      <p:transition spd="med" p14:dur="700">
-        <p:fade/>
-      </p:transition>
-    </mc:Choice>
-    <mc:Fallback xmlns="">
-      <p:transition spd="med">
-        <p:fade/>
-      </p:transition>
-    </mc:Fallback>
-  </mc:AlternateContent>
-  <p:timing>
-    <p:tnLst>
-      <p:par>
-        <p:cTn id="1" dur="indefinite" restart="never" nodeType="tmRoot"/>
-      </p:par>
-    </p:tnLst>
-  </p:timing>
-</p:sld>
-</file>
-
-<file path=ppt/slides/slide25.xml><?xml version="1.0" encoding="utf-8"?>
-<p:sld xmlns:a="http://schemas.openxmlformats.org/drawingml/2006/main" xmlns:r="http://schemas.openxmlformats.org/officeDocument/2006/relationships" xmlns:p="http://schemas.openxmlformats.org/presentationml/2006/main">
-  <p:cSld>
-    <p:spTree>
-      <p:nvGrpSpPr>
-        <p:cNvPr id="1" name=""/>
-        <p:cNvGrpSpPr/>
-        <p:nvPr/>
-      </p:nvGrpSpPr>
-      <p:grpSpPr>
-        <a:xfrm>
-          <a:off x="0" y="0"/>
-          <a:ext cx="0" cy="0"/>
-          <a:chOff x="0" y="0"/>
-          <a:chExt cx="0" cy="0"/>
-        </a:xfrm>
-      </p:grpSpPr>
-      <p:pic>
-        <p:nvPicPr>
-          <p:cNvPr id="2" name="Picture 1"/>
-          <p:cNvPicPr>
-            <a:picLocks noChangeAspect="1"/>
-          </p:cNvPicPr>
-          <p:nvPr/>
-        </p:nvPicPr>
-        <p:blipFill>
-          <a:blip r:embed="rId2">
-            <a:extLst>
-              <a:ext uri="{28A0092B-C50C-407E-A947-70E740481C1C}">
-                <a14:useLocalDpi xmlns:a14="http://schemas.microsoft.com/office/drawing/2010/main" val="0"/>
-              </a:ext>
-            </a:extLst>
-          </a:blip>
-          <a:stretch>
-            <a:fillRect/>
-          </a:stretch>
-        </p:blipFill>
-        <p:spPr>
-          <a:xfrm>
-            <a:off x="2951018" y="1572028"/>
-            <a:ext cx="5627717" cy="3754743"/>
-          </a:xfrm>
-          <a:prstGeom prst="rect">
-            <a:avLst/>
-          </a:prstGeom>
-        </p:spPr>
-      </p:pic>
-    </p:spTree>
-    <p:extLst>
-      <p:ext uri="{BB962C8B-B14F-4D97-AF65-F5344CB8AC3E}">
-        <p14:creationId xmlns:p14="http://schemas.microsoft.com/office/powerpoint/2010/main" val="30623602"/>
-      </p:ext>
-    </p:extLst>
-  </p:cSld>
-  <p:clrMapOvr>
-    <a:masterClrMapping/>
-  </p:clrMapOvr>
-  <mc:AlternateContent xmlns:mc="http://schemas.openxmlformats.org/markup-compatibility/2006" xmlns:p14="http://schemas.microsoft.com/office/powerpoint/2010/main">
-    <mc:Choice Requires="p14">
-      <p:transition spd="med" p14:dur="700">
-        <p:fade/>
-      </p:transition>
-    </mc:Choice>
-    <mc:Fallback xmlns="">
-      <p:transition spd="med">
-        <p:fade/>
-      </p:transition>
-    </mc:Fallback>
-  </mc:AlternateContent>
-  <p:timing>
-    <p:tnLst>
-      <p:par>
-        <p:cTn id="1" dur="indefinite" restart="never" nodeType="tmRoot"/>
-      </p:par>
-    </p:tnLst>
-  </p:timing>
-</p:sld>
-</file>
-
-<file path=ppt/slides/slide26.xml><?xml version="1.0" encoding="utf-8"?>
-<p:sld xmlns:a="http://schemas.openxmlformats.org/drawingml/2006/main" xmlns:r="http://schemas.openxmlformats.org/officeDocument/2006/relationships" xmlns:p="http://schemas.openxmlformats.org/presentationml/2006/main">
-  <p:cSld>
-    <p:spTree>
-      <p:nvGrpSpPr>
-        <p:cNvPr id="1" name=""/>
-        <p:cNvGrpSpPr/>
-        <p:nvPr/>
-      </p:nvGrpSpPr>
-      <p:grpSpPr>
-        <a:xfrm>
-          <a:off x="0" y="0"/>
-          <a:ext cx="0" cy="0"/>
-          <a:chOff x="0" y="0"/>
-          <a:chExt cx="0" cy="0"/>
-        </a:xfrm>
-      </p:grpSpPr>
-      <p:sp>
-        <p:nvSpPr>
-          <p:cNvPr id="2" name="Title 1"/>
-          <p:cNvSpPr>
-            <a:spLocks noGrp="1"/>
-          </p:cNvSpPr>
-          <p:nvPr>
-            <p:ph type="title"/>
-          </p:nvPr>
-        </p:nvSpPr>
-        <p:spPr>
-          <a:xfrm>
-            <a:off x="746760" y="534726"/>
-            <a:ext cx="8150181" cy="823019"/>
-          </a:xfrm>
-        </p:spPr>
-        <p:txBody>
-          <a:bodyPr>
-            <a:normAutofit/>
-          </a:bodyPr>
-          <a:lstStyle/>
-          <a:p>
-            <a:r>
-              <a:rPr lang="en-US" sz="4400" b="1" i="0" dirty="0">
-                <a:solidFill>
-                  <a:schemeClr val="accent4">
-                    <a:lumMod val="50000"/>
-                  </a:schemeClr>
-                </a:solidFill>
-                <a:latin typeface="Arial" panose="020B0604020202020204" pitchFamily="34" charset="0"/>
-                <a:cs typeface="Arial" panose="020B0604020202020204" pitchFamily="34" charset="0"/>
-              </a:rPr>
-              <a:t>TEAM MEMBERS</a:t>
-            </a:r>
-          </a:p>
-        </p:txBody>
-      </p:sp>
-      <p:pic>
-        <p:nvPicPr>
-          <p:cNvPr id="4" name="Content Placeholder 3"/>
-          <p:cNvPicPr>
-            <a:picLocks noGrp="1" noChangeAspect="1"/>
-          </p:cNvPicPr>
-          <p:nvPr>
-            <p:ph idx="1"/>
-          </p:nvPr>
-        </p:nvPicPr>
-        <p:blipFill>
-          <a:blip r:embed="rId2" cstate="print">
-            <a:extLst>
-              <a:ext uri="{28A0092B-C50C-407E-A947-70E740481C1C}">
-                <a14:useLocalDpi xmlns:a14="http://schemas.microsoft.com/office/drawing/2010/main" val="0"/>
-              </a:ext>
-            </a:extLst>
-          </a:blip>
-          <a:stretch>
-            <a:fillRect/>
-          </a:stretch>
-        </p:blipFill>
-        <p:spPr>
-          <a:xfrm>
-            <a:off x="7362453" y="2738692"/>
-            <a:ext cx="1988820" cy="2651760"/>
-          </a:xfrm>
-        </p:spPr>
-      </p:pic>
-      <p:pic>
-        <p:nvPicPr>
-          <p:cNvPr id="7" name="Picture 6"/>
-          <p:cNvPicPr>
-            <a:picLocks noChangeAspect="1"/>
-          </p:cNvPicPr>
-          <p:nvPr/>
-        </p:nvPicPr>
-        <p:blipFill>
-          <a:blip r:embed="rId3" cstate="print">
-            <a:extLst>
-              <a:ext uri="{28A0092B-C50C-407E-A947-70E740481C1C}">
-                <a14:useLocalDpi xmlns:a14="http://schemas.microsoft.com/office/drawing/2010/main" val="0"/>
-              </a:ext>
-            </a:extLst>
-          </a:blip>
-          <a:stretch>
-            <a:fillRect/>
-          </a:stretch>
-        </p:blipFill>
-        <p:spPr>
-          <a:xfrm>
-            <a:off x="9633399" y="1707523"/>
-            <a:ext cx="1931829" cy="2646830"/>
-          </a:xfrm>
-          <a:prstGeom prst="rect">
-            <a:avLst/>
-          </a:prstGeom>
-        </p:spPr>
-      </p:pic>
-      <p:pic>
-        <p:nvPicPr>
-          <p:cNvPr id="8" name="Picture 7"/>
-          <p:cNvPicPr>
-            <a:picLocks noChangeAspect="1"/>
-          </p:cNvPicPr>
-          <p:nvPr/>
-        </p:nvPicPr>
-        <p:blipFill>
-          <a:blip r:embed="rId4" cstate="print">
-            <a:extLst>
-              <a:ext uri="{28A0092B-C50C-407E-A947-70E740481C1C}">
-                <a14:useLocalDpi xmlns:a14="http://schemas.microsoft.com/office/drawing/2010/main" val="0"/>
-              </a:ext>
-            </a:extLst>
-          </a:blip>
-          <a:stretch>
-            <a:fillRect/>
-          </a:stretch>
-        </p:blipFill>
-        <p:spPr>
-          <a:xfrm>
-            <a:off x="3190057" y="2784412"/>
-            <a:ext cx="1902176" cy="2560320"/>
-          </a:xfrm>
-          <a:prstGeom prst="rect">
-            <a:avLst/>
-          </a:prstGeom>
-        </p:spPr>
-      </p:pic>
-      <p:pic>
-        <p:nvPicPr>
-          <p:cNvPr id="10" name="Picture 9"/>
-          <p:cNvPicPr>
-            <a:picLocks noChangeAspect="1"/>
-          </p:cNvPicPr>
-          <p:nvPr/>
-        </p:nvPicPr>
-        <p:blipFill>
-          <a:blip r:embed="rId5">
-            <a:extLst>
-              <a:ext uri="{28A0092B-C50C-407E-A947-70E740481C1C}">
-                <a14:useLocalDpi xmlns:a14="http://schemas.microsoft.com/office/drawing/2010/main" val="0"/>
-              </a:ext>
-            </a:extLst>
-          </a:blip>
-          <a:stretch>
-            <a:fillRect/>
-          </a:stretch>
-        </p:blipFill>
-        <p:spPr>
-          <a:xfrm>
-            <a:off x="5285215" y="1707523"/>
-            <a:ext cx="1867437" cy="2646830"/>
-          </a:xfrm>
-          <a:prstGeom prst="rect">
-            <a:avLst/>
-          </a:prstGeom>
-        </p:spPr>
-      </p:pic>
-      <p:sp>
-        <p:nvSpPr>
-          <p:cNvPr id="13" name="TextBox 12"/>
-          <p:cNvSpPr txBox="1"/>
-          <p:nvPr/>
-        </p:nvSpPr>
-        <p:spPr>
-          <a:xfrm>
-            <a:off x="1326524" y="4790941"/>
-            <a:ext cx="1581407" cy="523220"/>
-          </a:xfrm>
-          <a:prstGeom prst="rect">
-            <a:avLst/>
-          </a:prstGeom>
-          <a:noFill/>
-        </p:spPr>
-        <p:txBody>
-          <a:bodyPr wrap="square" rtlCol="0">
-            <a:spAutoFit/>
-          </a:bodyPr>
-          <a:lstStyle/>
-          <a:p>
-            <a:r>
-              <a:rPr lang="en-US" sz="2800" b="1" dirty="0">
-                <a:solidFill>
-                  <a:srgbClr val="00B050"/>
-                </a:solidFill>
-              </a:rPr>
-              <a:t>Sahithya</a:t>
-            </a:r>
-            <a:endParaRPr lang="en-US" sz="2400" b="1" dirty="0">
-              <a:solidFill>
-                <a:srgbClr val="00B050"/>
-              </a:solidFill>
-            </a:endParaRPr>
-          </a:p>
-        </p:txBody>
-      </p:sp>
-      <p:sp>
-        <p:nvSpPr>
-          <p:cNvPr id="14" name="TextBox 13"/>
-          <p:cNvSpPr txBox="1"/>
-          <p:nvPr/>
-        </p:nvSpPr>
-        <p:spPr>
-          <a:xfrm>
-            <a:off x="3438660" y="5100034"/>
-            <a:ext cx="1803042" cy="1138773"/>
-          </a:xfrm>
-          <a:prstGeom prst="rect">
-            <a:avLst/>
-          </a:prstGeom>
-          <a:noFill/>
-        </p:spPr>
-        <p:txBody>
-          <a:bodyPr wrap="square" rtlCol="0">
-            <a:spAutoFit/>
-          </a:bodyPr>
-          <a:lstStyle/>
-          <a:p>
-            <a:endParaRPr lang="en-US" sz="2000" b="1" dirty="0"/>
-          </a:p>
-          <a:p>
-            <a:endParaRPr lang="en-US" sz="2000" b="1" dirty="0"/>
-          </a:p>
-          <a:p>
-            <a:r>
-              <a:rPr lang="en-US" sz="2800" b="1" dirty="0" err="1">
-                <a:solidFill>
-                  <a:srgbClr val="00B050"/>
-                </a:solidFill>
-              </a:rPr>
-              <a:t>Jeevitha</a:t>
-            </a:r>
-            <a:endParaRPr lang="en-US" b="1" dirty="0">
-              <a:solidFill>
-                <a:srgbClr val="00B050"/>
-              </a:solidFill>
-            </a:endParaRPr>
-          </a:p>
-        </p:txBody>
-      </p:sp>
-      <p:sp>
-        <p:nvSpPr>
-          <p:cNvPr id="15" name="TextBox 14"/>
-          <p:cNvSpPr txBox="1"/>
-          <p:nvPr/>
-        </p:nvSpPr>
-        <p:spPr>
-          <a:xfrm>
-            <a:off x="5615189" y="4726545"/>
-            <a:ext cx="1635617" cy="523220"/>
-          </a:xfrm>
-          <a:prstGeom prst="rect">
-            <a:avLst/>
-          </a:prstGeom>
-          <a:noFill/>
-        </p:spPr>
-        <p:txBody>
-          <a:bodyPr wrap="square" rtlCol="0">
-            <a:spAutoFit/>
-          </a:bodyPr>
-          <a:lstStyle/>
-          <a:p>
-            <a:r>
-              <a:rPr lang="en-US" sz="2800" b="1" dirty="0" err="1">
-                <a:solidFill>
-                  <a:srgbClr val="00B050"/>
-                </a:solidFill>
-              </a:rPr>
-              <a:t>Meghana</a:t>
-            </a:r>
-            <a:endParaRPr lang="en-US" sz="2000" b="1" dirty="0">
-              <a:solidFill>
-                <a:srgbClr val="00B050"/>
-              </a:solidFill>
-            </a:endParaRPr>
-          </a:p>
-        </p:txBody>
-      </p:sp>
-      <p:sp>
-        <p:nvSpPr>
-          <p:cNvPr id="16" name="TextBox 15"/>
-          <p:cNvSpPr txBox="1"/>
-          <p:nvPr/>
-        </p:nvSpPr>
-        <p:spPr>
-          <a:xfrm>
-            <a:off x="7624293" y="5756856"/>
-            <a:ext cx="1725769" cy="523220"/>
-          </a:xfrm>
-          <a:prstGeom prst="rect">
-            <a:avLst/>
-          </a:prstGeom>
-          <a:noFill/>
-        </p:spPr>
-        <p:txBody>
-          <a:bodyPr wrap="square" rtlCol="0">
-            <a:spAutoFit/>
-          </a:bodyPr>
-          <a:lstStyle/>
-          <a:p>
-            <a:r>
-              <a:rPr lang="en-US" sz="2800" b="1" dirty="0" err="1">
-                <a:solidFill>
-                  <a:srgbClr val="00B050"/>
-                </a:solidFill>
-              </a:rPr>
-              <a:t>Manoj</a:t>
-            </a:r>
-            <a:endParaRPr lang="en-US" sz="2400" b="1" dirty="0">
-              <a:solidFill>
-                <a:srgbClr val="00B050"/>
-              </a:solidFill>
-            </a:endParaRPr>
-          </a:p>
-        </p:txBody>
-      </p:sp>
-      <p:sp>
-        <p:nvSpPr>
-          <p:cNvPr id="18" name="TextBox 17"/>
-          <p:cNvSpPr txBox="1"/>
-          <p:nvPr/>
-        </p:nvSpPr>
-        <p:spPr>
-          <a:xfrm>
-            <a:off x="10212946" y="4610637"/>
-            <a:ext cx="1352282" cy="523220"/>
-          </a:xfrm>
-          <a:prstGeom prst="rect">
-            <a:avLst/>
-          </a:prstGeom>
-          <a:noFill/>
-        </p:spPr>
-        <p:txBody>
-          <a:bodyPr wrap="square" rtlCol="0">
-            <a:spAutoFit/>
-          </a:bodyPr>
-          <a:lstStyle/>
-          <a:p>
-            <a:pPr algn="ctr"/>
-            <a:r>
-              <a:rPr lang="en-US" sz="2800" b="1" dirty="0">
-                <a:solidFill>
-                  <a:srgbClr val="00B050"/>
-                </a:solidFill>
-              </a:rPr>
-              <a:t>Suneel</a:t>
-            </a:r>
-            <a:endParaRPr lang="en-US" sz="2000" b="1" dirty="0">
-              <a:solidFill>
-                <a:srgbClr val="00B050"/>
-              </a:solidFill>
-            </a:endParaRPr>
-          </a:p>
-        </p:txBody>
-      </p:sp>
-      <p:pic>
-        <p:nvPicPr>
-          <p:cNvPr id="3" name="Picture 2"/>
-          <p:cNvPicPr>
-            <a:picLocks noChangeAspect="1"/>
-          </p:cNvPicPr>
-          <p:nvPr/>
-        </p:nvPicPr>
-        <p:blipFill>
-          <a:blip r:embed="rId6" cstate="print">
-            <a:extLst>
-              <a:ext uri="{28A0092B-C50C-407E-A947-70E740481C1C}">
-                <a14:useLocalDpi xmlns:a14="http://schemas.microsoft.com/office/drawing/2010/main" val="0"/>
-              </a:ext>
-            </a:extLst>
-          </a:blip>
-          <a:stretch>
-            <a:fillRect/>
-          </a:stretch>
-        </p:blipFill>
-        <p:spPr>
-          <a:xfrm>
-            <a:off x="1052944" y="1953491"/>
-            <a:ext cx="1911927" cy="2618510"/>
-          </a:xfrm>
-          <a:prstGeom prst="rect">
-            <a:avLst/>
-          </a:prstGeom>
-        </p:spPr>
-      </p:pic>
-    </p:spTree>
-    <p:extLst>
-      <p:ext uri="{BB962C8B-B14F-4D97-AF65-F5344CB8AC3E}">
-        <p14:creationId xmlns:p14="http://schemas.microsoft.com/office/powerpoint/2010/main" val="196117116"/>
       </p:ext>
     </p:extLst>
   </p:cSld>
@@ -8444,7 +5731,7 @@
         </p:spPr>
         <p:txBody>
           <a:bodyPr>
-            <a:normAutofit fontScale="92500" lnSpcReduction="10000"/>
+            <a:normAutofit/>
           </a:bodyPr>
           <a:lstStyle/>
           <a:p>
@@ -8480,7 +5767,17 @@
                 <a:latin typeface="Times New Roman" panose="02020603050405020304" pitchFamily="18" charset="0"/>
                 <a:cs typeface="Times New Roman" panose="02020603050405020304" pitchFamily="18" charset="0"/>
               </a:rPr>
-              <a:t>ER-Model</a:t>
+              <a:t>Tools </a:t>
+            </a:r>
+            <a:r>
+              <a:rPr lang="en-US" sz="2800" b="1" dirty="0">
+                <a:solidFill>
+                  <a:srgbClr val="002060"/>
+                </a:solidFill>
+                <a:latin typeface="Times New Roman" panose="02020603050405020304" pitchFamily="18" charset="0"/>
+                <a:cs typeface="Times New Roman" panose="02020603050405020304" pitchFamily="18" charset="0"/>
+              </a:rPr>
+              <a:t>Required</a:t>
             </a:r>
           </a:p>
           <a:p>
@@ -8492,43 +5789,12 @@
                 <a:latin typeface="Times New Roman" panose="02020603050405020304" pitchFamily="18" charset="0"/>
                 <a:cs typeface="Times New Roman" panose="02020603050405020304" pitchFamily="18" charset="0"/>
               </a:rPr>
-              <a:t>Flowchart</a:t>
-            </a:r>
-            <a:endParaRPr lang="en-US" sz="2800" b="1" dirty="0">
-              <a:solidFill>
-                <a:srgbClr val="002060"/>
-              </a:solidFill>
-              <a:latin typeface="Times New Roman" panose="02020603050405020304" pitchFamily="18" charset="0"/>
-              <a:cs typeface="Times New Roman" panose="02020603050405020304" pitchFamily="18" charset="0"/>
-            </a:endParaRPr>
-          </a:p>
-          <a:p>
-            <a:r>
-              <a:rPr lang="en-US" sz="2800" b="1" dirty="0">
-                <a:solidFill>
-                  <a:srgbClr val="002060"/>
-                </a:solidFill>
-                <a:latin typeface="Times New Roman" panose="02020603050405020304" pitchFamily="18" charset="0"/>
-                <a:cs typeface="Times New Roman" panose="02020603050405020304" pitchFamily="18" charset="0"/>
-              </a:rPr>
-              <a:t>Tools Required</a:t>
-            </a:r>
-          </a:p>
-          <a:p>
-            <a:r>
-              <a:rPr lang="en-US" sz="2800" b="1" dirty="0">
-                <a:solidFill>
-                  <a:srgbClr val="002060"/>
-                </a:solidFill>
-                <a:latin typeface="Times New Roman" panose="02020603050405020304" pitchFamily="18" charset="0"/>
-                <a:cs typeface="Times New Roman" panose="02020603050405020304" pitchFamily="18" charset="0"/>
-              </a:rPr>
-              <a:t>Prototype Design</a:t>
-            </a:r>
-          </a:p>
-          <a:p>
-            <a:r>
-              <a:rPr lang="en-US" sz="2800" b="1" dirty="0">
+              <a:t>Demonstration</a:t>
+            </a:r>
+          </a:p>
+          <a:p>
+            <a:r>
+              <a:rPr lang="en-US" sz="2800" b="1" dirty="0" smtClean="0">
                 <a:solidFill>
                   <a:srgbClr val="002060"/>
                 </a:solidFill>
@@ -8536,18 +5802,6 @@
                 <a:cs typeface="Times New Roman" panose="02020603050405020304" pitchFamily="18" charset="0"/>
               </a:rPr>
               <a:t>Implementation</a:t>
-            </a:r>
-          </a:p>
-          <a:p>
-            <a:r>
-              <a:rPr lang="en-US" sz="2800" b="1" dirty="0" smtClean="0">
-                <a:solidFill>
-                  <a:srgbClr val="002060"/>
-                </a:solidFill>
-                <a:latin typeface="Times New Roman" panose="02020603050405020304" pitchFamily="18" charset="0"/>
-                <a:cs typeface="Times New Roman" panose="02020603050405020304" pitchFamily="18" charset="0"/>
-              </a:rPr>
-              <a:t>Conclusion</a:t>
             </a:r>
             <a:endParaRPr lang="en-US" sz="2800" b="1" dirty="0">
               <a:solidFill>
@@ -8682,7 +5936,7 @@
           </a:p>
           <a:p>
             <a:r>
-              <a:rPr lang="en-US" sz="2800" dirty="0" smtClean="0">
+              <a:rPr lang="en-US" dirty="0" smtClean="0">
                 <a:solidFill>
                   <a:srgbClr val="002060"/>
                 </a:solidFill>
@@ -8692,7 +5946,7 @@
               <a:t>The </a:t>
             </a:r>
             <a:r>
-              <a:rPr lang="en-US" sz="2800" dirty="0">
+              <a:rPr lang="en-US" dirty="0">
                 <a:solidFill>
                   <a:srgbClr val="002060"/>
                 </a:solidFill>
@@ -8704,7 +5958,7 @@
           </a:p>
           <a:p>
             <a:r>
-              <a:rPr lang="en-US" sz="2800" dirty="0">
+              <a:rPr lang="en-US" dirty="0">
                 <a:solidFill>
                   <a:srgbClr val="002060"/>
                 </a:solidFill>
@@ -8716,7 +5970,7 @@
           </a:p>
           <a:p>
             <a:r>
-              <a:rPr lang="en-US" sz="2800" dirty="0">
+              <a:rPr lang="en-US" dirty="0">
                 <a:solidFill>
                   <a:srgbClr val="002060"/>
                 </a:solidFill>
@@ -8734,43 +5988,6 @@
               <a:latin typeface="Times New Roman" panose="02020603050405020304" pitchFamily="18" charset="0"/>
               <a:cs typeface="Times New Roman" panose="02020603050405020304" pitchFamily="18" charset="0"/>
             </a:endParaRPr>
-          </a:p>
-        </p:txBody>
-      </p:sp>
-      <p:sp>
-        <p:nvSpPr>
-          <p:cNvPr id="4" name="TextBox 3"/>
-          <p:cNvSpPr txBox="1"/>
-          <p:nvPr/>
-        </p:nvSpPr>
-        <p:spPr>
-          <a:xfrm>
-            <a:off x="6972300" y="6057900"/>
-            <a:ext cx="4735286" cy="369332"/>
-          </a:xfrm>
-          <a:prstGeom prst="rect">
-            <a:avLst/>
-          </a:prstGeom>
-          <a:noFill/>
-        </p:spPr>
-        <p:txBody>
-          <a:bodyPr wrap="square" rtlCol="0">
-            <a:spAutoFit/>
-          </a:bodyPr>
-          <a:lstStyle/>
-          <a:p>
-            <a:r>
-              <a:rPr lang="en-US" dirty="0"/>
-              <a:t>     </a:t>
-            </a:r>
-            <a:r>
-              <a:rPr lang="en-US" dirty="0" smtClean="0"/>
-              <a:t>                                            </a:t>
-            </a:r>
-            <a:r>
-              <a:rPr lang="en-US" dirty="0"/>
-              <a:t>Sahithya Vuppala</a:t>
-            </a:r>
           </a:p>
         </p:txBody>
       </p:sp>
@@ -8884,7 +6101,7 @@
               <a:buNone/>
             </a:pPr>
             <a:r>
-              <a:rPr lang="en-US" sz="2800" b="1" dirty="0">
+              <a:rPr lang="en-US" b="1" dirty="0">
                 <a:solidFill>
                   <a:srgbClr val="FF0000"/>
                 </a:solidFill>
@@ -8896,7 +6113,7 @@
           </a:p>
           <a:p>
             <a:r>
-              <a:rPr lang="en-US" sz="2800" dirty="0">
+              <a:rPr lang="en-US" dirty="0">
                 <a:solidFill>
                   <a:srgbClr val="002060"/>
                 </a:solidFill>
@@ -8908,53 +6125,27 @@
           </a:p>
           <a:p>
             <a:r>
-              <a:rPr lang="en-US" sz="2800" dirty="0">
+              <a:rPr lang="en-US" dirty="0" smtClean="0">
                 <a:solidFill>
                   <a:srgbClr val="002060"/>
                 </a:solidFill>
                 <a:latin typeface="Times New Roman" panose="02020603050405020304" pitchFamily="18" charset="0"/>
                 <a:cs typeface="Times New Roman" panose="02020603050405020304" pitchFamily="18" charset="0"/>
               </a:rPr>
-              <a:t>Also fix the price for each product </a:t>
-            </a:r>
-          </a:p>
-          <a:p>
-            <a:r>
-              <a:rPr lang="en-US" sz="2800" dirty="0">
+              <a:t>When </a:t>
+            </a:r>
+            <a:r>
+              <a:rPr lang="en-US" dirty="0">
                 <a:solidFill>
                   <a:srgbClr val="002060"/>
                 </a:solidFill>
                 <a:latin typeface="Times New Roman" panose="02020603050405020304" pitchFamily="18" charset="0"/>
                 <a:cs typeface="Times New Roman" panose="02020603050405020304" pitchFamily="18" charset="0"/>
               </a:rPr>
-              <a:t>Request of items should be shown in admin’s dashboard</a:t>
-            </a:r>
-          </a:p>
-          <a:p>
-            <a:r>
-              <a:rPr lang="en-US" sz="2800" dirty="0">
-                <a:solidFill>
-                  <a:srgbClr val="002060"/>
-                </a:solidFill>
-                <a:latin typeface="Times New Roman" panose="02020603050405020304" pitchFamily="18" charset="0"/>
-                <a:cs typeface="Times New Roman" panose="02020603050405020304" pitchFamily="18" charset="0"/>
-              </a:rPr>
-              <a:t>Need to upload a shipping label to the user </a:t>
-            </a:r>
-          </a:p>
-          <a:p>
-            <a:r>
-              <a:rPr lang="en-US" sz="2800" dirty="0">
-                <a:solidFill>
-                  <a:srgbClr val="002060"/>
-                </a:solidFill>
-                <a:latin typeface="Times New Roman" panose="02020603050405020304" pitchFamily="18" charset="0"/>
-                <a:cs typeface="Times New Roman" panose="02020603050405020304" pitchFamily="18" charset="0"/>
-              </a:rPr>
-              <a:t>When the product details are verified the payment will be </a:t>
-            </a:r>
-            <a:r>
-              <a:rPr lang="en-US" sz="2800" dirty="0" smtClean="0">
+              <a:t>the product details are verified the payment will be </a:t>
+            </a:r>
+            <a:r>
+              <a:rPr lang="en-US" dirty="0" smtClean="0">
                 <a:solidFill>
                   <a:srgbClr val="002060"/>
                 </a:solidFill>
@@ -8966,16 +6157,6 @@
           </a:p>
           <a:p>
             <a:r>
-              <a:rPr lang="en-US" sz="2800" dirty="0" smtClean="0">
-                <a:solidFill>
-                  <a:srgbClr val="002060"/>
-                </a:solidFill>
-                <a:latin typeface="Times New Roman" panose="02020603050405020304" pitchFamily="18" charset="0"/>
-                <a:cs typeface="Times New Roman" panose="02020603050405020304" pitchFamily="18" charset="0"/>
-              </a:rPr>
-              <a:t>Guest approvals are accepted</a:t>
-            </a:r>
-            <a:r>
               <a:rPr lang="en-US" dirty="0" smtClean="0">
                 <a:solidFill>
                   <a:srgbClr val="002060"/>
@@ -8983,9 +6164,9 @@
                 <a:latin typeface="Times New Roman" panose="02020603050405020304" pitchFamily="18" charset="0"/>
                 <a:cs typeface="Times New Roman" panose="02020603050405020304" pitchFamily="18" charset="0"/>
               </a:rPr>
-              <a:t> </a:t>
-            </a:r>
-            <a:endParaRPr lang="en-US" dirty="0">
+              <a:t>Guest approvals are accepted </a:t>
+            </a:r>
+            <a:endParaRPr lang="en-US" dirty="0" smtClean="0">
               <a:solidFill>
                 <a:srgbClr val="002060"/>
               </a:solidFill>
@@ -8993,6 +6174,98 @@
               <a:cs typeface="Times New Roman" panose="02020603050405020304" pitchFamily="18" charset="0"/>
             </a:endParaRPr>
           </a:p>
+          <a:p>
+            <a:pPr marL="0" indent="0">
+              <a:buNone/>
+            </a:pPr>
+            <a:r>
+              <a:rPr lang="en-US" b="1" dirty="0">
+                <a:solidFill>
+                  <a:srgbClr val="FF0000"/>
+                </a:solidFill>
+                <a:latin typeface="Times New Roman" panose="02020603050405020304" pitchFamily="18" charset="0"/>
+                <a:cs typeface="Times New Roman" panose="02020603050405020304" pitchFamily="18" charset="0"/>
+              </a:rPr>
+              <a:t>Guest Role</a:t>
+            </a:r>
+          </a:p>
+          <a:p>
+            <a:r>
+              <a:rPr lang="en-US" dirty="0">
+                <a:solidFill>
+                  <a:srgbClr val="002060"/>
+                </a:solidFill>
+                <a:latin typeface="Times New Roman" panose="02020603050405020304" pitchFamily="18" charset="0"/>
+                <a:cs typeface="Times New Roman" panose="02020603050405020304" pitchFamily="18" charset="0"/>
+              </a:rPr>
+              <a:t>Asks Permission to continue as a </a:t>
+            </a:r>
+            <a:r>
+              <a:rPr lang="en-US" dirty="0" smtClean="0">
+                <a:solidFill>
+                  <a:srgbClr val="002060"/>
+                </a:solidFill>
+                <a:latin typeface="Times New Roman" panose="02020603050405020304" pitchFamily="18" charset="0"/>
+                <a:cs typeface="Times New Roman" panose="02020603050405020304" pitchFamily="18" charset="0"/>
+              </a:rPr>
+              <a:t>user</a:t>
+            </a:r>
+          </a:p>
+          <a:p>
+            <a:pPr marL="0" indent="0">
+              <a:buNone/>
+            </a:pPr>
+            <a:r>
+              <a:rPr lang="en-US" b="1" dirty="0">
+                <a:solidFill>
+                  <a:srgbClr val="FF0000"/>
+                </a:solidFill>
+                <a:latin typeface="Times New Roman" panose="02020603050405020304" pitchFamily="18" charset="0"/>
+                <a:cs typeface="Times New Roman" panose="02020603050405020304" pitchFamily="18" charset="0"/>
+              </a:rPr>
+              <a:t>Client Role</a:t>
+            </a:r>
+          </a:p>
+          <a:p>
+            <a:r>
+              <a:rPr lang="en-US" dirty="0">
+                <a:solidFill>
+                  <a:srgbClr val="002060"/>
+                </a:solidFill>
+                <a:latin typeface="Times New Roman" panose="02020603050405020304" pitchFamily="18" charset="0"/>
+                <a:cs typeface="Times New Roman" panose="02020603050405020304" pitchFamily="18" charset="0"/>
+              </a:rPr>
+              <a:t>Records numbers of items bought </a:t>
+            </a:r>
+          </a:p>
+          <a:p>
+            <a:r>
+              <a:rPr lang="en-US" dirty="0">
+                <a:solidFill>
+                  <a:srgbClr val="002060"/>
+                </a:solidFill>
+                <a:latin typeface="Times New Roman" panose="02020603050405020304" pitchFamily="18" charset="0"/>
+                <a:cs typeface="Times New Roman" panose="02020603050405020304" pitchFamily="18" charset="0"/>
+              </a:rPr>
+              <a:t>User need to upload the shipping receipt to the system</a:t>
+            </a:r>
+            <a:endParaRPr lang="en-US" dirty="0" smtClean="0">
+              <a:solidFill>
+                <a:srgbClr val="002060"/>
+              </a:solidFill>
+              <a:latin typeface="Times New Roman" panose="02020603050405020304" pitchFamily="18" charset="0"/>
+              <a:cs typeface="Times New Roman" panose="02020603050405020304" pitchFamily="18" charset="0"/>
+            </a:endParaRPr>
+          </a:p>
+          <a:p>
+            <a:endParaRPr lang="en-US" sz="2800" dirty="0">
+              <a:solidFill>
+                <a:srgbClr val="002060"/>
+              </a:solidFill>
+              <a:latin typeface="Times New Roman" panose="02020603050405020304" pitchFamily="18" charset="0"/>
+              <a:cs typeface="Times New Roman" panose="02020603050405020304" pitchFamily="18" charset="0"/>
+            </a:endParaRPr>
+          </a:p>
         </p:txBody>
       </p:sp>
       <p:sp>
@@ -9019,7 +6292,7 @@
           <a:p>
             <a:r>
               <a:rPr lang="en-US" dirty="0"/>
-              <a:t>                              Sahithya Vuppala</a:t>
+              <a:t>                              </a:t>
             </a:r>
           </a:p>
         </p:txBody>
@@ -9085,8 +6358,8 @@
         </p:nvSpPr>
         <p:spPr>
           <a:xfrm>
-            <a:off x="761999" y="559678"/>
-            <a:ext cx="8369122" cy="687231"/>
+            <a:off x="762000" y="559678"/>
+            <a:ext cx="5173287" cy="645667"/>
           </a:xfrm>
         </p:spPr>
         <p:txBody>
@@ -9103,7 +6376,7 @@
                 <a:latin typeface="+mn-lt"/>
                 <a:cs typeface="Arial" panose="020B0604020202020204" pitchFamily="34" charset="0"/>
               </a:rPr>
-              <a:t>Requirements continued…</a:t>
+              <a:t>Tools Required</a:t>
             </a:r>
           </a:p>
         </p:txBody>
@@ -9120,8 +6393,8 @@
         </p:nvSpPr>
         <p:spPr>
           <a:xfrm>
-            <a:off x="914400" y="1403797"/>
-            <a:ext cx="10058400" cy="4463603"/>
+            <a:off x="900545" y="1403797"/>
+            <a:ext cx="10072255" cy="4463603"/>
           </a:xfrm>
         </p:spPr>
         <p:txBody>
@@ -9130,128 +6403,103 @@
           </a:bodyPr>
           <a:lstStyle/>
           <a:p>
-            <a:pPr marL="0" indent="0">
-              <a:buNone/>
-            </a:pPr>
-            <a:r>
-              <a:rPr lang="en-US" sz="2800" b="1" dirty="0">
-                <a:solidFill>
-                  <a:srgbClr val="FF0000"/>
-                </a:solidFill>
-                <a:latin typeface="Times New Roman" panose="02020603050405020304" pitchFamily="18" charset="0"/>
-                <a:cs typeface="Times New Roman" panose="02020603050405020304" pitchFamily="18" charset="0"/>
-              </a:rPr>
-              <a:t>Client Role</a:t>
-            </a:r>
-          </a:p>
-          <a:p>
-            <a:r>
-              <a:rPr lang="en-US" sz="2800" dirty="0">
+            <a:r>
+              <a:rPr lang="en-US" dirty="0">
                 <a:solidFill>
                   <a:srgbClr val="002060"/>
                 </a:solidFill>
-                <a:latin typeface="Times New Roman" panose="02020603050405020304" pitchFamily="18" charset="0"/>
-                <a:cs typeface="Times New Roman" panose="02020603050405020304" pitchFamily="18" charset="0"/>
+                <a:latin typeface="Times New Roman" charset="0"/>
+                <a:ea typeface="Times New Roman" charset="0"/>
+                <a:cs typeface="Times New Roman" charset="0"/>
               </a:rPr>
-              <a:t>Records numbers of items bought </a:t>
-            </a:r>
-          </a:p>
-          <a:p>
-            <a:r>
-              <a:rPr lang="en-US" sz="2800" dirty="0">
+              <a:t>Prototype Design        - Just in mind</a:t>
+            </a:r>
+          </a:p>
+          <a:p>
+            <a:r>
+              <a:rPr lang="en-US" dirty="0">
                 <a:solidFill>
                   <a:srgbClr val="002060"/>
                 </a:solidFill>
-                <a:latin typeface="Times New Roman" panose="02020603050405020304" pitchFamily="18" charset="0"/>
-                <a:cs typeface="Times New Roman" panose="02020603050405020304" pitchFamily="18" charset="0"/>
+                <a:latin typeface="Times New Roman" charset="0"/>
+                <a:ea typeface="Times New Roman" charset="0"/>
+                <a:cs typeface="Times New Roman" charset="0"/>
               </a:rPr>
-              <a:t>Asks admin for the shipping label</a:t>
-            </a:r>
-          </a:p>
-          <a:p>
-            <a:r>
-              <a:rPr lang="en-US" sz="2800" dirty="0">
+              <a:t>ER Diagram                - Visio</a:t>
+            </a:r>
+          </a:p>
+          <a:p>
+            <a:r>
+              <a:rPr lang="en-US" dirty="0">
                 <a:solidFill>
                   <a:srgbClr val="002060"/>
                 </a:solidFill>
-                <a:latin typeface="Times New Roman" panose="02020603050405020304" pitchFamily="18" charset="0"/>
-                <a:cs typeface="Times New Roman" panose="02020603050405020304" pitchFamily="18" charset="0"/>
+                <a:latin typeface="Times New Roman" charset="0"/>
+                <a:ea typeface="Times New Roman" charset="0"/>
+                <a:cs typeface="Times New Roman" charset="0"/>
               </a:rPr>
-              <a:t>User should view the shipping label uploaded by the admin</a:t>
-            </a:r>
-          </a:p>
-          <a:p>
-            <a:r>
-              <a:rPr lang="en-US" sz="2800" dirty="0">
+              <a:t>Database Connection  - </a:t>
+            </a:r>
+            <a:r>
+              <a:rPr lang="en-US" dirty="0" smtClean="0">
                 <a:solidFill>
                   <a:srgbClr val="002060"/>
                 </a:solidFill>
-                <a:latin typeface="Times New Roman" panose="02020603050405020304" pitchFamily="18" charset="0"/>
-                <a:cs typeface="Times New Roman" panose="02020603050405020304" pitchFamily="18" charset="0"/>
+                <a:latin typeface="Times New Roman" charset="0"/>
+                <a:ea typeface="Times New Roman" charset="0"/>
+                <a:cs typeface="Times New Roman" charset="0"/>
               </a:rPr>
-              <a:t>User can download the shipping package and ship the package</a:t>
-            </a:r>
-          </a:p>
-          <a:p>
-            <a:r>
-              <a:rPr lang="en-US" sz="2800" dirty="0">
+              <a:t>Back4App</a:t>
+            </a:r>
+          </a:p>
+          <a:p>
+            <a:r>
+              <a:rPr lang="en-US" dirty="0" smtClean="0">
                 <a:solidFill>
                   <a:srgbClr val="002060"/>
                 </a:solidFill>
-                <a:latin typeface="Times New Roman" panose="02020603050405020304" pitchFamily="18" charset="0"/>
-                <a:cs typeface="Times New Roman" panose="02020603050405020304" pitchFamily="18" charset="0"/>
+                <a:latin typeface="Times New Roman" charset="0"/>
+                <a:ea typeface="Times New Roman" charset="0"/>
+                <a:cs typeface="Times New Roman" charset="0"/>
               </a:rPr>
-              <a:t>User need to upload the shipping receipt to the system  </a:t>
-            </a:r>
-          </a:p>
-          <a:p>
-            <a:endParaRPr lang="en-US" sz="2400" b="1" dirty="0">
+              <a:t>Platform                      - </a:t>
+            </a:r>
+            <a:r>
+              <a:rPr lang="en-US" dirty="0" err="1">
+                <a:solidFill>
+                  <a:srgbClr val="002060"/>
+                </a:solidFill>
+                <a:latin typeface="Times New Roman" charset="0"/>
+                <a:ea typeface="Times New Roman" charset="0"/>
+                <a:cs typeface="Times New Roman" charset="0"/>
+              </a:rPr>
+              <a:t>Xcode</a:t>
+            </a:r>
+            <a:endParaRPr lang="en-US" dirty="0">
               <a:solidFill>
-                <a:schemeClr val="accent1"/>
+                <a:srgbClr val="002060"/>
               </a:solidFill>
+              <a:latin typeface="Times New Roman" charset="0"/>
+              <a:ea typeface="Times New Roman" charset="0"/>
+              <a:cs typeface="Times New Roman" charset="0"/>
             </a:endParaRPr>
           </a:p>
-        </p:txBody>
-      </p:sp>
-      <p:sp>
-        <p:nvSpPr>
-          <p:cNvPr id="4" name="TextBox 3"/>
-          <p:cNvSpPr txBox="1"/>
-          <p:nvPr/>
-        </p:nvSpPr>
-        <p:spPr>
-          <a:xfrm>
-            <a:off x="7004957" y="5600700"/>
-            <a:ext cx="4669972" cy="646331"/>
-          </a:xfrm>
-          <a:prstGeom prst="rect">
-            <a:avLst/>
-          </a:prstGeom>
-          <a:noFill/>
-        </p:spPr>
-        <p:txBody>
-          <a:bodyPr wrap="square" rtlCol="0">
-            <a:spAutoFit/>
-          </a:bodyPr>
-          <a:lstStyle/>
-          <a:p>
-            <a:r>
-              <a:rPr lang="en-US" dirty="0"/>
-              <a:t>		</a:t>
-            </a:r>
-          </a:p>
-          <a:p>
-            <a:r>
-              <a:rPr lang="en-US" dirty="0"/>
-              <a:t>			Sahithya Vuppala</a:t>
-            </a:r>
+          <a:p>
+            <a:endParaRPr lang="en-US" sz="2800" dirty="0">
+              <a:solidFill>
+                <a:srgbClr val="0070C0"/>
+              </a:solidFill>
+              <a:latin typeface="Times New Roman" charset="0"/>
+              <a:ea typeface="Times New Roman" charset="0"/>
+              <a:cs typeface="Times New Roman" charset="0"/>
+            </a:endParaRPr>
           </a:p>
         </p:txBody>
       </p:sp>
     </p:spTree>
     <p:extLst>
       <p:ext uri="{BB962C8B-B14F-4D97-AF65-F5344CB8AC3E}">
-        <p14:creationId xmlns:p14="http://schemas.microsoft.com/office/powerpoint/2010/main" val="323088341"/>
+        <p14:creationId xmlns:p14="http://schemas.microsoft.com/office/powerpoint/2010/main" val="3559406443"/>
       </p:ext>
     </p:extLst>
   </p:cSld>
@@ -9309,8 +6557,8 @@
         </p:nvSpPr>
         <p:spPr>
           <a:xfrm>
-            <a:off x="761998" y="559678"/>
-            <a:ext cx="9240983" cy="714940"/>
+            <a:off x="762000" y="559678"/>
+            <a:ext cx="9591822" cy="617958"/>
           </a:xfrm>
         </p:spPr>
         <p:txBody>
@@ -9320,14 +6568,24 @@
           <a:lstStyle/>
           <a:p>
             <a:r>
+              <a:rPr lang="en-US" sz="4400" b="1" i="0" dirty="0" smtClean="0">
+                <a:solidFill>
+                  <a:srgbClr val="C00000"/>
+                </a:solidFill>
+                <a:latin typeface="+mn-lt"/>
+                <a:cs typeface="Arial" panose="020B0604020202020204" pitchFamily="34" charset="0"/>
+              </a:rPr>
+              <a:t>Lessons </a:t>
+            </a:r>
+            <a:r>
               <a:rPr lang="en-US" sz="4400" b="1" i="0" dirty="0">
                 <a:solidFill>
                   <a:srgbClr val="C00000"/>
                 </a:solidFill>
-                <a:latin typeface="Arial" panose="020B0604020202020204" pitchFamily="34" charset="0"/>
+                <a:latin typeface="+mn-lt"/>
                 <a:cs typeface="Arial" panose="020B0604020202020204" pitchFamily="34" charset="0"/>
               </a:rPr>
-              <a:t>Requirements continued…</a:t>
+              <a:t>Learned </a:t>
             </a:r>
           </a:p>
         </p:txBody>
@@ -9344,8 +6602,8 @@
         </p:nvSpPr>
         <p:spPr>
           <a:xfrm>
-            <a:off x="914400" y="1403797"/>
-            <a:ext cx="10058400" cy="4463603"/>
+            <a:off x="1371600" y="1403797"/>
+            <a:ext cx="9601200" cy="4463603"/>
           </a:xfrm>
         </p:spPr>
         <p:txBody>
@@ -9354,99 +6612,144 @@
           </a:bodyPr>
           <a:lstStyle/>
           <a:p>
-            <a:pPr marL="0" indent="0">
-              <a:buNone/>
-            </a:pPr>
-            <a:r>
-              <a:rPr lang="en-US" sz="2800" b="1" dirty="0">
-                <a:solidFill>
-                  <a:srgbClr val="FF0000"/>
-                </a:solidFill>
-                <a:latin typeface="Times New Roman" panose="02020603050405020304" pitchFamily="18" charset="0"/>
-                <a:cs typeface="Times New Roman" panose="02020603050405020304" pitchFamily="18" charset="0"/>
-              </a:rPr>
-              <a:t>Guest Role</a:t>
-            </a:r>
-          </a:p>
-          <a:p>
-            <a:r>
-              <a:rPr lang="en-US" sz="2800" dirty="0">
+            <a:r>
+              <a:rPr lang="en-US" sz="1800" dirty="0">
                 <a:solidFill>
                   <a:srgbClr val="002060"/>
                 </a:solidFill>
                 <a:latin typeface="Times New Roman" panose="02020603050405020304" pitchFamily="18" charset="0"/>
                 <a:cs typeface="Times New Roman" panose="02020603050405020304" pitchFamily="18" charset="0"/>
               </a:rPr>
-              <a:t>Asks Permission to continue as a user  </a:t>
-            </a:r>
+              <a:t>Teamwork, from working in a team with </a:t>
+            </a:r>
+            <a:r>
+              <a:rPr lang="en-US" sz="1800" dirty="0" smtClean="0">
+                <a:solidFill>
+                  <a:srgbClr val="002060"/>
+                </a:solidFill>
+                <a:latin typeface="Times New Roman" panose="02020603050405020304" pitchFamily="18" charset="0"/>
+                <a:cs typeface="Times New Roman" panose="02020603050405020304" pitchFamily="18" charset="0"/>
+              </a:rPr>
+              <a:t>members having </a:t>
+            </a:r>
+            <a:r>
+              <a:rPr lang="en-US" sz="1800" dirty="0">
+                <a:solidFill>
+                  <a:srgbClr val="002060"/>
+                </a:solidFill>
+                <a:latin typeface="Times New Roman" panose="02020603050405020304" pitchFamily="18" charset="0"/>
+                <a:cs typeface="Times New Roman" panose="02020603050405020304" pitchFamily="18" charset="0"/>
+              </a:rPr>
+              <a:t>varied skills</a:t>
+            </a:r>
+            <a:r>
+              <a:rPr lang="en-US" sz="1800" dirty="0" smtClean="0">
+                <a:solidFill>
+                  <a:srgbClr val="002060"/>
+                </a:solidFill>
+                <a:latin typeface="Times New Roman" panose="02020603050405020304" pitchFamily="18" charset="0"/>
+                <a:cs typeface="Times New Roman" panose="02020603050405020304" pitchFamily="18" charset="0"/>
+              </a:rPr>
+              <a:t>.</a:t>
+            </a:r>
+            <a:endParaRPr lang="en-US" sz="1800" dirty="0">
+              <a:solidFill>
+                <a:srgbClr val="002060"/>
+              </a:solidFill>
+              <a:latin typeface="Times New Roman" panose="02020603050405020304" pitchFamily="18" charset="0"/>
+              <a:cs typeface="Times New Roman" panose="02020603050405020304" pitchFamily="18" charset="0"/>
+            </a:endParaRPr>
+          </a:p>
+          <a:p>
+            <a:r>
+              <a:rPr lang="en-US" sz="1800" dirty="0">
+                <a:solidFill>
+                  <a:srgbClr val="002060"/>
+                </a:solidFill>
+                <a:latin typeface="Times New Roman" panose="02020603050405020304" pitchFamily="18" charset="0"/>
+                <a:cs typeface="Times New Roman" panose="02020603050405020304" pitchFamily="18" charset="0"/>
+              </a:rPr>
+              <a:t>Obtaining a clear and consistent idea of </a:t>
+            </a:r>
+            <a:r>
+              <a:rPr lang="en-US" sz="1800" dirty="0" smtClean="0">
+                <a:solidFill>
+                  <a:srgbClr val="002060"/>
+                </a:solidFill>
+                <a:latin typeface="Times New Roman" panose="02020603050405020304" pitchFamily="18" charset="0"/>
+                <a:cs typeface="Times New Roman" panose="02020603050405020304" pitchFamily="18" charset="0"/>
+              </a:rPr>
+              <a:t>the various </a:t>
+            </a:r>
+            <a:r>
+              <a:rPr lang="en-US" sz="1800" dirty="0">
+                <a:solidFill>
+                  <a:srgbClr val="002060"/>
+                </a:solidFill>
+                <a:latin typeface="Times New Roman" panose="02020603050405020304" pitchFamily="18" charset="0"/>
+                <a:cs typeface="Times New Roman" panose="02020603050405020304" pitchFamily="18" charset="0"/>
+              </a:rPr>
+              <a:t>stages in development of a UI.</a:t>
+            </a:r>
+            <a:endParaRPr lang="en-US" sz="1800" dirty="0">
+              <a:solidFill>
+                <a:srgbClr val="002060"/>
+              </a:solidFill>
+              <a:latin typeface="Times New Roman" panose="02020603050405020304" pitchFamily="18" charset="0"/>
+              <a:cs typeface="Times New Roman" panose="02020603050405020304" pitchFamily="18" charset="0"/>
+            </a:endParaRPr>
+          </a:p>
+          <a:p>
+            <a:r>
+              <a:rPr lang="en-US" sz="1800" dirty="0">
+                <a:solidFill>
+                  <a:srgbClr val="002060"/>
+                </a:solidFill>
+                <a:latin typeface="Times New Roman" panose="02020603050405020304" pitchFamily="18" charset="0"/>
+                <a:cs typeface="Times New Roman" panose="02020603050405020304" pitchFamily="18" charset="0"/>
+              </a:rPr>
+              <a:t>Documentation skills</a:t>
+            </a:r>
+          </a:p>
+          <a:p>
+            <a:r>
+              <a:rPr lang="en-US" sz="1800" dirty="0">
+                <a:solidFill>
+                  <a:srgbClr val="002060"/>
+                </a:solidFill>
+                <a:latin typeface="Times New Roman" panose="02020603050405020304" pitchFamily="18" charset="0"/>
+                <a:cs typeface="Times New Roman" panose="02020603050405020304" pitchFamily="18" charset="0"/>
+              </a:rPr>
+              <a:t>Swift Programming Language</a:t>
+            </a:r>
+          </a:p>
+          <a:p>
+            <a:endParaRPr lang="en-US" sz="2800" dirty="0">
+              <a:solidFill>
+                <a:srgbClr val="002060"/>
+              </a:solidFill>
+              <a:latin typeface="Times New Roman" panose="02020603050405020304" pitchFamily="18" charset="0"/>
+              <a:cs typeface="Times New Roman" panose="02020603050405020304" pitchFamily="18" charset="0"/>
+            </a:endParaRPr>
           </a:p>
           <a:p>
             <a:pPr marL="0" indent="0">
               <a:buNone/>
             </a:pPr>
-            <a:endParaRPr lang="en-US" sz="2400" b="1" dirty="0">
+            <a:endParaRPr lang="en-US" sz="2800" dirty="0">
               <a:solidFill>
-                <a:schemeClr val="accent1"/>
+                <a:srgbClr val="002060"/>
               </a:solidFill>
+              <a:latin typeface="Times New Roman" panose="02020603050405020304" pitchFamily="18" charset="0"/>
+              <a:cs typeface="Times New Roman" panose="02020603050405020304" pitchFamily="18" charset="0"/>
             </a:endParaRPr>
-          </a:p>
-        </p:txBody>
-      </p:sp>
-      <p:sp>
-        <p:nvSpPr>
-          <p:cNvPr id="4" name="TextBox 3"/>
-          <p:cNvSpPr txBox="1"/>
-          <p:nvPr/>
-        </p:nvSpPr>
-        <p:spPr>
-          <a:xfrm>
-            <a:off x="7685710" y="5650577"/>
-            <a:ext cx="4098471" cy="923330"/>
-          </a:xfrm>
-          <a:prstGeom prst="rect">
-            <a:avLst/>
-          </a:prstGeom>
-          <a:noFill/>
-        </p:spPr>
-        <p:txBody>
-          <a:bodyPr wrap="square" rtlCol="0">
-            <a:spAutoFit/>
-          </a:bodyPr>
-          <a:lstStyle/>
-          <a:p>
-            <a:r>
-              <a:rPr lang="en-US" dirty="0"/>
-              <a:t>	      </a:t>
-            </a:r>
-          </a:p>
-          <a:p>
-            <a:r>
-              <a:rPr lang="en-US" dirty="0"/>
-              <a:t>	                     </a:t>
-            </a:r>
-            <a:r>
-              <a:rPr lang="en-US" dirty="0" err="1"/>
-              <a:t>Sahithya</a:t>
-            </a:r>
-            <a:r>
-              <a:rPr lang="en-US" dirty="0"/>
-              <a:t> </a:t>
-            </a:r>
-            <a:r>
-              <a:rPr lang="en-US" dirty="0" err="1"/>
-              <a:t>Vuppala</a:t>
-            </a:r>
-            <a:endParaRPr lang="en-US" dirty="0"/>
-          </a:p>
-          <a:p>
-            <a:endParaRPr lang="en-US" dirty="0"/>
           </a:p>
         </p:txBody>
       </p:sp>
     </p:spTree>
     <p:extLst>
       <p:ext uri="{BB962C8B-B14F-4D97-AF65-F5344CB8AC3E}">
-        <p14:creationId xmlns:p14="http://schemas.microsoft.com/office/powerpoint/2010/main" val="4256237865"/>
+        <p14:creationId xmlns:p14="http://schemas.microsoft.com/office/powerpoint/2010/main" val="4196533508"/>
       </p:ext>
     </p:extLst>
   </p:cSld>
@@ -9505,12 +6808,12 @@
         <p:spPr>
           <a:xfrm>
             <a:off x="762000" y="559678"/>
-            <a:ext cx="4750158" cy="507122"/>
+            <a:ext cx="5334000" cy="770358"/>
           </a:xfrm>
         </p:spPr>
         <p:txBody>
           <a:bodyPr>
-            <a:noAutofit/>
+            <a:normAutofit/>
           </a:bodyPr>
           <a:lstStyle/>
           <a:p>
@@ -9522,62 +6825,24 @@
                 <a:latin typeface="+mn-lt"/>
                 <a:cs typeface="Arial" panose="020B0604020202020204" pitchFamily="34" charset="0"/>
               </a:rPr>
-              <a:t>ER-DIAGRAM</a:t>
-            </a:r>
-          </a:p>
-        </p:txBody>
-      </p:sp>
-      <p:sp>
-        <p:nvSpPr>
-          <p:cNvPr id="5" name="TextBox 4"/>
-          <p:cNvSpPr txBox="1"/>
-          <p:nvPr/>
-        </p:nvSpPr>
-        <p:spPr>
-          <a:xfrm>
-            <a:off x="8213271" y="6155871"/>
-            <a:ext cx="3396343" cy="369332"/>
-          </a:xfrm>
-          <a:prstGeom prst="rect">
-            <a:avLst/>
-          </a:prstGeom>
-          <a:noFill/>
-        </p:spPr>
-        <p:txBody>
-          <a:bodyPr wrap="square" rtlCol="0">
-            <a:spAutoFit/>
-          </a:bodyPr>
-          <a:lstStyle/>
-          <a:p>
-            <a:r>
-              <a:rPr lang="en-US" dirty="0"/>
-              <a:t>	    </a:t>
-            </a:r>
-            <a:r>
-              <a:rPr lang="en-US" dirty="0" err="1"/>
-              <a:t>Jeevitha</a:t>
-            </a:r>
-            <a:r>
-              <a:rPr lang="en-US" dirty="0"/>
-              <a:t> </a:t>
-            </a:r>
-            <a:r>
-              <a:rPr lang="en-US" dirty="0" err="1"/>
-              <a:t>Kamatham</a:t>
-            </a:r>
-            <a:endParaRPr lang="en-US" dirty="0"/>
+              <a:t>Implementation</a:t>
+            </a:r>
+            <a:endParaRPr lang="en-US" sz="4400" dirty="0">
+              <a:solidFill>
+                <a:srgbClr val="C00000"/>
+              </a:solidFill>
+              <a:latin typeface="+mn-lt"/>
+            </a:endParaRPr>
           </a:p>
         </p:txBody>
       </p:sp>
       <p:pic>
         <p:nvPicPr>
-          <p:cNvPr id="6" name="Content Placeholder 5"/>
+          <p:cNvPr id="5" name="Picture 4"/>
           <p:cNvPicPr>
-            <a:picLocks noGrp="1" noChangeAspect="1"/>
+            <a:picLocks noChangeAspect="1"/>
           </p:cNvPicPr>
-          <p:nvPr>
-            <p:ph idx="1"/>
-          </p:nvPr>
+          <p:nvPr/>
         </p:nvPicPr>
         <p:blipFill>
           <a:blip r:embed="rId2">
@@ -9593,15 +6858,18 @@
         </p:blipFill>
         <p:spPr>
           <a:xfrm>
-            <a:off x="1337481" y="1230278"/>
-            <a:ext cx="10092519" cy="5006749"/>
-          </a:xfrm>
+            <a:off x="2356834" y="2021984"/>
+            <a:ext cx="7727324" cy="3116686"/>
+          </a:xfrm>
+          <a:prstGeom prst="rect">
+            <a:avLst/>
+          </a:prstGeom>
         </p:spPr>
       </p:pic>
     </p:spTree>
     <p:extLst>
       <p:ext uri="{BB962C8B-B14F-4D97-AF65-F5344CB8AC3E}">
-        <p14:creationId xmlns:p14="http://schemas.microsoft.com/office/powerpoint/2010/main" val="2628259870"/>
+        <p14:creationId xmlns:p14="http://schemas.microsoft.com/office/powerpoint/2010/main" val="1390182821"/>
       </p:ext>
     </p:extLst>
   </p:cSld>
@@ -9659,8 +6927,51 @@
         </p:nvSpPr>
         <p:spPr>
           <a:xfrm>
-            <a:off x="940158" y="457200"/>
-            <a:ext cx="9727842" cy="1143000"/>
+            <a:off x="761999" y="559678"/>
+            <a:ext cx="11153335" cy="576395"/>
+          </a:xfrm>
+        </p:spPr>
+        <p:txBody>
+          <a:bodyPr>
+            <a:noAutofit/>
+          </a:bodyPr>
+          <a:lstStyle/>
+          <a:p>
+            <a:pPr algn="l"/>
+            <a:r>
+              <a:rPr lang="en-US" sz="4400" b="1" i="0" dirty="0" smtClean="0">
+                <a:solidFill>
+                  <a:srgbClr val="C00000"/>
+                </a:solidFill>
+                <a:latin typeface="+mn-lt"/>
+                <a:cs typeface="Arial" panose="020B0604020202020204" pitchFamily="34" charset="0"/>
+              </a:rPr>
+              <a:t>CONCLUSION</a:t>
+            </a:r>
+            <a:endParaRPr lang="en-US" sz="4400" b="1" i="0" dirty="0">
+              <a:solidFill>
+                <a:srgbClr val="C00000"/>
+              </a:solidFill>
+              <a:latin typeface="+mn-lt"/>
+              <a:cs typeface="Arial" panose="020B0604020202020204" pitchFamily="34" charset="0"/>
+            </a:endParaRPr>
+          </a:p>
+        </p:txBody>
+      </p:sp>
+      <p:sp>
+        <p:nvSpPr>
+          <p:cNvPr id="3" name="Content Placeholder 2"/>
+          <p:cNvSpPr>
+            <a:spLocks noGrp="1"/>
+          </p:cNvSpPr>
+          <p:nvPr>
+            <p:ph idx="1"/>
+          </p:nvPr>
+        </p:nvSpPr>
+        <p:spPr>
+          <a:xfrm>
+            <a:off x="1371600" y="1403797"/>
+            <a:ext cx="9601200" cy="4463603"/>
           </a:xfrm>
         </p:spPr>
         <p:txBody>
@@ -9669,103 +6980,41 @@
           </a:bodyPr>
           <a:lstStyle/>
           <a:p>
-            <a:r>
-              <a:rPr lang="en-US" sz="4400" dirty="0" smtClean="0">
+            <a:endParaRPr lang="en-US" sz="2800" dirty="0" smtClean="0">
+              <a:solidFill>
+                <a:srgbClr val="002060"/>
+              </a:solidFill>
+              <a:latin typeface="Times New Roman" panose="02020603050405020304" pitchFamily="18" charset="0"/>
+              <a:cs typeface="Times New Roman" panose="02020603050405020304" pitchFamily="18" charset="0"/>
+            </a:endParaRPr>
+          </a:p>
+          <a:p>
+            <a:r>
+              <a:rPr lang="en-US" dirty="0" smtClean="0">
                 <a:solidFill>
-                  <a:srgbClr val="C00000"/>
+                  <a:srgbClr val="002060"/>
                 </a:solidFill>
-                <a:latin typeface="+mn-lt"/>
+                <a:latin typeface="Times New Roman" panose="02020603050405020304" pitchFamily="18" charset="0"/>
+                <a:cs typeface="Times New Roman" panose="02020603050405020304" pitchFamily="18" charset="0"/>
               </a:rPr>
-              <a:t>FLOWCHART</a:t>
-            </a:r>
-            <a:endParaRPr lang="en-US" sz="4400" dirty="0">
+              <a:t>Implemented all the functionalities </a:t>
+            </a:r>
+          </a:p>
+          <a:p>
+            <a:endParaRPr lang="en-US" sz="2800" dirty="0" smtClean="0">
               <a:solidFill>
-                <a:srgbClr val="C00000"/>
+                <a:srgbClr val="002060"/>
               </a:solidFill>
-              <a:latin typeface="+mn-lt"/>
+              <a:latin typeface="Times New Roman" panose="02020603050405020304" pitchFamily="18" charset="0"/>
+              <a:cs typeface="Times New Roman" panose="02020603050405020304" pitchFamily="18" charset="0"/>
             </a:endParaRPr>
-          </a:p>
-        </p:txBody>
-      </p:sp>
-      <p:pic>
-        <p:nvPicPr>
-          <p:cNvPr id="3" name="Picture 2"/>
-          <p:cNvPicPr/>
-          <p:nvPr/>
-        </p:nvPicPr>
-        <p:blipFill>
-          <a:blip r:embed="rId2">
-            <a:extLst>
-              <a:ext uri="{28A0092B-C50C-407E-A947-70E740481C1C}">
-                <a14:useLocalDpi xmlns:a14="http://schemas.microsoft.com/office/drawing/2010/main" val="0"/>
-              </a:ext>
-            </a:extLst>
-          </a:blip>
-          <a:srcRect/>
-          <a:stretch>
-            <a:fillRect/>
-          </a:stretch>
-        </p:blipFill>
-        <p:spPr bwMode="auto">
-          <a:xfrm>
-            <a:off x="4185634" y="489397"/>
-            <a:ext cx="6877318" cy="5674821"/>
-          </a:xfrm>
-          <a:prstGeom prst="rect">
-            <a:avLst/>
-          </a:prstGeom>
-          <a:noFill/>
-          <a:ln>
-            <a:noFill/>
-          </a:ln>
-        </p:spPr>
-      </p:pic>
-      <p:sp>
-        <p:nvSpPr>
-          <p:cNvPr id="6" name="TextBox 5"/>
-          <p:cNvSpPr txBox="1"/>
-          <p:nvPr/>
-        </p:nvSpPr>
-        <p:spPr>
-          <a:xfrm>
-            <a:off x="7868992" y="5911403"/>
-            <a:ext cx="3850783" cy="369332"/>
-          </a:xfrm>
-          <a:prstGeom prst="rect">
-            <a:avLst/>
-          </a:prstGeom>
-          <a:noFill/>
-        </p:spPr>
-        <p:txBody>
-          <a:bodyPr wrap="square" rtlCol="0">
-            <a:spAutoFit/>
-          </a:bodyPr>
-          <a:lstStyle/>
-          <a:p>
-            <a:r>
-              <a:rPr lang="en-US" dirty="0" smtClean="0"/>
-              <a:t>		</a:t>
-            </a:r>
-            <a:r>
-              <a:rPr lang="en-US" dirty="0" err="1" smtClean="0"/>
-              <a:t>Jeevitha</a:t>
-            </a:r>
-            <a:r>
-              <a:rPr lang="en-US" dirty="0" smtClean="0"/>
-              <a:t> </a:t>
-            </a:r>
-            <a:r>
-              <a:rPr lang="en-US" dirty="0" err="1"/>
-              <a:t>Kamatham</a:t>
-            </a:r>
-            <a:endParaRPr lang="en-US" dirty="0"/>
           </a:p>
         </p:txBody>
       </p:sp>
     </p:spTree>
     <p:extLst>
       <p:ext uri="{BB962C8B-B14F-4D97-AF65-F5344CB8AC3E}">
-        <p14:creationId xmlns:p14="http://schemas.microsoft.com/office/powerpoint/2010/main" val="3961630699"/>
+        <p14:creationId xmlns:p14="http://schemas.microsoft.com/office/powerpoint/2010/main" val="175273591"/>
       </p:ext>
     </p:extLst>
   </p:cSld>
